--- a/NonCodeRelated/Development of a tour guide.pptx
+++ b/NonCodeRelated/Development of a tour guide.pptx
@@ -2,10 +2,14 @@
 <file path=ppt/presentation.xml><?xml version="1.0" encoding="utf-8"?>
 <p:presentation xmlns:a="http://schemas.openxmlformats.org/drawingml/2006/main" xmlns:r="http://schemas.openxmlformats.org/officeDocument/2006/relationships" xmlns:p="http://schemas.openxmlformats.org/presentationml/2006/main" saveSubsetFonts="1" autoCompressPictures="0">
   <p:sldMasterIdLst>
-    <p:sldMasterId id="2147483648" r:id="rId1"/>
+    <p:sldMasterId id="2147483738" r:id="rId1"/>
   </p:sldMasterIdLst>
   <p:sldIdLst>
     <p:sldId id="256" r:id="rId2"/>
+    <p:sldId id="257" r:id="rId3"/>
+    <p:sldId id="260" r:id="rId4"/>
+    <p:sldId id="259" r:id="rId5"/>
+    <p:sldId id="258" r:id="rId6"/>
   </p:sldIdLst>
   <p:sldSz cx="12192000" cy="6858000"/>
   <p:notesSz cx="6858000" cy="9144000"/>
@@ -129,7 +133,7 @@
           <p:cNvPr id="2" name="Title 1">
             <a:extLst>
               <a:ext uri="{FF2B5EF4-FFF2-40B4-BE49-F238E27FC236}">
-                <a16:creationId xmlns:a16="http://schemas.microsoft.com/office/drawing/2014/main" id="{8811357D-06CC-1047-8D90-29A32AADC196}"/>
+                <a16:creationId xmlns:a16="http://schemas.microsoft.com/office/drawing/2014/main" id="{84DE1A06-8754-4870-9E44-E39BADAD9845}"/>
               </a:ext>
             </a:extLst>
           </p:cNvPr>
@@ -155,10 +159,9 @@
           </a:lstStyle>
           <a:p>
             <a:r>
-              <a:rPr lang="en-GB"/>
+              <a:rPr lang="en-US"/>
               <a:t>Click to edit Master title style</a:t>
             </a:r>
-            <a:endParaRPr lang="en-DK"/>
           </a:p>
         </p:txBody>
       </p:sp>
@@ -167,7 +170,7 @@
           <p:cNvPr id="3" name="Subtitle 2">
             <a:extLst>
               <a:ext uri="{FF2B5EF4-FFF2-40B4-BE49-F238E27FC236}">
-                <a16:creationId xmlns:a16="http://schemas.microsoft.com/office/drawing/2014/main" id="{10AE8674-73FE-3348-A738-5E21FE2985A7}"/>
+                <a16:creationId xmlns:a16="http://schemas.microsoft.com/office/drawing/2014/main" id="{3527F020-BBC3-49BB-91C2-5B2CBD64B3C5}"/>
               </a:ext>
             </a:extLst>
           </p:cNvPr>
@@ -226,10 +229,9 @@
           </a:lstStyle>
           <a:p>
             <a:r>
-              <a:rPr lang="en-GB"/>
+              <a:rPr lang="en-US"/>
               <a:t>Click to edit Master subtitle style</a:t>
             </a:r>
-            <a:endParaRPr lang="en-DK"/>
           </a:p>
         </p:txBody>
       </p:sp>
@@ -238,7 +240,7 @@
           <p:cNvPr id="4" name="Date Placeholder 3">
             <a:extLst>
               <a:ext uri="{FF2B5EF4-FFF2-40B4-BE49-F238E27FC236}">
-                <a16:creationId xmlns:a16="http://schemas.microsoft.com/office/drawing/2014/main" id="{7EEE166B-F3EA-EC40-8E7D-74DFBDC7E48D}"/>
+                <a16:creationId xmlns:a16="http://schemas.microsoft.com/office/drawing/2014/main" id="{767C0C22-EBDA-4130-87AE-CB28BC19B077}"/>
               </a:ext>
             </a:extLst>
           </p:cNvPr>
@@ -254,11 +256,11 @@
           <a:bodyPr/>
           <a:lstStyle/>
           <a:p>
-            <a:fld id="{B93BBDF7-E2CD-9D40-9DB1-F6604D6401F4}" type="datetimeFigureOut">
-              <a:rPr lang="en-DK" smtClean="0"/>
-              <a:t>31/05/2023</a:t>
+            <a:fld id="{82EDB8D0-98ED-4B86-9D5F-E61ADC70144D}" type="datetimeFigureOut">
+              <a:rPr lang="en-US" smtClean="0"/>
+              <a:t>5/31/23</a:t>
             </a:fld>
-            <a:endParaRPr lang="en-DK"/>
+            <a:endParaRPr lang="en-US" dirty="0"/>
           </a:p>
         </p:txBody>
       </p:sp>
@@ -267,7 +269,7 @@
           <p:cNvPr id="5" name="Footer Placeholder 4">
             <a:extLst>
               <a:ext uri="{FF2B5EF4-FFF2-40B4-BE49-F238E27FC236}">
-                <a16:creationId xmlns:a16="http://schemas.microsoft.com/office/drawing/2014/main" id="{57513735-2FD6-E348-B8BE-4FB2F700F1A6}"/>
+                <a16:creationId xmlns:a16="http://schemas.microsoft.com/office/drawing/2014/main" id="{E2A419A8-07CA-4A4C-AEC2-C40D4D50AFAC}"/>
               </a:ext>
             </a:extLst>
           </p:cNvPr>
@@ -283,7 +285,7 @@
           <a:bodyPr/>
           <a:lstStyle/>
           <a:p>
-            <a:endParaRPr lang="en-DK"/>
+            <a:endParaRPr lang="en-US"/>
           </a:p>
         </p:txBody>
       </p:sp>
@@ -292,7 +294,7 @@
           <p:cNvPr id="6" name="Slide Number Placeholder 5">
             <a:extLst>
               <a:ext uri="{FF2B5EF4-FFF2-40B4-BE49-F238E27FC236}">
-                <a16:creationId xmlns:a16="http://schemas.microsoft.com/office/drawing/2014/main" id="{15F0FD4D-31AA-2243-88AD-8EF3021A2FDB}"/>
+                <a16:creationId xmlns:a16="http://schemas.microsoft.com/office/drawing/2014/main" id="{09FA7B86-E610-42EA-B4DC-C2F447785273}"/>
               </a:ext>
             </a:extLst>
           </p:cNvPr>
@@ -308,18 +310,235 @@
           <a:bodyPr/>
           <a:lstStyle/>
           <a:p>
-            <a:fld id="{8E92F8DD-7B9B-E949-A5F7-3866CD0D79B5}" type="slidenum">
-              <a:rPr lang="en-DK" smtClean="0"/>
+            <a:fld id="{4854181D-6920-4594-9A5D-6CE56DC9F8B2}" type="slidenum">
+              <a:rPr lang="en-US" smtClean="0"/>
               <a:t>‹#›</a:t>
             </a:fld>
-            <a:endParaRPr lang="en-DK"/>
+            <a:endParaRPr lang="en-US"/>
+          </a:p>
+        </p:txBody>
+      </p:sp>
+      <p:sp>
+        <p:nvSpPr>
+          <p:cNvPr id="7" name="Freeform: Shape 6">
+            <a:extLst>
+              <a:ext uri="{FF2B5EF4-FFF2-40B4-BE49-F238E27FC236}">
+                <a16:creationId xmlns:a16="http://schemas.microsoft.com/office/drawing/2014/main" id="{8A7BA06D-B3FF-4E91-8639-B4569AE3AA23}"/>
+              </a:ext>
+            </a:extLst>
+          </p:cNvPr>
+          <p:cNvSpPr/>
+          <p:nvPr/>
+        </p:nvSpPr>
+        <p:spPr>
+          <a:xfrm>
+            <a:off x="10208695" y="1"/>
+            <a:ext cx="1135066" cy="477997"/>
+          </a:xfrm>
+          <a:custGeom>
+            <a:avLst/>
+            <a:gdLst>
+              <a:gd name="connsiteX0" fmla="*/ 0 w 1135066"/>
+              <a:gd name="connsiteY0" fmla="*/ 0 h 477997"/>
+              <a:gd name="connsiteX1" fmla="*/ 1135066 w 1135066"/>
+              <a:gd name="connsiteY1" fmla="*/ 0 h 477997"/>
+              <a:gd name="connsiteX2" fmla="*/ 1133370 w 1135066"/>
+              <a:gd name="connsiteY2" fmla="*/ 16827 h 477997"/>
+              <a:gd name="connsiteX3" fmla="*/ 567533 w 1135066"/>
+              <a:gd name="connsiteY3" fmla="*/ 477997 h 477997"/>
+              <a:gd name="connsiteX4" fmla="*/ 1696 w 1135066"/>
+              <a:gd name="connsiteY4" fmla="*/ 16827 h 477997"/>
+            </a:gdLst>
+            <a:ahLst/>
+            <a:cxnLst>
+              <a:cxn ang="0">
+                <a:pos x="connsiteX0" y="connsiteY0"/>
+              </a:cxn>
+              <a:cxn ang="0">
+                <a:pos x="connsiteX1" y="connsiteY1"/>
+              </a:cxn>
+              <a:cxn ang="0">
+                <a:pos x="connsiteX2" y="connsiteY2"/>
+              </a:cxn>
+              <a:cxn ang="0">
+                <a:pos x="connsiteX3" y="connsiteY3"/>
+              </a:cxn>
+              <a:cxn ang="0">
+                <a:pos x="connsiteX4" y="connsiteY4"/>
+              </a:cxn>
+            </a:cxnLst>
+            <a:rect l="l" t="t" r="r" b="b"/>
+            <a:pathLst>
+              <a:path w="1135066" h="477997">
+                <a:moveTo>
+                  <a:pt x="0" y="0"/>
+                </a:moveTo>
+                <a:lnTo>
+                  <a:pt x="1135066" y="0"/>
+                </a:lnTo>
+                <a:lnTo>
+                  <a:pt x="1133370" y="16827"/>
+                </a:lnTo>
+                <a:cubicBezTo>
+                  <a:pt x="1079514" y="280016"/>
+                  <a:pt x="846644" y="477997"/>
+                  <a:pt x="567533" y="477997"/>
+                </a:cubicBezTo>
+                <a:cubicBezTo>
+                  <a:pt x="288422" y="477997"/>
+                  <a:pt x="55552" y="280016"/>
+                  <a:pt x="1696" y="16827"/>
+                </a:cubicBezTo>
+                <a:close/>
+              </a:path>
+            </a:pathLst>
+          </a:custGeom>
+          <a:solidFill>
+            <a:schemeClr val="accent4"/>
+          </a:solidFill>
+          <a:ln>
+            <a:noFill/>
+          </a:ln>
+        </p:spPr>
+        <p:style>
+          <a:lnRef idx="2">
+            <a:schemeClr val="accent1">
+              <a:shade val="50000"/>
+            </a:schemeClr>
+          </a:lnRef>
+          <a:fillRef idx="1">
+            <a:schemeClr val="accent1"/>
+          </a:fillRef>
+          <a:effectRef idx="0">
+            <a:schemeClr val="accent1"/>
+          </a:effectRef>
+          <a:fontRef idx="minor">
+            <a:schemeClr val="lt1"/>
+          </a:fontRef>
+        </p:style>
+        <p:txBody>
+          <a:bodyPr wrap="square" rtlCol="0" anchor="ctr">
+            <a:noAutofit/>
+          </a:bodyPr>
+          <a:lstStyle/>
+          <a:p>
+            <a:pPr marL="0" marR="0" lvl="0" indent="0" algn="ctr" defTabSz="914400" rtl="0" eaLnBrk="1" fontAlgn="auto" latinLnBrk="0" hangingPunct="1">
+              <a:lnSpc>
+                <a:spcPct val="100000"/>
+              </a:lnSpc>
+              <a:spcBef>
+                <a:spcPts val="0"/>
+              </a:spcBef>
+              <a:spcAft>
+                <a:spcPts val="0"/>
+              </a:spcAft>
+              <a:buClrTx/>
+              <a:buSzTx/>
+              <a:buFontTx/>
+              <a:buNone/>
+              <a:tabLst/>
+              <a:defRPr/>
+            </a:pPr>
+            <a:endParaRPr kumimoji="0" lang="en-US" sz="1800" b="0" i="0" u="none" strike="noStrike" kern="1200" cap="none" spc="0" normalizeH="0" baseline="0" noProof="0">
+              <a:ln>
+                <a:noFill/>
+              </a:ln>
+              <a:solidFill>
+                <a:prstClr val="white"/>
+              </a:solidFill>
+              <a:effectLst/>
+              <a:uLnTx/>
+              <a:uFillTx/>
+              <a:latin typeface="Calibri" panose="020F0502020204030204"/>
+              <a:ea typeface="+mn-ea"/>
+              <a:cs typeface="+mn-cs"/>
+            </a:endParaRPr>
+          </a:p>
+        </p:txBody>
+      </p:sp>
+      <p:sp>
+        <p:nvSpPr>
+          <p:cNvPr id="8" name="Arc 7">
+            <a:extLst>
+              <a:ext uri="{FF2B5EF4-FFF2-40B4-BE49-F238E27FC236}">
+                <a16:creationId xmlns:a16="http://schemas.microsoft.com/office/drawing/2014/main" id="{2B30C86D-5A07-48BC-9C9D-6F9A2DB1E9E1}"/>
+              </a:ext>
+            </a:extLst>
+          </p:cNvPr>
+          <p:cNvSpPr/>
+          <p:nvPr/>
+        </p:nvSpPr>
+        <p:spPr>
+          <a:xfrm rot="10800000" flipV="1">
+            <a:off x="555710" y="1064829"/>
+            <a:ext cx="4083433" cy="4083433"/>
+          </a:xfrm>
+          <a:prstGeom prst="arc">
+            <a:avLst/>
+          </a:prstGeom>
+          <a:ln w="127000" cap="rnd">
+            <a:solidFill>
+              <a:schemeClr val="accent4"/>
+            </a:solidFill>
+            <a:prstDash val="dash"/>
+          </a:ln>
+        </p:spPr>
+        <p:style>
+          <a:lnRef idx="1">
+            <a:schemeClr val="accent1"/>
+          </a:lnRef>
+          <a:fillRef idx="0">
+            <a:schemeClr val="accent1"/>
+          </a:fillRef>
+          <a:effectRef idx="0">
+            <a:schemeClr val="accent1"/>
+          </a:effectRef>
+          <a:fontRef idx="minor">
+            <a:schemeClr val="tx1"/>
+          </a:fontRef>
+        </p:style>
+        <p:txBody>
+          <a:bodyPr rtlCol="0" anchor="ctr"/>
+          <a:lstStyle/>
+          <a:p>
+            <a:pPr marL="0" marR="0" lvl="0" indent="0" algn="ctr" defTabSz="914400" rtl="0" eaLnBrk="1" fontAlgn="auto" latinLnBrk="0" hangingPunct="1">
+              <a:lnSpc>
+                <a:spcPct val="100000"/>
+              </a:lnSpc>
+              <a:spcBef>
+                <a:spcPts val="0"/>
+              </a:spcBef>
+              <a:spcAft>
+                <a:spcPts val="0"/>
+              </a:spcAft>
+              <a:buClrTx/>
+              <a:buSzTx/>
+              <a:buFontTx/>
+              <a:buNone/>
+              <a:tabLst/>
+              <a:defRPr/>
+            </a:pPr>
+            <a:endParaRPr kumimoji="0" lang="en-US" sz="1800" b="0" i="0" u="none" strike="noStrike" kern="1200" cap="none" spc="0" normalizeH="0" baseline="0" noProof="0" dirty="0">
+              <a:ln>
+                <a:noFill/>
+              </a:ln>
+              <a:solidFill>
+                <a:prstClr val="black"/>
+              </a:solidFill>
+              <a:effectLst/>
+              <a:uLnTx/>
+              <a:uFillTx/>
+              <a:latin typeface="Calibri" panose="020F0502020204030204"/>
+              <a:ea typeface="+mn-ea"/>
+              <a:cs typeface="+mn-cs"/>
+            </a:endParaRPr>
           </a:p>
         </p:txBody>
       </p:sp>
     </p:spTree>
     <p:extLst>
       <p:ext uri="{BB962C8B-B14F-4D97-AF65-F5344CB8AC3E}">
-        <p14:creationId xmlns:p14="http://schemas.microsoft.com/office/powerpoint/2010/main" val="3593279066"/>
+        <p14:creationId xmlns:p14="http://schemas.microsoft.com/office/powerpoint/2010/main" val="758740382"/>
       </p:ext>
     </p:extLst>
   </p:cSld>
@@ -351,7 +570,7 @@
           <p:cNvPr id="2" name="Title 1">
             <a:extLst>
               <a:ext uri="{FF2B5EF4-FFF2-40B4-BE49-F238E27FC236}">
-                <a16:creationId xmlns:a16="http://schemas.microsoft.com/office/drawing/2014/main" id="{77BF5D85-CD00-EC45-B8F9-EA3780018311}"/>
+                <a16:creationId xmlns:a16="http://schemas.microsoft.com/office/drawing/2014/main" id="{2FF6E5D1-6D19-4E7F-9B4E-42326B7716F7}"/>
               </a:ext>
             </a:extLst>
           </p:cNvPr>
@@ -368,10 +587,9 @@
           <a:lstStyle/>
           <a:p>
             <a:r>
-              <a:rPr lang="en-GB"/>
+              <a:rPr lang="en-US"/>
               <a:t>Click to edit Master title style</a:t>
             </a:r>
-            <a:endParaRPr lang="en-DK"/>
           </a:p>
         </p:txBody>
       </p:sp>
@@ -380,7 +598,7 @@
           <p:cNvPr id="3" name="Vertical Text Placeholder 2">
             <a:extLst>
               <a:ext uri="{FF2B5EF4-FFF2-40B4-BE49-F238E27FC236}">
-                <a16:creationId xmlns:a16="http://schemas.microsoft.com/office/drawing/2014/main" id="{EA39C395-E1A3-3049-82B3-EC3F5C2807B1}"/>
+                <a16:creationId xmlns:a16="http://schemas.microsoft.com/office/drawing/2014/main" id="{EAD2A06C-F91A-4ADC-9CD2-61F0A4D7EE1F}"/>
               </a:ext>
             </a:extLst>
           </p:cNvPr>
@@ -398,38 +616,37 @@
           <a:p>
             <a:pPr lvl="0"/>
             <a:r>
-              <a:rPr lang="en-GB"/>
+              <a:rPr lang="en-US"/>
               <a:t>Click to edit Master text styles</a:t>
             </a:r>
           </a:p>
           <a:p>
             <a:pPr lvl="1"/>
             <a:r>
-              <a:rPr lang="en-GB"/>
+              <a:rPr lang="en-US"/>
               <a:t>Second level</a:t>
             </a:r>
           </a:p>
           <a:p>
             <a:pPr lvl="2"/>
             <a:r>
-              <a:rPr lang="en-GB"/>
+              <a:rPr lang="en-US"/>
               <a:t>Third level</a:t>
             </a:r>
           </a:p>
           <a:p>
             <a:pPr lvl="3"/>
             <a:r>
-              <a:rPr lang="en-GB"/>
+              <a:rPr lang="en-US"/>
               <a:t>Fourth level</a:t>
             </a:r>
           </a:p>
           <a:p>
             <a:pPr lvl="4"/>
             <a:r>
-              <a:rPr lang="en-GB"/>
+              <a:rPr lang="en-US"/>
               <a:t>Fifth level</a:t>
             </a:r>
-            <a:endParaRPr lang="en-DK"/>
           </a:p>
         </p:txBody>
       </p:sp>
@@ -438,7 +655,7 @@
           <p:cNvPr id="4" name="Date Placeholder 3">
             <a:extLst>
               <a:ext uri="{FF2B5EF4-FFF2-40B4-BE49-F238E27FC236}">
-                <a16:creationId xmlns:a16="http://schemas.microsoft.com/office/drawing/2014/main" id="{F3479B4C-F8BE-D54B-95A9-8ECE5869A4D9}"/>
+                <a16:creationId xmlns:a16="http://schemas.microsoft.com/office/drawing/2014/main" id="{7643AA9A-2280-4F63-8B3D-20742AE6901F}"/>
               </a:ext>
             </a:extLst>
           </p:cNvPr>
@@ -454,11 +671,11 @@
           <a:bodyPr/>
           <a:lstStyle/>
           <a:p>
-            <a:fld id="{B93BBDF7-E2CD-9D40-9DB1-F6604D6401F4}" type="datetimeFigureOut">
-              <a:rPr lang="en-DK" smtClean="0"/>
-              <a:t>31/05/2023</a:t>
+            <a:fld id="{82EDB8D0-98ED-4B86-9D5F-E61ADC70144D}" type="datetimeFigureOut">
+              <a:rPr lang="en-US" smtClean="0"/>
+              <a:t>5/31/23</a:t>
             </a:fld>
-            <a:endParaRPr lang="en-DK"/>
+            <a:endParaRPr lang="en-US"/>
           </a:p>
         </p:txBody>
       </p:sp>
@@ -467,7 +684,7 @@
           <p:cNvPr id="5" name="Footer Placeholder 4">
             <a:extLst>
               <a:ext uri="{FF2B5EF4-FFF2-40B4-BE49-F238E27FC236}">
-                <a16:creationId xmlns:a16="http://schemas.microsoft.com/office/drawing/2014/main" id="{675EA157-2A56-E346-81FF-043543ACC8CC}"/>
+                <a16:creationId xmlns:a16="http://schemas.microsoft.com/office/drawing/2014/main" id="{E40D986B-E58E-43B6-8A80-FFA9D8F748F9}"/>
               </a:ext>
             </a:extLst>
           </p:cNvPr>
@@ -483,7 +700,7 @@
           <a:bodyPr/>
           <a:lstStyle/>
           <a:p>
-            <a:endParaRPr lang="en-DK"/>
+            <a:endParaRPr lang="en-US"/>
           </a:p>
         </p:txBody>
       </p:sp>
@@ -492,7 +709,7 @@
           <p:cNvPr id="6" name="Slide Number Placeholder 5">
             <a:extLst>
               <a:ext uri="{FF2B5EF4-FFF2-40B4-BE49-F238E27FC236}">
-                <a16:creationId xmlns:a16="http://schemas.microsoft.com/office/drawing/2014/main" id="{6D1D04DC-E45D-F64F-B1E0-1163660D9B72}"/>
+                <a16:creationId xmlns:a16="http://schemas.microsoft.com/office/drawing/2014/main" id="{A2140D36-2E71-4F27-967F-7A3E4C6EE197}"/>
               </a:ext>
             </a:extLst>
           </p:cNvPr>
@@ -508,18 +725,302 @@
           <a:bodyPr/>
           <a:lstStyle/>
           <a:p>
-            <a:fld id="{8E92F8DD-7B9B-E949-A5F7-3866CD0D79B5}" type="slidenum">
-              <a:rPr lang="en-DK" smtClean="0"/>
+            <a:fld id="{4854181D-6920-4594-9A5D-6CE56DC9F8B2}" type="slidenum">
+              <a:rPr lang="en-US" smtClean="0"/>
               <a:t>‹#›</a:t>
             </a:fld>
-            <a:endParaRPr lang="en-DK"/>
+            <a:endParaRPr lang="en-US"/>
+          </a:p>
+        </p:txBody>
+      </p:sp>
+      <p:sp>
+        <p:nvSpPr>
+          <p:cNvPr id="7" name="Freeform: Shape 6">
+            <a:extLst>
+              <a:ext uri="{FF2B5EF4-FFF2-40B4-BE49-F238E27FC236}">
+                <a16:creationId xmlns:a16="http://schemas.microsoft.com/office/drawing/2014/main" id="{C1609904-5327-4D2C-A445-B270A00F3B5F}"/>
+              </a:ext>
+            </a:extLst>
+          </p:cNvPr>
+          <p:cNvSpPr/>
+          <p:nvPr/>
+        </p:nvSpPr>
+        <p:spPr>
+          <a:xfrm rot="16200000">
+            <a:off x="-388933" y="4841194"/>
+            <a:ext cx="1737401" cy="959536"/>
+          </a:xfrm>
+          <a:custGeom>
+            <a:avLst/>
+            <a:gdLst>
+              <a:gd name="connsiteX0" fmla="*/ 0 w 1737401"/>
+              <a:gd name="connsiteY0" fmla="*/ 0 h 959536"/>
+              <a:gd name="connsiteX1" fmla="*/ 123825 w 1737401"/>
+              <a:gd name="connsiteY1" fmla="*/ 0 h 959536"/>
+              <a:gd name="connsiteX2" fmla="*/ 123825 w 1737401"/>
+              <a:gd name="connsiteY2" fmla="*/ 790277 h 959536"/>
+              <a:gd name="connsiteX3" fmla="*/ 1490095 w 1737401"/>
+              <a:gd name="connsiteY3" fmla="*/ 0 h 959536"/>
+              <a:gd name="connsiteX4" fmla="*/ 1737401 w 1737401"/>
+              <a:gd name="connsiteY4" fmla="*/ 0 h 959536"/>
+              <a:gd name="connsiteX5" fmla="*/ 92869 w 1737401"/>
+              <a:gd name="connsiteY5" fmla="*/ 951249 h 959536"/>
+              <a:gd name="connsiteX6" fmla="*/ 61913 w 1737401"/>
+              <a:gd name="connsiteY6" fmla="*/ 959536 h 959536"/>
+              <a:gd name="connsiteX7" fmla="*/ 0 w 1737401"/>
+              <a:gd name="connsiteY7" fmla="*/ 897624 h 959536"/>
+            </a:gdLst>
+            <a:ahLst/>
+            <a:cxnLst>
+              <a:cxn ang="0">
+                <a:pos x="connsiteX0" y="connsiteY0"/>
+              </a:cxn>
+              <a:cxn ang="0">
+                <a:pos x="connsiteX1" y="connsiteY1"/>
+              </a:cxn>
+              <a:cxn ang="0">
+                <a:pos x="connsiteX2" y="connsiteY2"/>
+              </a:cxn>
+              <a:cxn ang="0">
+                <a:pos x="connsiteX3" y="connsiteY3"/>
+              </a:cxn>
+              <a:cxn ang="0">
+                <a:pos x="connsiteX4" y="connsiteY4"/>
+              </a:cxn>
+              <a:cxn ang="0">
+                <a:pos x="connsiteX5" y="connsiteY5"/>
+              </a:cxn>
+              <a:cxn ang="0">
+                <a:pos x="connsiteX6" y="connsiteY6"/>
+              </a:cxn>
+              <a:cxn ang="0">
+                <a:pos x="connsiteX7" y="connsiteY7"/>
+              </a:cxn>
+            </a:cxnLst>
+            <a:rect l="l" t="t" r="r" b="b"/>
+            <a:pathLst>
+              <a:path w="1737401" h="959536">
+                <a:moveTo>
+                  <a:pt x="0" y="0"/>
+                </a:moveTo>
+                <a:lnTo>
+                  <a:pt x="123825" y="0"/>
+                </a:lnTo>
+                <a:lnTo>
+                  <a:pt x="123825" y="790277"/>
+                </a:lnTo>
+                <a:lnTo>
+                  <a:pt x="1490095" y="0"/>
+                </a:lnTo>
+                <a:lnTo>
+                  <a:pt x="1737401" y="0"/>
+                </a:lnTo>
+                <a:lnTo>
+                  <a:pt x="92869" y="951249"/>
+                </a:lnTo>
+                <a:cubicBezTo>
+                  <a:pt x="83458" y="956688"/>
+                  <a:pt x="72780" y="959546"/>
+                  <a:pt x="61913" y="959536"/>
+                </a:cubicBezTo>
+                <a:cubicBezTo>
+                  <a:pt x="27719" y="959536"/>
+                  <a:pt x="0" y="931818"/>
+                  <a:pt x="0" y="897624"/>
+                </a:cubicBezTo>
+                <a:close/>
+              </a:path>
+            </a:pathLst>
+          </a:custGeom>
+          <a:solidFill>
+            <a:schemeClr val="accent6"/>
+          </a:solidFill>
+          <a:ln w="9525" cap="flat">
+            <a:noFill/>
+            <a:prstDash val="solid"/>
+            <a:miter/>
+          </a:ln>
+        </p:spPr>
+        <p:txBody>
+          <a:bodyPr rtlCol="0" anchor="ctr"/>
+          <a:lstStyle/>
+          <a:p>
+            <a:pPr marL="0" marR="0" lvl="0" indent="0" algn="l" defTabSz="914400" rtl="0" eaLnBrk="1" fontAlgn="auto" latinLnBrk="0" hangingPunct="1">
+              <a:lnSpc>
+                <a:spcPct val="100000"/>
+              </a:lnSpc>
+              <a:spcBef>
+                <a:spcPts val="0"/>
+              </a:spcBef>
+              <a:spcAft>
+                <a:spcPts val="0"/>
+              </a:spcAft>
+              <a:buClrTx/>
+              <a:buSzTx/>
+              <a:buFontTx/>
+              <a:buNone/>
+              <a:tabLst/>
+              <a:defRPr/>
+            </a:pPr>
+            <a:endParaRPr kumimoji="0" lang="en-US" sz="1800" b="0" i="0" u="none" strike="noStrike" kern="1200" cap="none" spc="0" normalizeH="0" baseline="0" noProof="0">
+              <a:ln>
+                <a:noFill/>
+              </a:ln>
+              <a:solidFill>
+                <a:prstClr val="black"/>
+              </a:solidFill>
+              <a:effectLst/>
+              <a:uLnTx/>
+              <a:uFillTx/>
+              <a:latin typeface="Calibri" panose="020F0502020204030204"/>
+              <a:ea typeface="+mn-ea"/>
+              <a:cs typeface="+mn-cs"/>
+            </a:endParaRPr>
+          </a:p>
+        </p:txBody>
+      </p:sp>
+      <p:sp>
+        <p:nvSpPr>
+          <p:cNvPr id="8" name="Freeform: Shape 7">
+            <a:extLst>
+              <a:ext uri="{FF2B5EF4-FFF2-40B4-BE49-F238E27FC236}">
+                <a16:creationId xmlns:a16="http://schemas.microsoft.com/office/drawing/2014/main" id="{30FC7BEC-08C5-4D95-9C84-B48BC8AD1C94}"/>
+              </a:ext>
+            </a:extLst>
+          </p:cNvPr>
+          <p:cNvSpPr/>
+          <p:nvPr/>
+        </p:nvSpPr>
+        <p:spPr>
+          <a:xfrm>
+            <a:off x="10494433" y="2"/>
+            <a:ext cx="849328" cy="357668"/>
+          </a:xfrm>
+          <a:custGeom>
+            <a:avLst/>
+            <a:gdLst>
+              <a:gd name="connsiteX0" fmla="*/ 0 w 1135066"/>
+              <a:gd name="connsiteY0" fmla="*/ 0 h 477997"/>
+              <a:gd name="connsiteX1" fmla="*/ 1135066 w 1135066"/>
+              <a:gd name="connsiteY1" fmla="*/ 0 h 477997"/>
+              <a:gd name="connsiteX2" fmla="*/ 1133370 w 1135066"/>
+              <a:gd name="connsiteY2" fmla="*/ 16827 h 477997"/>
+              <a:gd name="connsiteX3" fmla="*/ 567533 w 1135066"/>
+              <a:gd name="connsiteY3" fmla="*/ 477997 h 477997"/>
+              <a:gd name="connsiteX4" fmla="*/ 1696 w 1135066"/>
+              <a:gd name="connsiteY4" fmla="*/ 16827 h 477997"/>
+            </a:gdLst>
+            <a:ahLst/>
+            <a:cxnLst>
+              <a:cxn ang="0">
+                <a:pos x="connsiteX0" y="connsiteY0"/>
+              </a:cxn>
+              <a:cxn ang="0">
+                <a:pos x="connsiteX1" y="connsiteY1"/>
+              </a:cxn>
+              <a:cxn ang="0">
+                <a:pos x="connsiteX2" y="connsiteY2"/>
+              </a:cxn>
+              <a:cxn ang="0">
+                <a:pos x="connsiteX3" y="connsiteY3"/>
+              </a:cxn>
+              <a:cxn ang="0">
+                <a:pos x="connsiteX4" y="connsiteY4"/>
+              </a:cxn>
+            </a:cxnLst>
+            <a:rect l="l" t="t" r="r" b="b"/>
+            <a:pathLst>
+              <a:path w="1135066" h="477997">
+                <a:moveTo>
+                  <a:pt x="0" y="0"/>
+                </a:moveTo>
+                <a:lnTo>
+                  <a:pt x="1135066" y="0"/>
+                </a:lnTo>
+                <a:lnTo>
+                  <a:pt x="1133370" y="16827"/>
+                </a:lnTo>
+                <a:cubicBezTo>
+                  <a:pt x="1079514" y="280016"/>
+                  <a:pt x="846644" y="477997"/>
+                  <a:pt x="567533" y="477997"/>
+                </a:cubicBezTo>
+                <a:cubicBezTo>
+                  <a:pt x="288422" y="477997"/>
+                  <a:pt x="55552" y="280016"/>
+                  <a:pt x="1696" y="16827"/>
+                </a:cubicBezTo>
+                <a:close/>
+              </a:path>
+            </a:pathLst>
+          </a:custGeom>
+          <a:solidFill>
+            <a:schemeClr val="accent4"/>
+          </a:solidFill>
+          <a:ln>
+            <a:noFill/>
+          </a:ln>
+        </p:spPr>
+        <p:style>
+          <a:lnRef idx="2">
+            <a:schemeClr val="accent1">
+              <a:shade val="50000"/>
+            </a:schemeClr>
+          </a:lnRef>
+          <a:fillRef idx="1">
+            <a:schemeClr val="accent1"/>
+          </a:fillRef>
+          <a:effectRef idx="0">
+            <a:schemeClr val="accent1"/>
+          </a:effectRef>
+          <a:fontRef idx="minor">
+            <a:schemeClr val="lt1"/>
+          </a:fontRef>
+        </p:style>
+        <p:txBody>
+          <a:bodyPr wrap="square" rtlCol="0" anchor="ctr">
+            <a:noAutofit/>
+          </a:bodyPr>
+          <a:lstStyle/>
+          <a:p>
+            <a:pPr marL="0" marR="0" lvl="0" indent="0" algn="ctr" defTabSz="914400" rtl="0" eaLnBrk="1" fontAlgn="auto" latinLnBrk="0" hangingPunct="1">
+              <a:lnSpc>
+                <a:spcPct val="100000"/>
+              </a:lnSpc>
+              <a:spcBef>
+                <a:spcPts val="0"/>
+              </a:spcBef>
+              <a:spcAft>
+                <a:spcPts val="0"/>
+              </a:spcAft>
+              <a:buClrTx/>
+              <a:buSzTx/>
+              <a:buFontTx/>
+              <a:buNone/>
+              <a:tabLst/>
+              <a:defRPr/>
+            </a:pPr>
+            <a:endParaRPr kumimoji="0" lang="en-US" sz="1800" b="0" i="0" u="none" strike="noStrike" kern="1200" cap="none" spc="0" normalizeH="0" baseline="0" noProof="0">
+              <a:ln>
+                <a:noFill/>
+              </a:ln>
+              <a:solidFill>
+                <a:prstClr val="white"/>
+              </a:solidFill>
+              <a:effectLst/>
+              <a:uLnTx/>
+              <a:uFillTx/>
+              <a:latin typeface="Calibri" panose="020F0502020204030204"/>
+              <a:ea typeface="+mn-ea"/>
+              <a:cs typeface="+mn-cs"/>
+            </a:endParaRPr>
           </a:p>
         </p:txBody>
       </p:sp>
     </p:spTree>
     <p:extLst>
       <p:ext uri="{BB962C8B-B14F-4D97-AF65-F5344CB8AC3E}">
-        <p14:creationId xmlns:p14="http://schemas.microsoft.com/office/powerpoint/2010/main" val="2483576281"/>
+        <p14:creationId xmlns:p14="http://schemas.microsoft.com/office/powerpoint/2010/main" val="518707338"/>
       </p:ext>
     </p:extLst>
   </p:cSld>
@@ -551,7 +1052,7 @@
           <p:cNvPr id="2" name="Vertical Title 1">
             <a:extLst>
               <a:ext uri="{FF2B5EF4-FFF2-40B4-BE49-F238E27FC236}">
-                <a16:creationId xmlns:a16="http://schemas.microsoft.com/office/drawing/2014/main" id="{C29A1D33-D5A4-7E4E-937A-2CDBA35748C2}"/>
+                <a16:creationId xmlns:a16="http://schemas.microsoft.com/office/drawing/2014/main" id="{281FEA3D-0C7F-45CD-B6A0-942F707B3632}"/>
               </a:ext>
             </a:extLst>
           </p:cNvPr>
@@ -573,10 +1074,9 @@
           <a:lstStyle/>
           <a:p>
             <a:r>
-              <a:rPr lang="en-GB"/>
+              <a:rPr lang="en-US"/>
               <a:t>Click to edit Master title style</a:t>
             </a:r>
-            <a:endParaRPr lang="en-DK"/>
           </a:p>
         </p:txBody>
       </p:sp>
@@ -585,7 +1085,7 @@
           <p:cNvPr id="3" name="Vertical Text Placeholder 2">
             <a:extLst>
               <a:ext uri="{FF2B5EF4-FFF2-40B4-BE49-F238E27FC236}">
-                <a16:creationId xmlns:a16="http://schemas.microsoft.com/office/drawing/2014/main" id="{D121D064-4088-E243-9AF8-60E6A9E880B3}"/>
+                <a16:creationId xmlns:a16="http://schemas.microsoft.com/office/drawing/2014/main" id="{FE8B8A12-BCE6-4D03-A637-1DEC8924BEF9}"/>
               </a:ext>
             </a:extLst>
           </p:cNvPr>
@@ -608,38 +1108,37 @@
           <a:p>
             <a:pPr lvl="0"/>
             <a:r>
-              <a:rPr lang="en-GB"/>
+              <a:rPr lang="en-US"/>
               <a:t>Click to edit Master text styles</a:t>
             </a:r>
           </a:p>
           <a:p>
             <a:pPr lvl="1"/>
             <a:r>
-              <a:rPr lang="en-GB"/>
+              <a:rPr lang="en-US"/>
               <a:t>Second level</a:t>
             </a:r>
           </a:p>
           <a:p>
             <a:pPr lvl="2"/>
             <a:r>
-              <a:rPr lang="en-GB"/>
+              <a:rPr lang="en-US"/>
               <a:t>Third level</a:t>
             </a:r>
           </a:p>
           <a:p>
             <a:pPr lvl="3"/>
             <a:r>
-              <a:rPr lang="en-GB"/>
+              <a:rPr lang="en-US"/>
               <a:t>Fourth level</a:t>
             </a:r>
           </a:p>
           <a:p>
             <a:pPr lvl="4"/>
             <a:r>
-              <a:rPr lang="en-GB"/>
+              <a:rPr lang="en-US"/>
               <a:t>Fifth level</a:t>
             </a:r>
-            <a:endParaRPr lang="en-DK"/>
           </a:p>
         </p:txBody>
       </p:sp>
@@ -648,7 +1147,7 @@
           <p:cNvPr id="4" name="Date Placeholder 3">
             <a:extLst>
               <a:ext uri="{FF2B5EF4-FFF2-40B4-BE49-F238E27FC236}">
-                <a16:creationId xmlns:a16="http://schemas.microsoft.com/office/drawing/2014/main" id="{77510A4A-9199-7C46-A7DD-281AA0BBF62C}"/>
+                <a16:creationId xmlns:a16="http://schemas.microsoft.com/office/drawing/2014/main" id="{06749755-9FF4-428A-AEB7-1A6477466741}"/>
               </a:ext>
             </a:extLst>
           </p:cNvPr>
@@ -664,11 +1163,11 @@
           <a:bodyPr/>
           <a:lstStyle/>
           <a:p>
-            <a:fld id="{B93BBDF7-E2CD-9D40-9DB1-F6604D6401F4}" type="datetimeFigureOut">
-              <a:rPr lang="en-DK" smtClean="0"/>
-              <a:t>31/05/2023</a:t>
+            <a:fld id="{82EDB8D0-98ED-4B86-9D5F-E61ADC70144D}" type="datetimeFigureOut">
+              <a:rPr lang="en-US" smtClean="0"/>
+              <a:t>5/31/23</a:t>
             </a:fld>
-            <a:endParaRPr lang="en-DK"/>
+            <a:endParaRPr lang="en-US"/>
           </a:p>
         </p:txBody>
       </p:sp>
@@ -677,7 +1176,7 @@
           <p:cNvPr id="5" name="Footer Placeholder 4">
             <a:extLst>
               <a:ext uri="{FF2B5EF4-FFF2-40B4-BE49-F238E27FC236}">
-                <a16:creationId xmlns:a16="http://schemas.microsoft.com/office/drawing/2014/main" id="{6968D1E3-A1E4-8F4E-9360-9A389C0B93A9}"/>
+                <a16:creationId xmlns:a16="http://schemas.microsoft.com/office/drawing/2014/main" id="{A5141836-11E2-49FD-877D-53B74514A921}"/>
               </a:ext>
             </a:extLst>
           </p:cNvPr>
@@ -693,7 +1192,7 @@
           <a:bodyPr/>
           <a:lstStyle/>
           <a:p>
-            <a:endParaRPr lang="en-DK"/>
+            <a:endParaRPr lang="en-US"/>
           </a:p>
         </p:txBody>
       </p:sp>
@@ -702,7 +1201,7 @@
           <p:cNvPr id="6" name="Slide Number Placeholder 5">
             <a:extLst>
               <a:ext uri="{FF2B5EF4-FFF2-40B4-BE49-F238E27FC236}">
-                <a16:creationId xmlns:a16="http://schemas.microsoft.com/office/drawing/2014/main" id="{3AD2622F-68BF-1145-9B0A-C2CE20395C85}"/>
+                <a16:creationId xmlns:a16="http://schemas.microsoft.com/office/drawing/2014/main" id="{D4D24C42-4B05-4EEF-BE14-29041EC9C0E5}"/>
               </a:ext>
             </a:extLst>
           </p:cNvPr>
@@ -718,18 +1217,302 @@
           <a:bodyPr/>
           <a:lstStyle/>
           <a:p>
-            <a:fld id="{8E92F8DD-7B9B-E949-A5F7-3866CD0D79B5}" type="slidenum">
-              <a:rPr lang="en-DK" smtClean="0"/>
+            <a:fld id="{4854181D-6920-4594-9A5D-6CE56DC9F8B2}" type="slidenum">
+              <a:rPr lang="en-US" smtClean="0"/>
               <a:t>‹#›</a:t>
             </a:fld>
-            <a:endParaRPr lang="en-DK"/>
+            <a:endParaRPr lang="en-US"/>
+          </a:p>
+        </p:txBody>
+      </p:sp>
+      <p:sp>
+        <p:nvSpPr>
+          <p:cNvPr id="7" name="Freeform: Shape 6">
+            <a:extLst>
+              <a:ext uri="{FF2B5EF4-FFF2-40B4-BE49-F238E27FC236}">
+                <a16:creationId xmlns:a16="http://schemas.microsoft.com/office/drawing/2014/main" id="{5BADDEB1-F604-408B-B02A-A2814606E6AF}"/>
+              </a:ext>
+            </a:extLst>
+          </p:cNvPr>
+          <p:cNvSpPr/>
+          <p:nvPr/>
+        </p:nvSpPr>
+        <p:spPr>
+          <a:xfrm rot="16200000">
+            <a:off x="-388933" y="4841194"/>
+            <a:ext cx="1737401" cy="959536"/>
+          </a:xfrm>
+          <a:custGeom>
+            <a:avLst/>
+            <a:gdLst>
+              <a:gd name="connsiteX0" fmla="*/ 0 w 1737401"/>
+              <a:gd name="connsiteY0" fmla="*/ 0 h 959536"/>
+              <a:gd name="connsiteX1" fmla="*/ 123825 w 1737401"/>
+              <a:gd name="connsiteY1" fmla="*/ 0 h 959536"/>
+              <a:gd name="connsiteX2" fmla="*/ 123825 w 1737401"/>
+              <a:gd name="connsiteY2" fmla="*/ 790277 h 959536"/>
+              <a:gd name="connsiteX3" fmla="*/ 1490095 w 1737401"/>
+              <a:gd name="connsiteY3" fmla="*/ 0 h 959536"/>
+              <a:gd name="connsiteX4" fmla="*/ 1737401 w 1737401"/>
+              <a:gd name="connsiteY4" fmla="*/ 0 h 959536"/>
+              <a:gd name="connsiteX5" fmla="*/ 92869 w 1737401"/>
+              <a:gd name="connsiteY5" fmla="*/ 951249 h 959536"/>
+              <a:gd name="connsiteX6" fmla="*/ 61913 w 1737401"/>
+              <a:gd name="connsiteY6" fmla="*/ 959536 h 959536"/>
+              <a:gd name="connsiteX7" fmla="*/ 0 w 1737401"/>
+              <a:gd name="connsiteY7" fmla="*/ 897624 h 959536"/>
+            </a:gdLst>
+            <a:ahLst/>
+            <a:cxnLst>
+              <a:cxn ang="0">
+                <a:pos x="connsiteX0" y="connsiteY0"/>
+              </a:cxn>
+              <a:cxn ang="0">
+                <a:pos x="connsiteX1" y="connsiteY1"/>
+              </a:cxn>
+              <a:cxn ang="0">
+                <a:pos x="connsiteX2" y="connsiteY2"/>
+              </a:cxn>
+              <a:cxn ang="0">
+                <a:pos x="connsiteX3" y="connsiteY3"/>
+              </a:cxn>
+              <a:cxn ang="0">
+                <a:pos x="connsiteX4" y="connsiteY4"/>
+              </a:cxn>
+              <a:cxn ang="0">
+                <a:pos x="connsiteX5" y="connsiteY5"/>
+              </a:cxn>
+              <a:cxn ang="0">
+                <a:pos x="connsiteX6" y="connsiteY6"/>
+              </a:cxn>
+              <a:cxn ang="0">
+                <a:pos x="connsiteX7" y="connsiteY7"/>
+              </a:cxn>
+            </a:cxnLst>
+            <a:rect l="l" t="t" r="r" b="b"/>
+            <a:pathLst>
+              <a:path w="1737401" h="959536">
+                <a:moveTo>
+                  <a:pt x="0" y="0"/>
+                </a:moveTo>
+                <a:lnTo>
+                  <a:pt x="123825" y="0"/>
+                </a:lnTo>
+                <a:lnTo>
+                  <a:pt x="123825" y="790277"/>
+                </a:lnTo>
+                <a:lnTo>
+                  <a:pt x="1490095" y="0"/>
+                </a:lnTo>
+                <a:lnTo>
+                  <a:pt x="1737401" y="0"/>
+                </a:lnTo>
+                <a:lnTo>
+                  <a:pt x="92869" y="951249"/>
+                </a:lnTo>
+                <a:cubicBezTo>
+                  <a:pt x="83458" y="956688"/>
+                  <a:pt x="72780" y="959546"/>
+                  <a:pt x="61913" y="959536"/>
+                </a:cubicBezTo>
+                <a:cubicBezTo>
+                  <a:pt x="27719" y="959536"/>
+                  <a:pt x="0" y="931818"/>
+                  <a:pt x="0" y="897624"/>
+                </a:cubicBezTo>
+                <a:close/>
+              </a:path>
+            </a:pathLst>
+          </a:custGeom>
+          <a:solidFill>
+            <a:schemeClr val="accent6"/>
+          </a:solidFill>
+          <a:ln w="9525" cap="flat">
+            <a:noFill/>
+            <a:prstDash val="solid"/>
+            <a:miter/>
+          </a:ln>
+        </p:spPr>
+        <p:txBody>
+          <a:bodyPr rtlCol="0" anchor="ctr"/>
+          <a:lstStyle/>
+          <a:p>
+            <a:pPr marL="0" marR="0" lvl="0" indent="0" algn="l" defTabSz="914400" rtl="0" eaLnBrk="1" fontAlgn="auto" latinLnBrk="0" hangingPunct="1">
+              <a:lnSpc>
+                <a:spcPct val="100000"/>
+              </a:lnSpc>
+              <a:spcBef>
+                <a:spcPts val="0"/>
+              </a:spcBef>
+              <a:spcAft>
+                <a:spcPts val="0"/>
+              </a:spcAft>
+              <a:buClrTx/>
+              <a:buSzTx/>
+              <a:buFontTx/>
+              <a:buNone/>
+              <a:tabLst/>
+              <a:defRPr/>
+            </a:pPr>
+            <a:endParaRPr kumimoji="0" lang="en-US" sz="1800" b="0" i="0" u="none" strike="noStrike" kern="1200" cap="none" spc="0" normalizeH="0" baseline="0" noProof="0">
+              <a:ln>
+                <a:noFill/>
+              </a:ln>
+              <a:solidFill>
+                <a:prstClr val="black"/>
+              </a:solidFill>
+              <a:effectLst/>
+              <a:uLnTx/>
+              <a:uFillTx/>
+              <a:latin typeface="Calibri" panose="020F0502020204030204"/>
+              <a:ea typeface="+mn-ea"/>
+              <a:cs typeface="+mn-cs"/>
+            </a:endParaRPr>
+          </a:p>
+        </p:txBody>
+      </p:sp>
+      <p:sp>
+        <p:nvSpPr>
+          <p:cNvPr id="8" name="Freeform: Shape 7">
+            <a:extLst>
+              <a:ext uri="{FF2B5EF4-FFF2-40B4-BE49-F238E27FC236}">
+                <a16:creationId xmlns:a16="http://schemas.microsoft.com/office/drawing/2014/main" id="{D8DF7987-332F-4D6C-81C3-990F39C76C96}"/>
+              </a:ext>
+            </a:extLst>
+          </p:cNvPr>
+          <p:cNvSpPr/>
+          <p:nvPr/>
+        </p:nvSpPr>
+        <p:spPr>
+          <a:xfrm>
+            <a:off x="10494433" y="2"/>
+            <a:ext cx="849328" cy="357668"/>
+          </a:xfrm>
+          <a:custGeom>
+            <a:avLst/>
+            <a:gdLst>
+              <a:gd name="connsiteX0" fmla="*/ 0 w 1135066"/>
+              <a:gd name="connsiteY0" fmla="*/ 0 h 477997"/>
+              <a:gd name="connsiteX1" fmla="*/ 1135066 w 1135066"/>
+              <a:gd name="connsiteY1" fmla="*/ 0 h 477997"/>
+              <a:gd name="connsiteX2" fmla="*/ 1133370 w 1135066"/>
+              <a:gd name="connsiteY2" fmla="*/ 16827 h 477997"/>
+              <a:gd name="connsiteX3" fmla="*/ 567533 w 1135066"/>
+              <a:gd name="connsiteY3" fmla="*/ 477997 h 477997"/>
+              <a:gd name="connsiteX4" fmla="*/ 1696 w 1135066"/>
+              <a:gd name="connsiteY4" fmla="*/ 16827 h 477997"/>
+            </a:gdLst>
+            <a:ahLst/>
+            <a:cxnLst>
+              <a:cxn ang="0">
+                <a:pos x="connsiteX0" y="connsiteY0"/>
+              </a:cxn>
+              <a:cxn ang="0">
+                <a:pos x="connsiteX1" y="connsiteY1"/>
+              </a:cxn>
+              <a:cxn ang="0">
+                <a:pos x="connsiteX2" y="connsiteY2"/>
+              </a:cxn>
+              <a:cxn ang="0">
+                <a:pos x="connsiteX3" y="connsiteY3"/>
+              </a:cxn>
+              <a:cxn ang="0">
+                <a:pos x="connsiteX4" y="connsiteY4"/>
+              </a:cxn>
+            </a:cxnLst>
+            <a:rect l="l" t="t" r="r" b="b"/>
+            <a:pathLst>
+              <a:path w="1135066" h="477997">
+                <a:moveTo>
+                  <a:pt x="0" y="0"/>
+                </a:moveTo>
+                <a:lnTo>
+                  <a:pt x="1135066" y="0"/>
+                </a:lnTo>
+                <a:lnTo>
+                  <a:pt x="1133370" y="16827"/>
+                </a:lnTo>
+                <a:cubicBezTo>
+                  <a:pt x="1079514" y="280016"/>
+                  <a:pt x="846644" y="477997"/>
+                  <a:pt x="567533" y="477997"/>
+                </a:cubicBezTo>
+                <a:cubicBezTo>
+                  <a:pt x="288422" y="477997"/>
+                  <a:pt x="55552" y="280016"/>
+                  <a:pt x="1696" y="16827"/>
+                </a:cubicBezTo>
+                <a:close/>
+              </a:path>
+            </a:pathLst>
+          </a:custGeom>
+          <a:solidFill>
+            <a:schemeClr val="accent4"/>
+          </a:solidFill>
+          <a:ln>
+            <a:noFill/>
+          </a:ln>
+        </p:spPr>
+        <p:style>
+          <a:lnRef idx="2">
+            <a:schemeClr val="accent1">
+              <a:shade val="50000"/>
+            </a:schemeClr>
+          </a:lnRef>
+          <a:fillRef idx="1">
+            <a:schemeClr val="accent1"/>
+          </a:fillRef>
+          <a:effectRef idx="0">
+            <a:schemeClr val="accent1"/>
+          </a:effectRef>
+          <a:fontRef idx="minor">
+            <a:schemeClr val="lt1"/>
+          </a:fontRef>
+        </p:style>
+        <p:txBody>
+          <a:bodyPr wrap="square" rtlCol="0" anchor="ctr">
+            <a:noAutofit/>
+          </a:bodyPr>
+          <a:lstStyle/>
+          <a:p>
+            <a:pPr marL="0" marR="0" lvl="0" indent="0" algn="ctr" defTabSz="914400" rtl="0" eaLnBrk="1" fontAlgn="auto" latinLnBrk="0" hangingPunct="1">
+              <a:lnSpc>
+                <a:spcPct val="100000"/>
+              </a:lnSpc>
+              <a:spcBef>
+                <a:spcPts val="0"/>
+              </a:spcBef>
+              <a:spcAft>
+                <a:spcPts val="0"/>
+              </a:spcAft>
+              <a:buClrTx/>
+              <a:buSzTx/>
+              <a:buFontTx/>
+              <a:buNone/>
+              <a:tabLst/>
+              <a:defRPr/>
+            </a:pPr>
+            <a:endParaRPr kumimoji="0" lang="en-US" sz="1800" b="0" i="0" u="none" strike="noStrike" kern="1200" cap="none" spc="0" normalizeH="0" baseline="0" noProof="0">
+              <a:ln>
+                <a:noFill/>
+              </a:ln>
+              <a:solidFill>
+                <a:prstClr val="white"/>
+              </a:solidFill>
+              <a:effectLst/>
+              <a:uLnTx/>
+              <a:uFillTx/>
+              <a:latin typeface="Calibri" panose="020F0502020204030204"/>
+              <a:ea typeface="+mn-ea"/>
+              <a:cs typeface="+mn-cs"/>
+            </a:endParaRPr>
           </a:p>
         </p:txBody>
       </p:sp>
     </p:spTree>
     <p:extLst>
       <p:ext uri="{BB962C8B-B14F-4D97-AF65-F5344CB8AC3E}">
-        <p14:creationId xmlns:p14="http://schemas.microsoft.com/office/powerpoint/2010/main" val="3222408079"/>
+        <p14:creationId xmlns:p14="http://schemas.microsoft.com/office/powerpoint/2010/main" val="2577292651"/>
       </p:ext>
     </p:extLst>
   </p:cSld>
@@ -761,7 +1544,7 @@
           <p:cNvPr id="2" name="Title 1">
             <a:extLst>
               <a:ext uri="{FF2B5EF4-FFF2-40B4-BE49-F238E27FC236}">
-                <a16:creationId xmlns:a16="http://schemas.microsoft.com/office/drawing/2014/main" id="{A15B5BBE-F8E1-CF44-9447-B026915729D6}"/>
+                <a16:creationId xmlns:a16="http://schemas.microsoft.com/office/drawing/2014/main" id="{249FF209-11EE-4A3F-9685-A155FECD0DC8}"/>
               </a:ext>
             </a:extLst>
           </p:cNvPr>
@@ -778,10 +1561,9 @@
           <a:lstStyle/>
           <a:p>
             <a:r>
-              <a:rPr lang="en-GB"/>
+              <a:rPr lang="en-US"/>
               <a:t>Click to edit Master title style</a:t>
             </a:r>
-            <a:endParaRPr lang="en-DK"/>
           </a:p>
         </p:txBody>
       </p:sp>
@@ -790,7 +1572,7 @@
           <p:cNvPr id="3" name="Content Placeholder 2">
             <a:extLst>
               <a:ext uri="{FF2B5EF4-FFF2-40B4-BE49-F238E27FC236}">
-                <a16:creationId xmlns:a16="http://schemas.microsoft.com/office/drawing/2014/main" id="{765EAA27-9953-4143-9B83-1E064E30C2A0}"/>
+                <a16:creationId xmlns:a16="http://schemas.microsoft.com/office/drawing/2014/main" id="{0A47AF11-F208-4FDA-9E19-D6CA3472134E}"/>
               </a:ext>
             </a:extLst>
           </p:cNvPr>
@@ -801,45 +1583,49 @@
             <p:ph idx="1"/>
           </p:nvPr>
         </p:nvSpPr>
-        <p:spPr/>
+        <p:spPr>
+          <a:xfrm>
+            <a:off x="838200" y="1825625"/>
+            <a:ext cx="10515600" cy="3859742"/>
+          </a:xfrm>
+        </p:spPr>
         <p:txBody>
           <a:bodyPr/>
           <a:lstStyle/>
           <a:p>
             <a:pPr lvl="0"/>
             <a:r>
-              <a:rPr lang="en-GB"/>
+              <a:rPr lang="en-US"/>
               <a:t>Click to edit Master text styles</a:t>
             </a:r>
           </a:p>
           <a:p>
             <a:pPr lvl="1"/>
             <a:r>
-              <a:rPr lang="en-GB"/>
+              <a:rPr lang="en-US"/>
               <a:t>Second level</a:t>
             </a:r>
           </a:p>
           <a:p>
             <a:pPr lvl="2"/>
             <a:r>
-              <a:rPr lang="en-GB"/>
+              <a:rPr lang="en-US"/>
               <a:t>Third level</a:t>
             </a:r>
           </a:p>
           <a:p>
             <a:pPr lvl="3"/>
             <a:r>
-              <a:rPr lang="en-GB"/>
+              <a:rPr lang="en-US"/>
               <a:t>Fourth level</a:t>
             </a:r>
           </a:p>
           <a:p>
             <a:pPr lvl="4"/>
             <a:r>
-              <a:rPr lang="en-GB"/>
+              <a:rPr lang="en-US"/>
               <a:t>Fifth level</a:t>
             </a:r>
-            <a:endParaRPr lang="en-DK"/>
           </a:p>
         </p:txBody>
       </p:sp>
@@ -848,7 +1634,7 @@
           <p:cNvPr id="4" name="Date Placeholder 3">
             <a:extLst>
               <a:ext uri="{FF2B5EF4-FFF2-40B4-BE49-F238E27FC236}">
-                <a16:creationId xmlns:a16="http://schemas.microsoft.com/office/drawing/2014/main" id="{1E19EBC9-D604-D843-A552-F7802C7CE401}"/>
+                <a16:creationId xmlns:a16="http://schemas.microsoft.com/office/drawing/2014/main" id="{96E82FA1-02B7-467E-9F16-D178149407C5}"/>
               </a:ext>
             </a:extLst>
           </p:cNvPr>
@@ -864,11 +1650,11 @@
           <a:bodyPr/>
           <a:lstStyle/>
           <a:p>
-            <a:fld id="{B93BBDF7-E2CD-9D40-9DB1-F6604D6401F4}" type="datetimeFigureOut">
-              <a:rPr lang="en-DK" smtClean="0"/>
-              <a:t>31/05/2023</a:t>
+            <a:fld id="{82EDB8D0-98ED-4B86-9D5F-E61ADC70144D}" type="datetimeFigureOut">
+              <a:rPr lang="en-US" smtClean="0"/>
+              <a:t>5/31/23</a:t>
             </a:fld>
-            <a:endParaRPr lang="en-DK"/>
+            <a:endParaRPr lang="en-US" dirty="0"/>
           </a:p>
         </p:txBody>
       </p:sp>
@@ -877,7 +1663,7 @@
           <p:cNvPr id="5" name="Footer Placeholder 4">
             <a:extLst>
               <a:ext uri="{FF2B5EF4-FFF2-40B4-BE49-F238E27FC236}">
-                <a16:creationId xmlns:a16="http://schemas.microsoft.com/office/drawing/2014/main" id="{E6259404-CAA8-6640-9C19-DDE19ABBCBCB}"/>
+                <a16:creationId xmlns:a16="http://schemas.microsoft.com/office/drawing/2014/main" id="{6D389247-FB8A-4494-859B-B3754B02A5EE}"/>
               </a:ext>
             </a:extLst>
           </p:cNvPr>
@@ -893,7 +1679,7 @@
           <a:bodyPr/>
           <a:lstStyle/>
           <a:p>
-            <a:endParaRPr lang="en-DK"/>
+            <a:endParaRPr lang="en-US"/>
           </a:p>
         </p:txBody>
       </p:sp>
@@ -902,7 +1688,7 @@
           <p:cNvPr id="6" name="Slide Number Placeholder 5">
             <a:extLst>
               <a:ext uri="{FF2B5EF4-FFF2-40B4-BE49-F238E27FC236}">
-                <a16:creationId xmlns:a16="http://schemas.microsoft.com/office/drawing/2014/main" id="{B3AEAB31-A58D-8449-80BA-ED75215195E5}"/>
+                <a16:creationId xmlns:a16="http://schemas.microsoft.com/office/drawing/2014/main" id="{52CA5B62-3338-46A5-B381-A63B88CB0DDA}"/>
               </a:ext>
             </a:extLst>
           </p:cNvPr>
@@ -918,18 +1704,512 @@
           <a:bodyPr/>
           <a:lstStyle/>
           <a:p>
-            <a:fld id="{8E92F8DD-7B9B-E949-A5F7-3866CD0D79B5}" type="slidenum">
-              <a:rPr lang="en-DK" smtClean="0"/>
+            <a:fld id="{4854181D-6920-4594-9A5D-6CE56DC9F8B2}" type="slidenum">
+              <a:rPr lang="en-US" smtClean="0"/>
               <a:t>‹#›</a:t>
             </a:fld>
-            <a:endParaRPr lang="en-DK"/>
+            <a:endParaRPr lang="en-US"/>
+          </a:p>
+        </p:txBody>
+      </p:sp>
+      <p:sp>
+        <p:nvSpPr>
+          <p:cNvPr id="7" name="Freeform: Shape 6">
+            <a:extLst>
+              <a:ext uri="{FF2B5EF4-FFF2-40B4-BE49-F238E27FC236}">
+                <a16:creationId xmlns:a16="http://schemas.microsoft.com/office/drawing/2014/main" id="{23DA7759-3209-4FE2-96D1-4EEDD81E9EA0}"/>
+              </a:ext>
+            </a:extLst>
+          </p:cNvPr>
+          <p:cNvSpPr/>
+          <p:nvPr/>
+        </p:nvSpPr>
+        <p:spPr>
+          <a:xfrm>
+            <a:off x="10494433" y="2"/>
+            <a:ext cx="849328" cy="357668"/>
+          </a:xfrm>
+          <a:custGeom>
+            <a:avLst/>
+            <a:gdLst>
+              <a:gd name="connsiteX0" fmla="*/ 0 w 1135066"/>
+              <a:gd name="connsiteY0" fmla="*/ 0 h 477997"/>
+              <a:gd name="connsiteX1" fmla="*/ 1135066 w 1135066"/>
+              <a:gd name="connsiteY1" fmla="*/ 0 h 477997"/>
+              <a:gd name="connsiteX2" fmla="*/ 1133370 w 1135066"/>
+              <a:gd name="connsiteY2" fmla="*/ 16827 h 477997"/>
+              <a:gd name="connsiteX3" fmla="*/ 567533 w 1135066"/>
+              <a:gd name="connsiteY3" fmla="*/ 477997 h 477997"/>
+              <a:gd name="connsiteX4" fmla="*/ 1696 w 1135066"/>
+              <a:gd name="connsiteY4" fmla="*/ 16827 h 477997"/>
+            </a:gdLst>
+            <a:ahLst/>
+            <a:cxnLst>
+              <a:cxn ang="0">
+                <a:pos x="connsiteX0" y="connsiteY0"/>
+              </a:cxn>
+              <a:cxn ang="0">
+                <a:pos x="connsiteX1" y="connsiteY1"/>
+              </a:cxn>
+              <a:cxn ang="0">
+                <a:pos x="connsiteX2" y="connsiteY2"/>
+              </a:cxn>
+              <a:cxn ang="0">
+                <a:pos x="connsiteX3" y="connsiteY3"/>
+              </a:cxn>
+              <a:cxn ang="0">
+                <a:pos x="connsiteX4" y="connsiteY4"/>
+              </a:cxn>
+            </a:cxnLst>
+            <a:rect l="l" t="t" r="r" b="b"/>
+            <a:pathLst>
+              <a:path w="1135066" h="477997">
+                <a:moveTo>
+                  <a:pt x="0" y="0"/>
+                </a:moveTo>
+                <a:lnTo>
+                  <a:pt x="1135066" y="0"/>
+                </a:lnTo>
+                <a:lnTo>
+                  <a:pt x="1133370" y="16827"/>
+                </a:lnTo>
+                <a:cubicBezTo>
+                  <a:pt x="1079514" y="280016"/>
+                  <a:pt x="846644" y="477997"/>
+                  <a:pt x="567533" y="477997"/>
+                </a:cubicBezTo>
+                <a:cubicBezTo>
+                  <a:pt x="288422" y="477997"/>
+                  <a:pt x="55552" y="280016"/>
+                  <a:pt x="1696" y="16827"/>
+                </a:cubicBezTo>
+                <a:close/>
+              </a:path>
+            </a:pathLst>
+          </a:custGeom>
+          <a:solidFill>
+            <a:schemeClr val="accent4"/>
+          </a:solidFill>
+          <a:ln>
+            <a:noFill/>
+          </a:ln>
+        </p:spPr>
+        <p:style>
+          <a:lnRef idx="2">
+            <a:schemeClr val="accent1">
+              <a:shade val="50000"/>
+            </a:schemeClr>
+          </a:lnRef>
+          <a:fillRef idx="1">
+            <a:schemeClr val="accent1"/>
+          </a:fillRef>
+          <a:effectRef idx="0">
+            <a:schemeClr val="accent1"/>
+          </a:effectRef>
+          <a:fontRef idx="minor">
+            <a:schemeClr val="lt1"/>
+          </a:fontRef>
+        </p:style>
+        <p:txBody>
+          <a:bodyPr wrap="square" rtlCol="0" anchor="ctr">
+            <a:noAutofit/>
+          </a:bodyPr>
+          <a:lstStyle/>
+          <a:p>
+            <a:pPr marL="0" marR="0" lvl="0" indent="0" algn="ctr" defTabSz="914400" rtl="0" eaLnBrk="1" fontAlgn="auto" latinLnBrk="0" hangingPunct="1">
+              <a:lnSpc>
+                <a:spcPct val="100000"/>
+              </a:lnSpc>
+              <a:spcBef>
+                <a:spcPts val="0"/>
+              </a:spcBef>
+              <a:spcAft>
+                <a:spcPts val="0"/>
+              </a:spcAft>
+              <a:buClrTx/>
+              <a:buSzTx/>
+              <a:buFontTx/>
+              <a:buNone/>
+              <a:tabLst/>
+              <a:defRPr/>
+            </a:pPr>
+            <a:endParaRPr kumimoji="0" lang="en-US" sz="1800" b="0" i="0" u="none" strike="noStrike" kern="1200" cap="none" spc="0" normalizeH="0" baseline="0" noProof="0">
+              <a:ln>
+                <a:noFill/>
+              </a:ln>
+              <a:solidFill>
+                <a:prstClr val="white"/>
+              </a:solidFill>
+              <a:effectLst/>
+              <a:uLnTx/>
+              <a:uFillTx/>
+              <a:latin typeface="Calibri" panose="020F0502020204030204"/>
+              <a:ea typeface="+mn-ea"/>
+              <a:cs typeface="+mn-cs"/>
+            </a:endParaRPr>
+          </a:p>
+        </p:txBody>
+      </p:sp>
+      <p:sp>
+        <p:nvSpPr>
+          <p:cNvPr id="8" name="Freeform: Shape 7">
+            <a:extLst>
+              <a:ext uri="{FF2B5EF4-FFF2-40B4-BE49-F238E27FC236}">
+                <a16:creationId xmlns:a16="http://schemas.microsoft.com/office/drawing/2014/main" id="{41460DAD-8769-4C9F-9C8C-BB0443909D76}"/>
+              </a:ext>
+            </a:extLst>
+          </p:cNvPr>
+          <p:cNvSpPr/>
+          <p:nvPr/>
+        </p:nvSpPr>
+        <p:spPr>
+          <a:xfrm flipH="1">
+            <a:off x="123536" y="5717905"/>
+            <a:ext cx="1771609" cy="1140095"/>
+          </a:xfrm>
+          <a:custGeom>
+            <a:avLst/>
+            <a:gdLst>
+              <a:gd name="connsiteX0" fmla="*/ 1561721 w 1771609"/>
+              <a:gd name="connsiteY0" fmla="*/ 763041 h 1140095"/>
+              <a:gd name="connsiteX1" fmla="*/ 1623024 w 1771609"/>
+              <a:gd name="connsiteY1" fmla="*/ 792810 h 1140095"/>
+              <a:gd name="connsiteX2" fmla="*/ 1711735 w 1771609"/>
+              <a:gd name="connsiteY2" fmla="*/ 970132 h 1140095"/>
+              <a:gd name="connsiteX3" fmla="*/ 1771609 w 1771609"/>
+              <a:gd name="connsiteY3" fmla="*/ 1140095 h 1140095"/>
+              <a:gd name="connsiteX4" fmla="*/ 1637225 w 1771609"/>
+              <a:gd name="connsiteY4" fmla="*/ 1140095 h 1140095"/>
+              <a:gd name="connsiteX5" fmla="*/ 1594820 w 1771609"/>
+              <a:gd name="connsiteY5" fmla="*/ 1019711 h 1140095"/>
+              <a:gd name="connsiteX6" fmla="*/ 1513200 w 1771609"/>
+              <a:gd name="connsiteY6" fmla="*/ 856627 h 1140095"/>
+              <a:gd name="connsiteX7" fmla="*/ 1538499 w 1771609"/>
+              <a:gd name="connsiteY7" fmla="*/ 770415 h 1140095"/>
+              <a:gd name="connsiteX8" fmla="*/ 1561721 w 1771609"/>
+              <a:gd name="connsiteY8" fmla="*/ 763041 h 1140095"/>
+              <a:gd name="connsiteX9" fmla="*/ 933455 w 1771609"/>
+              <a:gd name="connsiteY9" fmla="*/ 161309 h 1140095"/>
+              <a:gd name="connsiteX10" fmla="*/ 957797 w 1771609"/>
+              <a:gd name="connsiteY10" fmla="*/ 167970 h 1140095"/>
+              <a:gd name="connsiteX11" fmla="*/ 1286982 w 1771609"/>
+              <a:gd name="connsiteY11" fmla="*/ 387616 h 1140095"/>
+              <a:gd name="connsiteX12" fmla="*/ 1293725 w 1771609"/>
+              <a:gd name="connsiteY12" fmla="*/ 477075 h 1140095"/>
+              <a:gd name="connsiteX13" fmla="*/ 1245453 w 1771609"/>
+              <a:gd name="connsiteY13" fmla="*/ 499154 h 1140095"/>
+              <a:gd name="connsiteX14" fmla="*/ 1245167 w 1771609"/>
+              <a:gd name="connsiteY14" fmla="*/ 499154 h 1140095"/>
+              <a:gd name="connsiteX15" fmla="*/ 1203638 w 1771609"/>
+              <a:gd name="connsiteY15" fmla="*/ 484104 h 1140095"/>
+              <a:gd name="connsiteX16" fmla="*/ 900647 w 1771609"/>
+              <a:gd name="connsiteY16" fmla="*/ 281508 h 1140095"/>
+              <a:gd name="connsiteX17" fmla="*/ 872454 w 1771609"/>
+              <a:gd name="connsiteY17" fmla="*/ 196164 h 1140095"/>
+              <a:gd name="connsiteX18" fmla="*/ 933455 w 1771609"/>
+              <a:gd name="connsiteY18" fmla="*/ 161309 h 1140095"/>
+              <a:gd name="connsiteX19" fmla="*/ 256260 w 1771609"/>
+              <a:gd name="connsiteY19" fmla="*/ 29 h 1140095"/>
+              <a:gd name="connsiteX20" fmla="*/ 454020 w 1771609"/>
+              <a:gd name="connsiteY20" fmla="*/ 13474 h 1140095"/>
+              <a:gd name="connsiteX21" fmla="*/ 509236 w 1771609"/>
+              <a:gd name="connsiteY21" fmla="*/ 84182 h 1140095"/>
+              <a:gd name="connsiteX22" fmla="*/ 445829 w 1771609"/>
+              <a:gd name="connsiteY22" fmla="*/ 139871 h 1140095"/>
+              <a:gd name="connsiteX23" fmla="*/ 437447 w 1771609"/>
+              <a:gd name="connsiteY23" fmla="*/ 139395 h 1140095"/>
+              <a:gd name="connsiteX24" fmla="*/ 73211 w 1771609"/>
+              <a:gd name="connsiteY24" fmla="*/ 137204 h 1140095"/>
+              <a:gd name="connsiteX25" fmla="*/ 749 w 1771609"/>
+              <a:gd name="connsiteY25" fmla="*/ 84082 h 1140095"/>
+              <a:gd name="connsiteX26" fmla="*/ 53871 w 1771609"/>
+              <a:gd name="connsiteY26" fmla="*/ 11621 h 1140095"/>
+              <a:gd name="connsiteX27" fmla="*/ 58352 w 1771609"/>
+              <a:gd name="connsiteY27" fmla="*/ 11093 h 1140095"/>
+              <a:gd name="connsiteX28" fmla="*/ 256260 w 1771609"/>
+              <a:gd name="connsiteY28" fmla="*/ 29 h 1140095"/>
+            </a:gdLst>
+            <a:ahLst/>
+            <a:cxnLst>
+              <a:cxn ang="0">
+                <a:pos x="connsiteX0" y="connsiteY0"/>
+              </a:cxn>
+              <a:cxn ang="0">
+                <a:pos x="connsiteX1" y="connsiteY1"/>
+              </a:cxn>
+              <a:cxn ang="0">
+                <a:pos x="connsiteX2" y="connsiteY2"/>
+              </a:cxn>
+              <a:cxn ang="0">
+                <a:pos x="connsiteX3" y="connsiteY3"/>
+              </a:cxn>
+              <a:cxn ang="0">
+                <a:pos x="connsiteX4" y="connsiteY4"/>
+              </a:cxn>
+              <a:cxn ang="0">
+                <a:pos x="connsiteX5" y="connsiteY5"/>
+              </a:cxn>
+              <a:cxn ang="0">
+                <a:pos x="connsiteX6" y="connsiteY6"/>
+              </a:cxn>
+              <a:cxn ang="0">
+                <a:pos x="connsiteX7" y="connsiteY7"/>
+              </a:cxn>
+              <a:cxn ang="0">
+                <a:pos x="connsiteX8" y="connsiteY8"/>
+              </a:cxn>
+              <a:cxn ang="0">
+                <a:pos x="connsiteX9" y="connsiteY9"/>
+              </a:cxn>
+              <a:cxn ang="0">
+                <a:pos x="connsiteX10" y="connsiteY10"/>
+              </a:cxn>
+              <a:cxn ang="0">
+                <a:pos x="connsiteX11" y="connsiteY11"/>
+              </a:cxn>
+              <a:cxn ang="0">
+                <a:pos x="connsiteX12" y="connsiteY12"/>
+              </a:cxn>
+              <a:cxn ang="0">
+                <a:pos x="connsiteX13" y="connsiteY13"/>
+              </a:cxn>
+              <a:cxn ang="0">
+                <a:pos x="connsiteX14" y="connsiteY14"/>
+              </a:cxn>
+              <a:cxn ang="0">
+                <a:pos x="connsiteX15" y="connsiteY15"/>
+              </a:cxn>
+              <a:cxn ang="0">
+                <a:pos x="connsiteX16" y="connsiteY16"/>
+              </a:cxn>
+              <a:cxn ang="0">
+                <a:pos x="connsiteX17" y="connsiteY17"/>
+              </a:cxn>
+              <a:cxn ang="0">
+                <a:pos x="connsiteX18" y="connsiteY18"/>
+              </a:cxn>
+              <a:cxn ang="0">
+                <a:pos x="connsiteX19" y="connsiteY19"/>
+              </a:cxn>
+              <a:cxn ang="0">
+                <a:pos x="connsiteX20" y="connsiteY20"/>
+              </a:cxn>
+              <a:cxn ang="0">
+                <a:pos x="connsiteX21" y="connsiteY21"/>
+              </a:cxn>
+              <a:cxn ang="0">
+                <a:pos x="connsiteX22" y="connsiteY22"/>
+              </a:cxn>
+              <a:cxn ang="0">
+                <a:pos x="connsiteX23" y="connsiteY23"/>
+              </a:cxn>
+              <a:cxn ang="0">
+                <a:pos x="connsiteX24" y="connsiteY24"/>
+              </a:cxn>
+              <a:cxn ang="0">
+                <a:pos x="connsiteX25" y="connsiteY25"/>
+              </a:cxn>
+              <a:cxn ang="0">
+                <a:pos x="connsiteX26" y="connsiteY26"/>
+              </a:cxn>
+              <a:cxn ang="0">
+                <a:pos x="connsiteX27" y="connsiteY27"/>
+              </a:cxn>
+              <a:cxn ang="0">
+                <a:pos x="connsiteX28" y="connsiteY28"/>
+              </a:cxn>
+            </a:cxnLst>
+            <a:rect l="l" t="t" r="r" b="b"/>
+            <a:pathLst>
+              <a:path w="1771609" h="1140095">
+                <a:moveTo>
+                  <a:pt x="1561721" y="763041"/>
+                </a:moveTo>
+                <a:cubicBezTo>
+                  <a:pt x="1585506" y="760324"/>
+                  <a:pt x="1609722" y="771249"/>
+                  <a:pt x="1623024" y="792810"/>
+                </a:cubicBezTo>
+                <a:cubicBezTo>
+                  <a:pt x="1656300" y="850065"/>
+                  <a:pt x="1685920" y="909291"/>
+                  <a:pt x="1711735" y="970132"/>
+                </a:cubicBezTo>
+                <a:lnTo>
+                  <a:pt x="1771609" y="1140095"/>
+                </a:lnTo>
+                <a:lnTo>
+                  <a:pt x="1637225" y="1140095"/>
+                </a:lnTo>
+                <a:lnTo>
+                  <a:pt x="1594820" y="1019711"/>
+                </a:lnTo>
+                <a:cubicBezTo>
+                  <a:pt x="1571072" y="963753"/>
+                  <a:pt x="1543818" y="909282"/>
+                  <a:pt x="1513200" y="856627"/>
+                </a:cubicBezTo>
+                <a:cubicBezTo>
+                  <a:pt x="1496379" y="825834"/>
+                  <a:pt x="1507704" y="787236"/>
+                  <a:pt x="1538499" y="770415"/>
+                </a:cubicBezTo>
+                <a:cubicBezTo>
+                  <a:pt x="1545912" y="766367"/>
+                  <a:pt x="1553792" y="763946"/>
+                  <a:pt x="1561721" y="763041"/>
+                </a:cubicBezTo>
+                <a:close/>
+                <a:moveTo>
+                  <a:pt x="933455" y="161309"/>
+                </a:moveTo>
+                <a:cubicBezTo>
+                  <a:pt x="941693" y="161855"/>
+                  <a:pt x="949959" y="164025"/>
+                  <a:pt x="957797" y="167970"/>
+                </a:cubicBezTo>
+                <a:cubicBezTo>
+                  <a:pt x="1076184" y="227289"/>
+                  <a:pt x="1186759" y="301068"/>
+                  <a:pt x="1286982" y="387616"/>
+                </a:cubicBezTo>
+                <a:cubicBezTo>
+                  <a:pt x="1313547" y="410457"/>
+                  <a:pt x="1316566" y="450510"/>
+                  <a:pt x="1293725" y="477075"/>
+                </a:cubicBezTo>
+                <a:cubicBezTo>
+                  <a:pt x="1281638" y="491137"/>
+                  <a:pt x="1263998" y="499204"/>
+                  <a:pt x="1245453" y="499154"/>
+                </a:cubicBezTo>
+                <a:lnTo>
+                  <a:pt x="1245167" y="499154"/>
+                </a:lnTo>
+                <a:cubicBezTo>
+                  <a:pt x="1229965" y="499301"/>
+                  <a:pt x="1215220" y="493956"/>
+                  <a:pt x="1203638" y="484104"/>
+                </a:cubicBezTo>
+                <a:cubicBezTo>
+                  <a:pt x="1111407" y="404300"/>
+                  <a:pt x="1009633" y="336248"/>
+                  <a:pt x="900647" y="281508"/>
+                </a:cubicBezTo>
+                <a:cubicBezTo>
+                  <a:pt x="869295" y="265726"/>
+                  <a:pt x="856672" y="227516"/>
+                  <a:pt x="872454" y="196164"/>
+                </a:cubicBezTo>
+                <a:cubicBezTo>
+                  <a:pt x="884290" y="172650"/>
+                  <a:pt x="908742" y="159670"/>
+                  <a:pt x="933455" y="161309"/>
+                </a:cubicBezTo>
+                <a:close/>
+                <a:moveTo>
+                  <a:pt x="256260" y="29"/>
+                </a:moveTo>
+                <a:cubicBezTo>
+                  <a:pt x="322331" y="427"/>
+                  <a:pt x="388378" y="4909"/>
+                  <a:pt x="454020" y="13474"/>
+                </a:cubicBezTo>
+                <a:cubicBezTo>
+                  <a:pt x="488793" y="17752"/>
+                  <a:pt x="513514" y="49409"/>
+                  <a:pt x="509236" y="84182"/>
+                </a:cubicBezTo>
+                <a:cubicBezTo>
+                  <a:pt x="505303" y="116151"/>
+                  <a:pt x="478038" y="140098"/>
+                  <a:pt x="445829" y="139871"/>
+                </a:cubicBezTo>
+                <a:cubicBezTo>
+                  <a:pt x="443027" y="139899"/>
+                  <a:pt x="440227" y="139740"/>
+                  <a:pt x="437447" y="139395"/>
+                </a:cubicBezTo>
+                <a:cubicBezTo>
+                  <a:pt x="316592" y="123615"/>
+                  <a:pt x="194247" y="122878"/>
+                  <a:pt x="73211" y="137204"/>
+                </a:cubicBezTo>
+                <a:cubicBezTo>
+                  <a:pt x="38532" y="142545"/>
+                  <a:pt x="6090" y="118762"/>
+                  <a:pt x="749" y="84082"/>
+                </a:cubicBezTo>
+                <a:cubicBezTo>
+                  <a:pt x="-4591" y="49403"/>
+                  <a:pt x="19192" y="16961"/>
+                  <a:pt x="53871" y="11621"/>
+                </a:cubicBezTo>
+                <a:cubicBezTo>
+                  <a:pt x="55358" y="11392"/>
+                  <a:pt x="56852" y="11216"/>
+                  <a:pt x="58352" y="11093"/>
+                </a:cubicBezTo>
+                <a:cubicBezTo>
+                  <a:pt x="124093" y="3319"/>
+                  <a:pt x="190189" y="-369"/>
+                  <a:pt x="256260" y="29"/>
+                </a:cubicBezTo>
+                <a:close/>
+              </a:path>
+            </a:pathLst>
+          </a:custGeom>
+          <a:solidFill>
+            <a:schemeClr val="accent4"/>
+          </a:solidFill>
+          <a:ln w="9525" cap="flat">
+            <a:noFill/>
+            <a:prstDash val="solid"/>
+            <a:miter/>
+          </a:ln>
+        </p:spPr>
+        <p:txBody>
+          <a:bodyPr rtlCol="0" anchor="ctr"/>
+          <a:lstStyle/>
+          <a:p>
+            <a:pPr marL="0" marR="0" lvl="0" indent="0" algn="l" defTabSz="914400" rtl="0" eaLnBrk="1" fontAlgn="auto" latinLnBrk="0" hangingPunct="1">
+              <a:lnSpc>
+                <a:spcPct val="100000"/>
+              </a:lnSpc>
+              <a:spcBef>
+                <a:spcPts val="0"/>
+              </a:spcBef>
+              <a:spcAft>
+                <a:spcPts val="0"/>
+              </a:spcAft>
+              <a:buClrTx/>
+              <a:buSzTx/>
+              <a:buFontTx/>
+              <a:buNone/>
+              <a:tabLst/>
+              <a:defRPr/>
+            </a:pPr>
+            <a:endParaRPr kumimoji="0" lang="en-US" sz="1800" b="0" i="0" u="none" strike="noStrike" kern="1200" cap="none" spc="0" normalizeH="0" baseline="0" noProof="0">
+              <a:ln>
+                <a:noFill/>
+              </a:ln>
+              <a:solidFill>
+                <a:prstClr val="black"/>
+              </a:solidFill>
+              <a:effectLst/>
+              <a:uLnTx/>
+              <a:uFillTx/>
+              <a:latin typeface="Calibri" panose="020F0502020204030204"/>
+              <a:ea typeface="+mn-ea"/>
+              <a:cs typeface="+mn-cs"/>
+            </a:endParaRPr>
           </a:p>
         </p:txBody>
       </p:sp>
     </p:spTree>
     <p:extLst>
       <p:ext uri="{BB962C8B-B14F-4D97-AF65-F5344CB8AC3E}">
-        <p14:creationId xmlns:p14="http://schemas.microsoft.com/office/powerpoint/2010/main" val="4072290391"/>
+        <p14:creationId xmlns:p14="http://schemas.microsoft.com/office/powerpoint/2010/main" val="486998607"/>
       </p:ext>
     </p:extLst>
   </p:cSld>
@@ -961,7 +2241,7 @@
           <p:cNvPr id="2" name="Title 1">
             <a:extLst>
               <a:ext uri="{FF2B5EF4-FFF2-40B4-BE49-F238E27FC236}">
-                <a16:creationId xmlns:a16="http://schemas.microsoft.com/office/drawing/2014/main" id="{5CF46F34-24E0-6C42-A86D-A73EBC4CD338}"/>
+                <a16:creationId xmlns:a16="http://schemas.microsoft.com/office/drawing/2014/main" id="{A04C0001-5D76-45A0-A9F4-7172BDDD5D28}"/>
               </a:ext>
             </a:extLst>
           </p:cNvPr>
@@ -987,10 +2267,9 @@
           </a:lstStyle>
           <a:p>
             <a:r>
-              <a:rPr lang="en-GB"/>
+              <a:rPr lang="en-US"/>
               <a:t>Click to edit Master title style</a:t>
             </a:r>
-            <a:endParaRPr lang="en-DK"/>
           </a:p>
         </p:txBody>
       </p:sp>
@@ -999,7 +2278,7 @@
           <p:cNvPr id="3" name="Text Placeholder 2">
             <a:extLst>
               <a:ext uri="{FF2B5EF4-FFF2-40B4-BE49-F238E27FC236}">
-                <a16:creationId xmlns:a16="http://schemas.microsoft.com/office/drawing/2014/main" id="{7C00E0D2-2A80-9249-801F-58BE98FC29E6}"/>
+                <a16:creationId xmlns:a16="http://schemas.microsoft.com/office/drawing/2014/main" id="{9E1462C4-0E4B-4DB7-A8BF-FE55142760AF}"/>
               </a:ext>
             </a:extLst>
           </p:cNvPr>
@@ -1113,7 +2392,7 @@
           <a:p>
             <a:pPr lvl="0"/>
             <a:r>
-              <a:rPr lang="en-GB"/>
+              <a:rPr lang="en-US"/>
               <a:t>Click to edit Master text styles</a:t>
             </a:r>
           </a:p>
@@ -1124,7 +2403,7 @@
           <p:cNvPr id="4" name="Date Placeholder 3">
             <a:extLst>
               <a:ext uri="{FF2B5EF4-FFF2-40B4-BE49-F238E27FC236}">
-                <a16:creationId xmlns:a16="http://schemas.microsoft.com/office/drawing/2014/main" id="{79A78B4C-6954-0D4F-9AD0-CF6E833F9ECC}"/>
+                <a16:creationId xmlns:a16="http://schemas.microsoft.com/office/drawing/2014/main" id="{2AA5F313-1240-47AE-A026-7F349292B5CA}"/>
               </a:ext>
             </a:extLst>
           </p:cNvPr>
@@ -1140,11 +2419,11 @@
           <a:bodyPr/>
           <a:lstStyle/>
           <a:p>
-            <a:fld id="{B93BBDF7-E2CD-9D40-9DB1-F6604D6401F4}" type="datetimeFigureOut">
-              <a:rPr lang="en-DK" smtClean="0"/>
-              <a:t>31/05/2023</a:t>
+            <a:fld id="{82EDB8D0-98ED-4B86-9D5F-E61ADC70144D}" type="datetimeFigureOut">
+              <a:rPr lang="en-US" smtClean="0"/>
+              <a:t>5/31/23</a:t>
             </a:fld>
-            <a:endParaRPr lang="en-DK"/>
+            <a:endParaRPr lang="en-US"/>
           </a:p>
         </p:txBody>
       </p:sp>
@@ -1153,7 +2432,7 @@
           <p:cNvPr id="5" name="Footer Placeholder 4">
             <a:extLst>
               <a:ext uri="{FF2B5EF4-FFF2-40B4-BE49-F238E27FC236}">
-                <a16:creationId xmlns:a16="http://schemas.microsoft.com/office/drawing/2014/main" id="{2ACD6F03-A9D2-BF4B-AD47-AC5805B14F3F}"/>
+                <a16:creationId xmlns:a16="http://schemas.microsoft.com/office/drawing/2014/main" id="{22448158-6132-4335-B8E1-F6A896383773}"/>
               </a:ext>
             </a:extLst>
           </p:cNvPr>
@@ -1169,7 +2448,7 @@
           <a:bodyPr/>
           <a:lstStyle/>
           <a:p>
-            <a:endParaRPr lang="en-DK"/>
+            <a:endParaRPr lang="en-US"/>
           </a:p>
         </p:txBody>
       </p:sp>
@@ -1178,7 +2457,7 @@
           <p:cNvPr id="6" name="Slide Number Placeholder 5">
             <a:extLst>
               <a:ext uri="{FF2B5EF4-FFF2-40B4-BE49-F238E27FC236}">
-                <a16:creationId xmlns:a16="http://schemas.microsoft.com/office/drawing/2014/main" id="{3420E41B-563E-DE4D-A04D-0789FBFF7E7D}"/>
+                <a16:creationId xmlns:a16="http://schemas.microsoft.com/office/drawing/2014/main" id="{A494C5B6-1598-48B4-9B3A-3078FDBE90B7}"/>
               </a:ext>
             </a:extLst>
           </p:cNvPr>
@@ -1194,18 +2473,235 @@
           <a:bodyPr/>
           <a:lstStyle/>
           <a:p>
-            <a:fld id="{8E92F8DD-7B9B-E949-A5F7-3866CD0D79B5}" type="slidenum">
-              <a:rPr lang="en-DK" smtClean="0"/>
+            <a:fld id="{4854181D-6920-4594-9A5D-6CE56DC9F8B2}" type="slidenum">
+              <a:rPr lang="en-US" smtClean="0"/>
               <a:t>‹#›</a:t>
             </a:fld>
-            <a:endParaRPr lang="en-DK"/>
+            <a:endParaRPr lang="en-US"/>
+          </a:p>
+        </p:txBody>
+      </p:sp>
+      <p:sp>
+        <p:nvSpPr>
+          <p:cNvPr id="9" name="Freeform: Shape 8">
+            <a:extLst>
+              <a:ext uri="{FF2B5EF4-FFF2-40B4-BE49-F238E27FC236}">
+                <a16:creationId xmlns:a16="http://schemas.microsoft.com/office/drawing/2014/main" id="{FEDBDD32-D3EE-4848-A112-BA814D4631CD}"/>
+              </a:ext>
+            </a:extLst>
+          </p:cNvPr>
+          <p:cNvSpPr/>
+          <p:nvPr/>
+        </p:nvSpPr>
+        <p:spPr>
+          <a:xfrm>
+            <a:off x="10208695" y="1"/>
+            <a:ext cx="1135066" cy="477997"/>
+          </a:xfrm>
+          <a:custGeom>
+            <a:avLst/>
+            <a:gdLst>
+              <a:gd name="connsiteX0" fmla="*/ 0 w 1135066"/>
+              <a:gd name="connsiteY0" fmla="*/ 0 h 477997"/>
+              <a:gd name="connsiteX1" fmla="*/ 1135066 w 1135066"/>
+              <a:gd name="connsiteY1" fmla="*/ 0 h 477997"/>
+              <a:gd name="connsiteX2" fmla="*/ 1133370 w 1135066"/>
+              <a:gd name="connsiteY2" fmla="*/ 16827 h 477997"/>
+              <a:gd name="connsiteX3" fmla="*/ 567533 w 1135066"/>
+              <a:gd name="connsiteY3" fmla="*/ 477997 h 477997"/>
+              <a:gd name="connsiteX4" fmla="*/ 1696 w 1135066"/>
+              <a:gd name="connsiteY4" fmla="*/ 16827 h 477997"/>
+            </a:gdLst>
+            <a:ahLst/>
+            <a:cxnLst>
+              <a:cxn ang="0">
+                <a:pos x="connsiteX0" y="connsiteY0"/>
+              </a:cxn>
+              <a:cxn ang="0">
+                <a:pos x="connsiteX1" y="connsiteY1"/>
+              </a:cxn>
+              <a:cxn ang="0">
+                <a:pos x="connsiteX2" y="connsiteY2"/>
+              </a:cxn>
+              <a:cxn ang="0">
+                <a:pos x="connsiteX3" y="connsiteY3"/>
+              </a:cxn>
+              <a:cxn ang="0">
+                <a:pos x="connsiteX4" y="connsiteY4"/>
+              </a:cxn>
+            </a:cxnLst>
+            <a:rect l="l" t="t" r="r" b="b"/>
+            <a:pathLst>
+              <a:path w="1135066" h="477997">
+                <a:moveTo>
+                  <a:pt x="0" y="0"/>
+                </a:moveTo>
+                <a:lnTo>
+                  <a:pt x="1135066" y="0"/>
+                </a:lnTo>
+                <a:lnTo>
+                  <a:pt x="1133370" y="16827"/>
+                </a:lnTo>
+                <a:cubicBezTo>
+                  <a:pt x="1079514" y="280016"/>
+                  <a:pt x="846644" y="477997"/>
+                  <a:pt x="567533" y="477997"/>
+                </a:cubicBezTo>
+                <a:cubicBezTo>
+                  <a:pt x="288422" y="477997"/>
+                  <a:pt x="55552" y="280016"/>
+                  <a:pt x="1696" y="16827"/>
+                </a:cubicBezTo>
+                <a:close/>
+              </a:path>
+            </a:pathLst>
+          </a:custGeom>
+          <a:solidFill>
+            <a:schemeClr val="accent4"/>
+          </a:solidFill>
+          <a:ln>
+            <a:noFill/>
+          </a:ln>
+        </p:spPr>
+        <p:style>
+          <a:lnRef idx="2">
+            <a:schemeClr val="accent1">
+              <a:shade val="50000"/>
+            </a:schemeClr>
+          </a:lnRef>
+          <a:fillRef idx="1">
+            <a:schemeClr val="accent1"/>
+          </a:fillRef>
+          <a:effectRef idx="0">
+            <a:schemeClr val="accent1"/>
+          </a:effectRef>
+          <a:fontRef idx="minor">
+            <a:schemeClr val="lt1"/>
+          </a:fontRef>
+        </p:style>
+        <p:txBody>
+          <a:bodyPr wrap="square" rtlCol="0" anchor="ctr">
+            <a:noAutofit/>
+          </a:bodyPr>
+          <a:lstStyle/>
+          <a:p>
+            <a:pPr marL="0" marR="0" lvl="0" indent="0" algn="ctr" defTabSz="914400" rtl="0" eaLnBrk="1" fontAlgn="auto" latinLnBrk="0" hangingPunct="1">
+              <a:lnSpc>
+                <a:spcPct val="100000"/>
+              </a:lnSpc>
+              <a:spcBef>
+                <a:spcPts val="0"/>
+              </a:spcBef>
+              <a:spcAft>
+                <a:spcPts val="0"/>
+              </a:spcAft>
+              <a:buClrTx/>
+              <a:buSzTx/>
+              <a:buFontTx/>
+              <a:buNone/>
+              <a:tabLst/>
+              <a:defRPr/>
+            </a:pPr>
+            <a:endParaRPr kumimoji="0" lang="en-US" sz="1800" b="0" i="0" u="none" strike="noStrike" kern="1200" cap="none" spc="0" normalizeH="0" baseline="0" noProof="0">
+              <a:ln>
+                <a:noFill/>
+              </a:ln>
+              <a:solidFill>
+                <a:prstClr val="white"/>
+              </a:solidFill>
+              <a:effectLst/>
+              <a:uLnTx/>
+              <a:uFillTx/>
+              <a:latin typeface="Calibri" panose="020F0502020204030204"/>
+              <a:ea typeface="+mn-ea"/>
+              <a:cs typeface="+mn-cs"/>
+            </a:endParaRPr>
+          </a:p>
+        </p:txBody>
+      </p:sp>
+      <p:sp>
+        <p:nvSpPr>
+          <p:cNvPr id="10" name="Arc 9">
+            <a:extLst>
+              <a:ext uri="{FF2B5EF4-FFF2-40B4-BE49-F238E27FC236}">
+                <a16:creationId xmlns:a16="http://schemas.microsoft.com/office/drawing/2014/main" id="{61350361-843C-49D0-BD6A-ECDBA3842BA0}"/>
+              </a:ext>
+            </a:extLst>
+          </p:cNvPr>
+          <p:cNvSpPr/>
+          <p:nvPr/>
+        </p:nvSpPr>
+        <p:spPr>
+          <a:xfrm rot="10800000" flipV="1">
+            <a:off x="555710" y="1064829"/>
+            <a:ext cx="4083433" cy="4083433"/>
+          </a:xfrm>
+          <a:prstGeom prst="arc">
+            <a:avLst/>
+          </a:prstGeom>
+          <a:ln w="127000" cap="rnd">
+            <a:solidFill>
+              <a:schemeClr val="accent4"/>
+            </a:solidFill>
+            <a:prstDash val="dash"/>
+          </a:ln>
+        </p:spPr>
+        <p:style>
+          <a:lnRef idx="1">
+            <a:schemeClr val="accent1"/>
+          </a:lnRef>
+          <a:fillRef idx="0">
+            <a:schemeClr val="accent1"/>
+          </a:fillRef>
+          <a:effectRef idx="0">
+            <a:schemeClr val="accent1"/>
+          </a:effectRef>
+          <a:fontRef idx="minor">
+            <a:schemeClr val="tx1"/>
+          </a:fontRef>
+        </p:style>
+        <p:txBody>
+          <a:bodyPr rtlCol="0" anchor="ctr"/>
+          <a:lstStyle/>
+          <a:p>
+            <a:pPr marL="0" marR="0" lvl="0" indent="0" algn="ctr" defTabSz="914400" rtl="0" eaLnBrk="1" fontAlgn="auto" latinLnBrk="0" hangingPunct="1">
+              <a:lnSpc>
+                <a:spcPct val="100000"/>
+              </a:lnSpc>
+              <a:spcBef>
+                <a:spcPts val="0"/>
+              </a:spcBef>
+              <a:spcAft>
+                <a:spcPts val="0"/>
+              </a:spcAft>
+              <a:buClrTx/>
+              <a:buSzTx/>
+              <a:buFontTx/>
+              <a:buNone/>
+              <a:tabLst/>
+              <a:defRPr/>
+            </a:pPr>
+            <a:endParaRPr kumimoji="0" lang="en-US" sz="1800" b="0" i="0" u="none" strike="noStrike" kern="1200" cap="none" spc="0" normalizeH="0" baseline="0" noProof="0" dirty="0">
+              <a:ln>
+                <a:noFill/>
+              </a:ln>
+              <a:solidFill>
+                <a:prstClr val="black"/>
+              </a:solidFill>
+              <a:effectLst/>
+              <a:uLnTx/>
+              <a:uFillTx/>
+              <a:latin typeface="Calibri" panose="020F0502020204030204"/>
+              <a:ea typeface="+mn-ea"/>
+              <a:cs typeface="+mn-cs"/>
+            </a:endParaRPr>
           </a:p>
         </p:txBody>
       </p:sp>
     </p:spTree>
     <p:extLst>
       <p:ext uri="{BB962C8B-B14F-4D97-AF65-F5344CB8AC3E}">
-        <p14:creationId xmlns:p14="http://schemas.microsoft.com/office/powerpoint/2010/main" val="2524264198"/>
+        <p14:creationId xmlns:p14="http://schemas.microsoft.com/office/powerpoint/2010/main" val="287414580"/>
       </p:ext>
     </p:extLst>
   </p:cSld>
@@ -1237,7 +2733,7 @@
           <p:cNvPr id="2" name="Title 1">
             <a:extLst>
               <a:ext uri="{FF2B5EF4-FFF2-40B4-BE49-F238E27FC236}">
-                <a16:creationId xmlns:a16="http://schemas.microsoft.com/office/drawing/2014/main" id="{0552ADE8-A0C6-1C40-B9EA-5D4B3453A892}"/>
+                <a16:creationId xmlns:a16="http://schemas.microsoft.com/office/drawing/2014/main" id="{57ABFD05-2CB2-4A7E-89E7-57615BA82B4F}"/>
               </a:ext>
             </a:extLst>
           </p:cNvPr>
@@ -1254,10 +2750,9 @@
           <a:lstStyle/>
           <a:p>
             <a:r>
-              <a:rPr lang="en-GB"/>
+              <a:rPr lang="en-US"/>
               <a:t>Click to edit Master title style</a:t>
             </a:r>
-            <a:endParaRPr lang="en-DK"/>
           </a:p>
         </p:txBody>
       </p:sp>
@@ -1266,7 +2761,7 @@
           <p:cNvPr id="3" name="Content Placeholder 2">
             <a:extLst>
               <a:ext uri="{FF2B5EF4-FFF2-40B4-BE49-F238E27FC236}">
-                <a16:creationId xmlns:a16="http://schemas.microsoft.com/office/drawing/2014/main" id="{A7DB2DFB-0CB2-1A43-869C-8527C910BEB3}"/>
+                <a16:creationId xmlns:a16="http://schemas.microsoft.com/office/drawing/2014/main" id="{3F9532B8-D460-476D-816F-725E8D96C0A4}"/>
               </a:ext>
             </a:extLst>
           </p:cNvPr>
@@ -1289,38 +2784,37 @@
           <a:p>
             <a:pPr lvl="0"/>
             <a:r>
-              <a:rPr lang="en-GB"/>
+              <a:rPr lang="en-US"/>
               <a:t>Click to edit Master text styles</a:t>
             </a:r>
           </a:p>
           <a:p>
             <a:pPr lvl="1"/>
             <a:r>
-              <a:rPr lang="en-GB"/>
+              <a:rPr lang="en-US"/>
               <a:t>Second level</a:t>
             </a:r>
           </a:p>
           <a:p>
             <a:pPr lvl="2"/>
             <a:r>
-              <a:rPr lang="en-GB"/>
+              <a:rPr lang="en-US"/>
               <a:t>Third level</a:t>
             </a:r>
           </a:p>
           <a:p>
             <a:pPr lvl="3"/>
             <a:r>
-              <a:rPr lang="en-GB"/>
+              <a:rPr lang="en-US"/>
               <a:t>Fourth level</a:t>
             </a:r>
           </a:p>
           <a:p>
             <a:pPr lvl="4"/>
             <a:r>
-              <a:rPr lang="en-GB"/>
+              <a:rPr lang="en-US"/>
               <a:t>Fifth level</a:t>
             </a:r>
-            <a:endParaRPr lang="en-DK"/>
           </a:p>
         </p:txBody>
       </p:sp>
@@ -1329,7 +2823,7 @@
           <p:cNvPr id="4" name="Content Placeholder 3">
             <a:extLst>
               <a:ext uri="{FF2B5EF4-FFF2-40B4-BE49-F238E27FC236}">
-                <a16:creationId xmlns:a16="http://schemas.microsoft.com/office/drawing/2014/main" id="{426E6CA2-580A-B940-949D-E84E99003F08}"/>
+                <a16:creationId xmlns:a16="http://schemas.microsoft.com/office/drawing/2014/main" id="{26F7120F-70AF-4ED5-B364-3AA55C6B44B6}"/>
               </a:ext>
             </a:extLst>
           </p:cNvPr>
@@ -1352,38 +2846,37 @@
           <a:p>
             <a:pPr lvl="0"/>
             <a:r>
-              <a:rPr lang="en-GB"/>
+              <a:rPr lang="en-US"/>
               <a:t>Click to edit Master text styles</a:t>
             </a:r>
           </a:p>
           <a:p>
             <a:pPr lvl="1"/>
             <a:r>
-              <a:rPr lang="en-GB"/>
+              <a:rPr lang="en-US"/>
               <a:t>Second level</a:t>
             </a:r>
           </a:p>
           <a:p>
             <a:pPr lvl="2"/>
             <a:r>
-              <a:rPr lang="en-GB"/>
+              <a:rPr lang="en-US"/>
               <a:t>Third level</a:t>
             </a:r>
           </a:p>
           <a:p>
             <a:pPr lvl="3"/>
             <a:r>
-              <a:rPr lang="en-GB"/>
+              <a:rPr lang="en-US"/>
               <a:t>Fourth level</a:t>
             </a:r>
           </a:p>
           <a:p>
             <a:pPr lvl="4"/>
             <a:r>
-              <a:rPr lang="en-GB"/>
+              <a:rPr lang="en-US"/>
               <a:t>Fifth level</a:t>
             </a:r>
-            <a:endParaRPr lang="en-DK"/>
           </a:p>
         </p:txBody>
       </p:sp>
@@ -1392,7 +2885,7 @@
           <p:cNvPr id="5" name="Date Placeholder 4">
             <a:extLst>
               <a:ext uri="{FF2B5EF4-FFF2-40B4-BE49-F238E27FC236}">
-                <a16:creationId xmlns:a16="http://schemas.microsoft.com/office/drawing/2014/main" id="{1DA7B159-D06C-3748-A699-44C39EE890D3}"/>
+                <a16:creationId xmlns:a16="http://schemas.microsoft.com/office/drawing/2014/main" id="{63D8B65F-F709-469F-9961-4D01896CAA12}"/>
               </a:ext>
             </a:extLst>
           </p:cNvPr>
@@ -1408,11 +2901,11 @@
           <a:bodyPr/>
           <a:lstStyle/>
           <a:p>
-            <a:fld id="{B93BBDF7-E2CD-9D40-9DB1-F6604D6401F4}" type="datetimeFigureOut">
-              <a:rPr lang="en-DK" smtClean="0"/>
-              <a:t>31/05/2023</a:t>
+            <a:fld id="{82EDB8D0-98ED-4B86-9D5F-E61ADC70144D}" type="datetimeFigureOut">
+              <a:rPr lang="en-US" smtClean="0"/>
+              <a:t>5/31/23</a:t>
             </a:fld>
-            <a:endParaRPr lang="en-DK"/>
+            <a:endParaRPr lang="en-US"/>
           </a:p>
         </p:txBody>
       </p:sp>
@@ -1421,7 +2914,7 @@
           <p:cNvPr id="6" name="Footer Placeholder 5">
             <a:extLst>
               <a:ext uri="{FF2B5EF4-FFF2-40B4-BE49-F238E27FC236}">
-                <a16:creationId xmlns:a16="http://schemas.microsoft.com/office/drawing/2014/main" id="{9AB03D57-6E8C-F347-8071-0B925141015F}"/>
+                <a16:creationId xmlns:a16="http://schemas.microsoft.com/office/drawing/2014/main" id="{B781C6BC-B23D-48BC-AD44-654DDB8D0122}"/>
               </a:ext>
             </a:extLst>
           </p:cNvPr>
@@ -1437,7 +2930,7 @@
           <a:bodyPr/>
           <a:lstStyle/>
           <a:p>
-            <a:endParaRPr lang="en-DK"/>
+            <a:endParaRPr lang="en-US"/>
           </a:p>
         </p:txBody>
       </p:sp>
@@ -1446,7 +2939,7 @@
           <p:cNvPr id="7" name="Slide Number Placeholder 6">
             <a:extLst>
               <a:ext uri="{FF2B5EF4-FFF2-40B4-BE49-F238E27FC236}">
-                <a16:creationId xmlns:a16="http://schemas.microsoft.com/office/drawing/2014/main" id="{7E9323B9-B5DA-434C-939E-C4B7C24129FA}"/>
+                <a16:creationId xmlns:a16="http://schemas.microsoft.com/office/drawing/2014/main" id="{6100D60B-86A1-479D-BCE8-06D2C3DBC94E}"/>
               </a:ext>
             </a:extLst>
           </p:cNvPr>
@@ -1462,18 +2955,302 @@
           <a:bodyPr/>
           <a:lstStyle/>
           <a:p>
-            <a:fld id="{8E92F8DD-7B9B-E949-A5F7-3866CD0D79B5}" type="slidenum">
-              <a:rPr lang="en-DK" smtClean="0"/>
+            <a:fld id="{4854181D-6920-4594-9A5D-6CE56DC9F8B2}" type="slidenum">
+              <a:rPr lang="en-US" smtClean="0"/>
               <a:t>‹#›</a:t>
             </a:fld>
-            <a:endParaRPr lang="en-DK"/>
+            <a:endParaRPr lang="en-US"/>
+          </a:p>
+        </p:txBody>
+      </p:sp>
+      <p:sp>
+        <p:nvSpPr>
+          <p:cNvPr id="8" name="Freeform: Shape 7">
+            <a:extLst>
+              <a:ext uri="{FF2B5EF4-FFF2-40B4-BE49-F238E27FC236}">
+                <a16:creationId xmlns:a16="http://schemas.microsoft.com/office/drawing/2014/main" id="{B4EC5136-99DA-40B5-8F79-5C3A56D38BA1}"/>
+              </a:ext>
+            </a:extLst>
+          </p:cNvPr>
+          <p:cNvSpPr/>
+          <p:nvPr/>
+        </p:nvSpPr>
+        <p:spPr>
+          <a:xfrm rot="16200000">
+            <a:off x="-388933" y="4841194"/>
+            <a:ext cx="1737401" cy="959536"/>
+          </a:xfrm>
+          <a:custGeom>
+            <a:avLst/>
+            <a:gdLst>
+              <a:gd name="connsiteX0" fmla="*/ 0 w 1737401"/>
+              <a:gd name="connsiteY0" fmla="*/ 0 h 959536"/>
+              <a:gd name="connsiteX1" fmla="*/ 123825 w 1737401"/>
+              <a:gd name="connsiteY1" fmla="*/ 0 h 959536"/>
+              <a:gd name="connsiteX2" fmla="*/ 123825 w 1737401"/>
+              <a:gd name="connsiteY2" fmla="*/ 790277 h 959536"/>
+              <a:gd name="connsiteX3" fmla="*/ 1490095 w 1737401"/>
+              <a:gd name="connsiteY3" fmla="*/ 0 h 959536"/>
+              <a:gd name="connsiteX4" fmla="*/ 1737401 w 1737401"/>
+              <a:gd name="connsiteY4" fmla="*/ 0 h 959536"/>
+              <a:gd name="connsiteX5" fmla="*/ 92869 w 1737401"/>
+              <a:gd name="connsiteY5" fmla="*/ 951249 h 959536"/>
+              <a:gd name="connsiteX6" fmla="*/ 61913 w 1737401"/>
+              <a:gd name="connsiteY6" fmla="*/ 959536 h 959536"/>
+              <a:gd name="connsiteX7" fmla="*/ 0 w 1737401"/>
+              <a:gd name="connsiteY7" fmla="*/ 897624 h 959536"/>
+            </a:gdLst>
+            <a:ahLst/>
+            <a:cxnLst>
+              <a:cxn ang="0">
+                <a:pos x="connsiteX0" y="connsiteY0"/>
+              </a:cxn>
+              <a:cxn ang="0">
+                <a:pos x="connsiteX1" y="connsiteY1"/>
+              </a:cxn>
+              <a:cxn ang="0">
+                <a:pos x="connsiteX2" y="connsiteY2"/>
+              </a:cxn>
+              <a:cxn ang="0">
+                <a:pos x="connsiteX3" y="connsiteY3"/>
+              </a:cxn>
+              <a:cxn ang="0">
+                <a:pos x="connsiteX4" y="connsiteY4"/>
+              </a:cxn>
+              <a:cxn ang="0">
+                <a:pos x="connsiteX5" y="connsiteY5"/>
+              </a:cxn>
+              <a:cxn ang="0">
+                <a:pos x="connsiteX6" y="connsiteY6"/>
+              </a:cxn>
+              <a:cxn ang="0">
+                <a:pos x="connsiteX7" y="connsiteY7"/>
+              </a:cxn>
+            </a:cxnLst>
+            <a:rect l="l" t="t" r="r" b="b"/>
+            <a:pathLst>
+              <a:path w="1737401" h="959536">
+                <a:moveTo>
+                  <a:pt x="0" y="0"/>
+                </a:moveTo>
+                <a:lnTo>
+                  <a:pt x="123825" y="0"/>
+                </a:lnTo>
+                <a:lnTo>
+                  <a:pt x="123825" y="790277"/>
+                </a:lnTo>
+                <a:lnTo>
+                  <a:pt x="1490095" y="0"/>
+                </a:lnTo>
+                <a:lnTo>
+                  <a:pt x="1737401" y="0"/>
+                </a:lnTo>
+                <a:lnTo>
+                  <a:pt x="92869" y="951249"/>
+                </a:lnTo>
+                <a:cubicBezTo>
+                  <a:pt x="83458" y="956688"/>
+                  <a:pt x="72780" y="959546"/>
+                  <a:pt x="61913" y="959536"/>
+                </a:cubicBezTo>
+                <a:cubicBezTo>
+                  <a:pt x="27719" y="959536"/>
+                  <a:pt x="0" y="931818"/>
+                  <a:pt x="0" y="897624"/>
+                </a:cubicBezTo>
+                <a:close/>
+              </a:path>
+            </a:pathLst>
+          </a:custGeom>
+          <a:solidFill>
+            <a:schemeClr val="accent6"/>
+          </a:solidFill>
+          <a:ln w="9525" cap="flat">
+            <a:noFill/>
+            <a:prstDash val="solid"/>
+            <a:miter/>
+          </a:ln>
+        </p:spPr>
+        <p:txBody>
+          <a:bodyPr rtlCol="0" anchor="ctr"/>
+          <a:lstStyle/>
+          <a:p>
+            <a:pPr marL="0" marR="0" lvl="0" indent="0" algn="l" defTabSz="914400" rtl="0" eaLnBrk="1" fontAlgn="auto" latinLnBrk="0" hangingPunct="1">
+              <a:lnSpc>
+                <a:spcPct val="100000"/>
+              </a:lnSpc>
+              <a:spcBef>
+                <a:spcPts val="0"/>
+              </a:spcBef>
+              <a:spcAft>
+                <a:spcPts val="0"/>
+              </a:spcAft>
+              <a:buClrTx/>
+              <a:buSzTx/>
+              <a:buFontTx/>
+              <a:buNone/>
+              <a:tabLst/>
+              <a:defRPr/>
+            </a:pPr>
+            <a:endParaRPr kumimoji="0" lang="en-US" sz="1800" b="0" i="0" u="none" strike="noStrike" kern="1200" cap="none" spc="0" normalizeH="0" baseline="0" noProof="0">
+              <a:ln>
+                <a:noFill/>
+              </a:ln>
+              <a:solidFill>
+                <a:prstClr val="black"/>
+              </a:solidFill>
+              <a:effectLst/>
+              <a:uLnTx/>
+              <a:uFillTx/>
+              <a:latin typeface="Calibri" panose="020F0502020204030204"/>
+              <a:ea typeface="+mn-ea"/>
+              <a:cs typeface="+mn-cs"/>
+            </a:endParaRPr>
+          </a:p>
+        </p:txBody>
+      </p:sp>
+      <p:sp>
+        <p:nvSpPr>
+          <p:cNvPr id="9" name="Freeform: Shape 8">
+            <a:extLst>
+              <a:ext uri="{FF2B5EF4-FFF2-40B4-BE49-F238E27FC236}">
+                <a16:creationId xmlns:a16="http://schemas.microsoft.com/office/drawing/2014/main" id="{4F8FB775-26C4-41BA-837C-4478D48D2157}"/>
+              </a:ext>
+            </a:extLst>
+          </p:cNvPr>
+          <p:cNvSpPr/>
+          <p:nvPr/>
+        </p:nvSpPr>
+        <p:spPr>
+          <a:xfrm>
+            <a:off x="10494433" y="2"/>
+            <a:ext cx="849328" cy="357668"/>
+          </a:xfrm>
+          <a:custGeom>
+            <a:avLst/>
+            <a:gdLst>
+              <a:gd name="connsiteX0" fmla="*/ 0 w 1135066"/>
+              <a:gd name="connsiteY0" fmla="*/ 0 h 477997"/>
+              <a:gd name="connsiteX1" fmla="*/ 1135066 w 1135066"/>
+              <a:gd name="connsiteY1" fmla="*/ 0 h 477997"/>
+              <a:gd name="connsiteX2" fmla="*/ 1133370 w 1135066"/>
+              <a:gd name="connsiteY2" fmla="*/ 16827 h 477997"/>
+              <a:gd name="connsiteX3" fmla="*/ 567533 w 1135066"/>
+              <a:gd name="connsiteY3" fmla="*/ 477997 h 477997"/>
+              <a:gd name="connsiteX4" fmla="*/ 1696 w 1135066"/>
+              <a:gd name="connsiteY4" fmla="*/ 16827 h 477997"/>
+            </a:gdLst>
+            <a:ahLst/>
+            <a:cxnLst>
+              <a:cxn ang="0">
+                <a:pos x="connsiteX0" y="connsiteY0"/>
+              </a:cxn>
+              <a:cxn ang="0">
+                <a:pos x="connsiteX1" y="connsiteY1"/>
+              </a:cxn>
+              <a:cxn ang="0">
+                <a:pos x="connsiteX2" y="connsiteY2"/>
+              </a:cxn>
+              <a:cxn ang="0">
+                <a:pos x="connsiteX3" y="connsiteY3"/>
+              </a:cxn>
+              <a:cxn ang="0">
+                <a:pos x="connsiteX4" y="connsiteY4"/>
+              </a:cxn>
+            </a:cxnLst>
+            <a:rect l="l" t="t" r="r" b="b"/>
+            <a:pathLst>
+              <a:path w="1135066" h="477997">
+                <a:moveTo>
+                  <a:pt x="0" y="0"/>
+                </a:moveTo>
+                <a:lnTo>
+                  <a:pt x="1135066" y="0"/>
+                </a:lnTo>
+                <a:lnTo>
+                  <a:pt x="1133370" y="16827"/>
+                </a:lnTo>
+                <a:cubicBezTo>
+                  <a:pt x="1079514" y="280016"/>
+                  <a:pt x="846644" y="477997"/>
+                  <a:pt x="567533" y="477997"/>
+                </a:cubicBezTo>
+                <a:cubicBezTo>
+                  <a:pt x="288422" y="477997"/>
+                  <a:pt x="55552" y="280016"/>
+                  <a:pt x="1696" y="16827"/>
+                </a:cubicBezTo>
+                <a:close/>
+              </a:path>
+            </a:pathLst>
+          </a:custGeom>
+          <a:solidFill>
+            <a:schemeClr val="accent4"/>
+          </a:solidFill>
+          <a:ln>
+            <a:noFill/>
+          </a:ln>
+        </p:spPr>
+        <p:style>
+          <a:lnRef idx="2">
+            <a:schemeClr val="accent1">
+              <a:shade val="50000"/>
+            </a:schemeClr>
+          </a:lnRef>
+          <a:fillRef idx="1">
+            <a:schemeClr val="accent1"/>
+          </a:fillRef>
+          <a:effectRef idx="0">
+            <a:schemeClr val="accent1"/>
+          </a:effectRef>
+          <a:fontRef idx="minor">
+            <a:schemeClr val="lt1"/>
+          </a:fontRef>
+        </p:style>
+        <p:txBody>
+          <a:bodyPr wrap="square" rtlCol="0" anchor="ctr">
+            <a:noAutofit/>
+          </a:bodyPr>
+          <a:lstStyle/>
+          <a:p>
+            <a:pPr marL="0" marR="0" lvl="0" indent="0" algn="ctr" defTabSz="914400" rtl="0" eaLnBrk="1" fontAlgn="auto" latinLnBrk="0" hangingPunct="1">
+              <a:lnSpc>
+                <a:spcPct val="100000"/>
+              </a:lnSpc>
+              <a:spcBef>
+                <a:spcPts val="0"/>
+              </a:spcBef>
+              <a:spcAft>
+                <a:spcPts val="0"/>
+              </a:spcAft>
+              <a:buClrTx/>
+              <a:buSzTx/>
+              <a:buFontTx/>
+              <a:buNone/>
+              <a:tabLst/>
+              <a:defRPr/>
+            </a:pPr>
+            <a:endParaRPr kumimoji="0" lang="en-US" sz="1800" b="0" i="0" u="none" strike="noStrike" kern="1200" cap="none" spc="0" normalizeH="0" baseline="0" noProof="0">
+              <a:ln>
+                <a:noFill/>
+              </a:ln>
+              <a:solidFill>
+                <a:prstClr val="white"/>
+              </a:solidFill>
+              <a:effectLst/>
+              <a:uLnTx/>
+              <a:uFillTx/>
+              <a:latin typeface="Calibri" panose="020F0502020204030204"/>
+              <a:ea typeface="+mn-ea"/>
+              <a:cs typeface="+mn-cs"/>
+            </a:endParaRPr>
           </a:p>
         </p:txBody>
       </p:sp>
     </p:spTree>
     <p:extLst>
       <p:ext uri="{BB962C8B-B14F-4D97-AF65-F5344CB8AC3E}">
-        <p14:creationId xmlns:p14="http://schemas.microsoft.com/office/powerpoint/2010/main" val="1004037172"/>
+        <p14:creationId xmlns:p14="http://schemas.microsoft.com/office/powerpoint/2010/main" val="3714531833"/>
       </p:ext>
     </p:extLst>
   </p:cSld>
@@ -1505,7 +3282,7 @@
           <p:cNvPr id="2" name="Title 1">
             <a:extLst>
               <a:ext uri="{FF2B5EF4-FFF2-40B4-BE49-F238E27FC236}">
-                <a16:creationId xmlns:a16="http://schemas.microsoft.com/office/drawing/2014/main" id="{44600B5F-96C8-E14E-9056-62AABBE319C7}"/>
+                <a16:creationId xmlns:a16="http://schemas.microsoft.com/office/drawing/2014/main" id="{1092983E-E761-4429-9203-7FE8B2DB67E4}"/>
               </a:ext>
             </a:extLst>
           </p:cNvPr>
@@ -1527,10 +3304,9 @@
           <a:lstStyle/>
           <a:p>
             <a:r>
-              <a:rPr lang="en-GB"/>
+              <a:rPr lang="en-US"/>
               <a:t>Click to edit Master title style</a:t>
             </a:r>
-            <a:endParaRPr lang="en-DK"/>
           </a:p>
         </p:txBody>
       </p:sp>
@@ -1539,7 +3315,7 @@
           <p:cNvPr id="3" name="Text Placeholder 2">
             <a:extLst>
               <a:ext uri="{FF2B5EF4-FFF2-40B4-BE49-F238E27FC236}">
-                <a16:creationId xmlns:a16="http://schemas.microsoft.com/office/drawing/2014/main" id="{C54C03F3-24B4-DA41-B72A-A43FFFFA50C5}"/>
+                <a16:creationId xmlns:a16="http://schemas.microsoft.com/office/drawing/2014/main" id="{B921E9B7-62BE-49BA-AC6B-55250D66277F}"/>
               </a:ext>
             </a:extLst>
           </p:cNvPr>
@@ -1599,7 +3375,7 @@
           <a:p>
             <a:pPr lvl="0"/>
             <a:r>
-              <a:rPr lang="en-GB"/>
+              <a:rPr lang="en-US"/>
               <a:t>Click to edit Master text styles</a:t>
             </a:r>
           </a:p>
@@ -1610,7 +3386,7 @@
           <p:cNvPr id="4" name="Content Placeholder 3">
             <a:extLst>
               <a:ext uri="{FF2B5EF4-FFF2-40B4-BE49-F238E27FC236}">
-                <a16:creationId xmlns:a16="http://schemas.microsoft.com/office/drawing/2014/main" id="{B50C8D9F-DC1D-F645-82F3-CC3E48E2E224}"/>
+                <a16:creationId xmlns:a16="http://schemas.microsoft.com/office/drawing/2014/main" id="{BC41A3FD-B90A-4C31-BD6B-581F9E2E0E5E}"/>
               </a:ext>
             </a:extLst>
           </p:cNvPr>
@@ -1633,38 +3409,37 @@
           <a:p>
             <a:pPr lvl="0"/>
             <a:r>
-              <a:rPr lang="en-GB"/>
+              <a:rPr lang="en-US"/>
               <a:t>Click to edit Master text styles</a:t>
             </a:r>
           </a:p>
           <a:p>
             <a:pPr lvl="1"/>
             <a:r>
-              <a:rPr lang="en-GB"/>
+              <a:rPr lang="en-US"/>
               <a:t>Second level</a:t>
             </a:r>
           </a:p>
           <a:p>
             <a:pPr lvl="2"/>
             <a:r>
-              <a:rPr lang="en-GB"/>
+              <a:rPr lang="en-US"/>
               <a:t>Third level</a:t>
             </a:r>
           </a:p>
           <a:p>
             <a:pPr lvl="3"/>
             <a:r>
-              <a:rPr lang="en-GB"/>
+              <a:rPr lang="en-US"/>
               <a:t>Fourth level</a:t>
             </a:r>
           </a:p>
           <a:p>
             <a:pPr lvl="4"/>
             <a:r>
-              <a:rPr lang="en-GB"/>
+              <a:rPr lang="en-US"/>
               <a:t>Fifth level</a:t>
             </a:r>
-            <a:endParaRPr lang="en-DK"/>
           </a:p>
         </p:txBody>
       </p:sp>
@@ -1673,7 +3448,7 @@
           <p:cNvPr id="5" name="Text Placeholder 4">
             <a:extLst>
               <a:ext uri="{FF2B5EF4-FFF2-40B4-BE49-F238E27FC236}">
-                <a16:creationId xmlns:a16="http://schemas.microsoft.com/office/drawing/2014/main" id="{D6DB9E6A-F41C-6C4B-A319-1A706B109A6E}"/>
+                <a16:creationId xmlns:a16="http://schemas.microsoft.com/office/drawing/2014/main" id="{060D1D55-B722-4968-B171-AF3B462DDAD8}"/>
               </a:ext>
             </a:extLst>
           </p:cNvPr>
@@ -1733,7 +3508,7 @@
           <a:p>
             <a:pPr lvl="0"/>
             <a:r>
-              <a:rPr lang="en-GB"/>
+              <a:rPr lang="en-US"/>
               <a:t>Click to edit Master text styles</a:t>
             </a:r>
           </a:p>
@@ -1744,7 +3519,7 @@
           <p:cNvPr id="6" name="Content Placeholder 5">
             <a:extLst>
               <a:ext uri="{FF2B5EF4-FFF2-40B4-BE49-F238E27FC236}">
-                <a16:creationId xmlns:a16="http://schemas.microsoft.com/office/drawing/2014/main" id="{B91A0294-506D-9442-BB23-1760A1D2EDA1}"/>
+                <a16:creationId xmlns:a16="http://schemas.microsoft.com/office/drawing/2014/main" id="{D71085A8-02C2-4E7F-935E-5AEECBAD19BE}"/>
               </a:ext>
             </a:extLst>
           </p:cNvPr>
@@ -1767,38 +3542,37 @@
           <a:p>
             <a:pPr lvl="0"/>
             <a:r>
-              <a:rPr lang="en-GB"/>
+              <a:rPr lang="en-US"/>
               <a:t>Click to edit Master text styles</a:t>
             </a:r>
           </a:p>
           <a:p>
             <a:pPr lvl="1"/>
             <a:r>
-              <a:rPr lang="en-GB"/>
+              <a:rPr lang="en-US"/>
               <a:t>Second level</a:t>
             </a:r>
           </a:p>
           <a:p>
             <a:pPr lvl="2"/>
             <a:r>
-              <a:rPr lang="en-GB"/>
+              <a:rPr lang="en-US"/>
               <a:t>Third level</a:t>
             </a:r>
           </a:p>
           <a:p>
             <a:pPr lvl="3"/>
             <a:r>
-              <a:rPr lang="en-GB"/>
+              <a:rPr lang="en-US"/>
               <a:t>Fourth level</a:t>
             </a:r>
           </a:p>
           <a:p>
             <a:pPr lvl="4"/>
             <a:r>
-              <a:rPr lang="en-GB"/>
+              <a:rPr lang="en-US"/>
               <a:t>Fifth level</a:t>
             </a:r>
-            <a:endParaRPr lang="en-DK"/>
           </a:p>
         </p:txBody>
       </p:sp>
@@ -1807,7 +3581,7 @@
           <p:cNvPr id="7" name="Date Placeholder 6">
             <a:extLst>
               <a:ext uri="{FF2B5EF4-FFF2-40B4-BE49-F238E27FC236}">
-                <a16:creationId xmlns:a16="http://schemas.microsoft.com/office/drawing/2014/main" id="{5571F5E5-D538-F243-B50E-9D93B8DC43CC}"/>
+                <a16:creationId xmlns:a16="http://schemas.microsoft.com/office/drawing/2014/main" id="{9A8A5018-8A77-40E8-B159-4894ECF228B1}"/>
               </a:ext>
             </a:extLst>
           </p:cNvPr>
@@ -1823,11 +3597,11 @@
           <a:bodyPr/>
           <a:lstStyle/>
           <a:p>
-            <a:fld id="{B93BBDF7-E2CD-9D40-9DB1-F6604D6401F4}" type="datetimeFigureOut">
-              <a:rPr lang="en-DK" smtClean="0"/>
-              <a:t>31/05/2023</a:t>
+            <a:fld id="{82EDB8D0-98ED-4B86-9D5F-E61ADC70144D}" type="datetimeFigureOut">
+              <a:rPr lang="en-US" smtClean="0"/>
+              <a:t>5/31/23</a:t>
             </a:fld>
-            <a:endParaRPr lang="en-DK"/>
+            <a:endParaRPr lang="en-US"/>
           </a:p>
         </p:txBody>
       </p:sp>
@@ -1836,7 +3610,7 @@
           <p:cNvPr id="8" name="Footer Placeholder 7">
             <a:extLst>
               <a:ext uri="{FF2B5EF4-FFF2-40B4-BE49-F238E27FC236}">
-                <a16:creationId xmlns:a16="http://schemas.microsoft.com/office/drawing/2014/main" id="{CBB126EA-83AC-FD4E-A9E5-558447CD9EBD}"/>
+                <a16:creationId xmlns:a16="http://schemas.microsoft.com/office/drawing/2014/main" id="{8AD79441-8908-4461-9FDD-BCE638837098}"/>
               </a:ext>
             </a:extLst>
           </p:cNvPr>
@@ -1852,7 +3626,7 @@
           <a:bodyPr/>
           <a:lstStyle/>
           <a:p>
-            <a:endParaRPr lang="en-DK"/>
+            <a:endParaRPr lang="en-US"/>
           </a:p>
         </p:txBody>
       </p:sp>
@@ -1861,7 +3635,7 @@
           <p:cNvPr id="9" name="Slide Number Placeholder 8">
             <a:extLst>
               <a:ext uri="{FF2B5EF4-FFF2-40B4-BE49-F238E27FC236}">
-                <a16:creationId xmlns:a16="http://schemas.microsoft.com/office/drawing/2014/main" id="{9325925C-D007-7B46-8E57-7D74226D1D48}"/>
+                <a16:creationId xmlns:a16="http://schemas.microsoft.com/office/drawing/2014/main" id="{C8D29F7D-B101-4950-A2C0-F350FB26D45F}"/>
               </a:ext>
             </a:extLst>
           </p:cNvPr>
@@ -1877,18 +3651,302 @@
           <a:bodyPr/>
           <a:lstStyle/>
           <a:p>
-            <a:fld id="{8E92F8DD-7B9B-E949-A5F7-3866CD0D79B5}" type="slidenum">
-              <a:rPr lang="en-DK" smtClean="0"/>
+            <a:fld id="{4854181D-6920-4594-9A5D-6CE56DC9F8B2}" type="slidenum">
+              <a:rPr lang="en-US" smtClean="0"/>
               <a:t>‹#›</a:t>
             </a:fld>
-            <a:endParaRPr lang="en-DK"/>
+            <a:endParaRPr lang="en-US"/>
+          </a:p>
+        </p:txBody>
+      </p:sp>
+      <p:sp>
+        <p:nvSpPr>
+          <p:cNvPr id="10" name="Freeform: Shape 9">
+            <a:extLst>
+              <a:ext uri="{FF2B5EF4-FFF2-40B4-BE49-F238E27FC236}">
+                <a16:creationId xmlns:a16="http://schemas.microsoft.com/office/drawing/2014/main" id="{862D7398-9A79-4B24-9C7D-F0DEED57C70B}"/>
+              </a:ext>
+            </a:extLst>
+          </p:cNvPr>
+          <p:cNvSpPr/>
+          <p:nvPr/>
+        </p:nvSpPr>
+        <p:spPr>
+          <a:xfrm rot="16200000">
+            <a:off x="-388933" y="4841194"/>
+            <a:ext cx="1737401" cy="959536"/>
+          </a:xfrm>
+          <a:custGeom>
+            <a:avLst/>
+            <a:gdLst>
+              <a:gd name="connsiteX0" fmla="*/ 0 w 1737401"/>
+              <a:gd name="connsiteY0" fmla="*/ 0 h 959536"/>
+              <a:gd name="connsiteX1" fmla="*/ 123825 w 1737401"/>
+              <a:gd name="connsiteY1" fmla="*/ 0 h 959536"/>
+              <a:gd name="connsiteX2" fmla="*/ 123825 w 1737401"/>
+              <a:gd name="connsiteY2" fmla="*/ 790277 h 959536"/>
+              <a:gd name="connsiteX3" fmla="*/ 1490095 w 1737401"/>
+              <a:gd name="connsiteY3" fmla="*/ 0 h 959536"/>
+              <a:gd name="connsiteX4" fmla="*/ 1737401 w 1737401"/>
+              <a:gd name="connsiteY4" fmla="*/ 0 h 959536"/>
+              <a:gd name="connsiteX5" fmla="*/ 92869 w 1737401"/>
+              <a:gd name="connsiteY5" fmla="*/ 951249 h 959536"/>
+              <a:gd name="connsiteX6" fmla="*/ 61913 w 1737401"/>
+              <a:gd name="connsiteY6" fmla="*/ 959536 h 959536"/>
+              <a:gd name="connsiteX7" fmla="*/ 0 w 1737401"/>
+              <a:gd name="connsiteY7" fmla="*/ 897624 h 959536"/>
+            </a:gdLst>
+            <a:ahLst/>
+            <a:cxnLst>
+              <a:cxn ang="0">
+                <a:pos x="connsiteX0" y="connsiteY0"/>
+              </a:cxn>
+              <a:cxn ang="0">
+                <a:pos x="connsiteX1" y="connsiteY1"/>
+              </a:cxn>
+              <a:cxn ang="0">
+                <a:pos x="connsiteX2" y="connsiteY2"/>
+              </a:cxn>
+              <a:cxn ang="0">
+                <a:pos x="connsiteX3" y="connsiteY3"/>
+              </a:cxn>
+              <a:cxn ang="0">
+                <a:pos x="connsiteX4" y="connsiteY4"/>
+              </a:cxn>
+              <a:cxn ang="0">
+                <a:pos x="connsiteX5" y="connsiteY5"/>
+              </a:cxn>
+              <a:cxn ang="0">
+                <a:pos x="connsiteX6" y="connsiteY6"/>
+              </a:cxn>
+              <a:cxn ang="0">
+                <a:pos x="connsiteX7" y="connsiteY7"/>
+              </a:cxn>
+            </a:cxnLst>
+            <a:rect l="l" t="t" r="r" b="b"/>
+            <a:pathLst>
+              <a:path w="1737401" h="959536">
+                <a:moveTo>
+                  <a:pt x="0" y="0"/>
+                </a:moveTo>
+                <a:lnTo>
+                  <a:pt x="123825" y="0"/>
+                </a:lnTo>
+                <a:lnTo>
+                  <a:pt x="123825" y="790277"/>
+                </a:lnTo>
+                <a:lnTo>
+                  <a:pt x="1490095" y="0"/>
+                </a:lnTo>
+                <a:lnTo>
+                  <a:pt x="1737401" y="0"/>
+                </a:lnTo>
+                <a:lnTo>
+                  <a:pt x="92869" y="951249"/>
+                </a:lnTo>
+                <a:cubicBezTo>
+                  <a:pt x="83458" y="956688"/>
+                  <a:pt x="72780" y="959546"/>
+                  <a:pt x="61913" y="959536"/>
+                </a:cubicBezTo>
+                <a:cubicBezTo>
+                  <a:pt x="27719" y="959536"/>
+                  <a:pt x="0" y="931818"/>
+                  <a:pt x="0" y="897624"/>
+                </a:cubicBezTo>
+                <a:close/>
+              </a:path>
+            </a:pathLst>
+          </a:custGeom>
+          <a:solidFill>
+            <a:schemeClr val="accent6"/>
+          </a:solidFill>
+          <a:ln w="9525" cap="flat">
+            <a:noFill/>
+            <a:prstDash val="solid"/>
+            <a:miter/>
+          </a:ln>
+        </p:spPr>
+        <p:txBody>
+          <a:bodyPr rtlCol="0" anchor="ctr"/>
+          <a:lstStyle/>
+          <a:p>
+            <a:pPr marL="0" marR="0" lvl="0" indent="0" algn="l" defTabSz="914400" rtl="0" eaLnBrk="1" fontAlgn="auto" latinLnBrk="0" hangingPunct="1">
+              <a:lnSpc>
+                <a:spcPct val="100000"/>
+              </a:lnSpc>
+              <a:spcBef>
+                <a:spcPts val="0"/>
+              </a:spcBef>
+              <a:spcAft>
+                <a:spcPts val="0"/>
+              </a:spcAft>
+              <a:buClrTx/>
+              <a:buSzTx/>
+              <a:buFontTx/>
+              <a:buNone/>
+              <a:tabLst/>
+              <a:defRPr/>
+            </a:pPr>
+            <a:endParaRPr kumimoji="0" lang="en-US" sz="1800" b="0" i="0" u="none" strike="noStrike" kern="1200" cap="none" spc="0" normalizeH="0" baseline="0" noProof="0">
+              <a:ln>
+                <a:noFill/>
+              </a:ln>
+              <a:solidFill>
+                <a:prstClr val="black"/>
+              </a:solidFill>
+              <a:effectLst/>
+              <a:uLnTx/>
+              <a:uFillTx/>
+              <a:latin typeface="Calibri" panose="020F0502020204030204"/>
+              <a:ea typeface="+mn-ea"/>
+              <a:cs typeface="+mn-cs"/>
+            </a:endParaRPr>
+          </a:p>
+        </p:txBody>
+      </p:sp>
+      <p:sp>
+        <p:nvSpPr>
+          <p:cNvPr id="11" name="Freeform: Shape 10">
+            <a:extLst>
+              <a:ext uri="{FF2B5EF4-FFF2-40B4-BE49-F238E27FC236}">
+                <a16:creationId xmlns:a16="http://schemas.microsoft.com/office/drawing/2014/main" id="{C07F28CD-1873-4E36-A064-2D25E0A85017}"/>
+              </a:ext>
+            </a:extLst>
+          </p:cNvPr>
+          <p:cNvSpPr/>
+          <p:nvPr/>
+        </p:nvSpPr>
+        <p:spPr>
+          <a:xfrm>
+            <a:off x="10494433" y="2"/>
+            <a:ext cx="849328" cy="357668"/>
+          </a:xfrm>
+          <a:custGeom>
+            <a:avLst/>
+            <a:gdLst>
+              <a:gd name="connsiteX0" fmla="*/ 0 w 1135066"/>
+              <a:gd name="connsiteY0" fmla="*/ 0 h 477997"/>
+              <a:gd name="connsiteX1" fmla="*/ 1135066 w 1135066"/>
+              <a:gd name="connsiteY1" fmla="*/ 0 h 477997"/>
+              <a:gd name="connsiteX2" fmla="*/ 1133370 w 1135066"/>
+              <a:gd name="connsiteY2" fmla="*/ 16827 h 477997"/>
+              <a:gd name="connsiteX3" fmla="*/ 567533 w 1135066"/>
+              <a:gd name="connsiteY3" fmla="*/ 477997 h 477997"/>
+              <a:gd name="connsiteX4" fmla="*/ 1696 w 1135066"/>
+              <a:gd name="connsiteY4" fmla="*/ 16827 h 477997"/>
+            </a:gdLst>
+            <a:ahLst/>
+            <a:cxnLst>
+              <a:cxn ang="0">
+                <a:pos x="connsiteX0" y="connsiteY0"/>
+              </a:cxn>
+              <a:cxn ang="0">
+                <a:pos x="connsiteX1" y="connsiteY1"/>
+              </a:cxn>
+              <a:cxn ang="0">
+                <a:pos x="connsiteX2" y="connsiteY2"/>
+              </a:cxn>
+              <a:cxn ang="0">
+                <a:pos x="connsiteX3" y="connsiteY3"/>
+              </a:cxn>
+              <a:cxn ang="0">
+                <a:pos x="connsiteX4" y="connsiteY4"/>
+              </a:cxn>
+            </a:cxnLst>
+            <a:rect l="l" t="t" r="r" b="b"/>
+            <a:pathLst>
+              <a:path w="1135066" h="477997">
+                <a:moveTo>
+                  <a:pt x="0" y="0"/>
+                </a:moveTo>
+                <a:lnTo>
+                  <a:pt x="1135066" y="0"/>
+                </a:lnTo>
+                <a:lnTo>
+                  <a:pt x="1133370" y="16827"/>
+                </a:lnTo>
+                <a:cubicBezTo>
+                  <a:pt x="1079514" y="280016"/>
+                  <a:pt x="846644" y="477997"/>
+                  <a:pt x="567533" y="477997"/>
+                </a:cubicBezTo>
+                <a:cubicBezTo>
+                  <a:pt x="288422" y="477997"/>
+                  <a:pt x="55552" y="280016"/>
+                  <a:pt x="1696" y="16827"/>
+                </a:cubicBezTo>
+                <a:close/>
+              </a:path>
+            </a:pathLst>
+          </a:custGeom>
+          <a:solidFill>
+            <a:schemeClr val="accent4"/>
+          </a:solidFill>
+          <a:ln>
+            <a:noFill/>
+          </a:ln>
+        </p:spPr>
+        <p:style>
+          <a:lnRef idx="2">
+            <a:schemeClr val="accent1">
+              <a:shade val="50000"/>
+            </a:schemeClr>
+          </a:lnRef>
+          <a:fillRef idx="1">
+            <a:schemeClr val="accent1"/>
+          </a:fillRef>
+          <a:effectRef idx="0">
+            <a:schemeClr val="accent1"/>
+          </a:effectRef>
+          <a:fontRef idx="minor">
+            <a:schemeClr val="lt1"/>
+          </a:fontRef>
+        </p:style>
+        <p:txBody>
+          <a:bodyPr wrap="square" rtlCol="0" anchor="ctr">
+            <a:noAutofit/>
+          </a:bodyPr>
+          <a:lstStyle/>
+          <a:p>
+            <a:pPr marL="0" marR="0" lvl="0" indent="0" algn="ctr" defTabSz="914400" rtl="0" eaLnBrk="1" fontAlgn="auto" latinLnBrk="0" hangingPunct="1">
+              <a:lnSpc>
+                <a:spcPct val="100000"/>
+              </a:lnSpc>
+              <a:spcBef>
+                <a:spcPts val="0"/>
+              </a:spcBef>
+              <a:spcAft>
+                <a:spcPts val="0"/>
+              </a:spcAft>
+              <a:buClrTx/>
+              <a:buSzTx/>
+              <a:buFontTx/>
+              <a:buNone/>
+              <a:tabLst/>
+              <a:defRPr/>
+            </a:pPr>
+            <a:endParaRPr kumimoji="0" lang="en-US" sz="1800" b="0" i="0" u="none" strike="noStrike" kern="1200" cap="none" spc="0" normalizeH="0" baseline="0" noProof="0">
+              <a:ln>
+                <a:noFill/>
+              </a:ln>
+              <a:solidFill>
+                <a:prstClr val="white"/>
+              </a:solidFill>
+              <a:effectLst/>
+              <a:uLnTx/>
+              <a:uFillTx/>
+              <a:latin typeface="Calibri" panose="020F0502020204030204"/>
+              <a:ea typeface="+mn-ea"/>
+              <a:cs typeface="+mn-cs"/>
+            </a:endParaRPr>
           </a:p>
         </p:txBody>
       </p:sp>
     </p:spTree>
     <p:extLst>
       <p:ext uri="{BB962C8B-B14F-4D97-AF65-F5344CB8AC3E}">
-        <p14:creationId xmlns:p14="http://schemas.microsoft.com/office/powerpoint/2010/main" val="1882321356"/>
+        <p14:creationId xmlns:p14="http://schemas.microsoft.com/office/powerpoint/2010/main" val="4231703217"/>
       </p:ext>
     </p:extLst>
   </p:cSld>
@@ -1920,7 +3978,7 @@
           <p:cNvPr id="2" name="Title 1">
             <a:extLst>
               <a:ext uri="{FF2B5EF4-FFF2-40B4-BE49-F238E27FC236}">
-                <a16:creationId xmlns:a16="http://schemas.microsoft.com/office/drawing/2014/main" id="{03F20C56-7CE9-F144-95C8-FB64C21780B8}"/>
+                <a16:creationId xmlns:a16="http://schemas.microsoft.com/office/drawing/2014/main" id="{E0E11BF3-02E8-4EB7-818E-652B82CF2C9D}"/>
               </a:ext>
             </a:extLst>
           </p:cNvPr>
@@ -1937,10 +3995,9 @@
           <a:lstStyle/>
           <a:p>
             <a:r>
-              <a:rPr lang="en-GB"/>
+              <a:rPr lang="en-US"/>
               <a:t>Click to edit Master title style</a:t>
             </a:r>
-            <a:endParaRPr lang="en-DK"/>
           </a:p>
         </p:txBody>
       </p:sp>
@@ -1949,7 +4006,7 @@
           <p:cNvPr id="3" name="Date Placeholder 2">
             <a:extLst>
               <a:ext uri="{FF2B5EF4-FFF2-40B4-BE49-F238E27FC236}">
-                <a16:creationId xmlns:a16="http://schemas.microsoft.com/office/drawing/2014/main" id="{DB4B7BCA-7A43-1342-81BE-3F48C5AAFD35}"/>
+                <a16:creationId xmlns:a16="http://schemas.microsoft.com/office/drawing/2014/main" id="{254D3190-B78C-42F1-9D62-F523886BBE51}"/>
               </a:ext>
             </a:extLst>
           </p:cNvPr>
@@ -1965,11 +4022,11 @@
           <a:bodyPr/>
           <a:lstStyle/>
           <a:p>
-            <a:fld id="{B93BBDF7-E2CD-9D40-9DB1-F6604D6401F4}" type="datetimeFigureOut">
-              <a:rPr lang="en-DK" smtClean="0"/>
-              <a:t>31/05/2023</a:t>
+            <a:fld id="{82EDB8D0-98ED-4B86-9D5F-E61ADC70144D}" type="datetimeFigureOut">
+              <a:rPr lang="en-US" smtClean="0"/>
+              <a:t>5/31/23</a:t>
             </a:fld>
-            <a:endParaRPr lang="en-DK"/>
+            <a:endParaRPr lang="en-US"/>
           </a:p>
         </p:txBody>
       </p:sp>
@@ -1978,7 +4035,7 @@
           <p:cNvPr id="4" name="Footer Placeholder 3">
             <a:extLst>
               <a:ext uri="{FF2B5EF4-FFF2-40B4-BE49-F238E27FC236}">
-                <a16:creationId xmlns:a16="http://schemas.microsoft.com/office/drawing/2014/main" id="{2551C71D-7D8E-ED49-ADAF-41EC6BC1446D}"/>
+                <a16:creationId xmlns:a16="http://schemas.microsoft.com/office/drawing/2014/main" id="{EA381C40-F9FC-4D58-8508-F0632DF5A018}"/>
               </a:ext>
             </a:extLst>
           </p:cNvPr>
@@ -1994,7 +4051,7 @@
           <a:bodyPr/>
           <a:lstStyle/>
           <a:p>
-            <a:endParaRPr lang="en-DK"/>
+            <a:endParaRPr lang="en-US"/>
           </a:p>
         </p:txBody>
       </p:sp>
@@ -2003,7 +4060,7 @@
           <p:cNvPr id="5" name="Slide Number Placeholder 4">
             <a:extLst>
               <a:ext uri="{FF2B5EF4-FFF2-40B4-BE49-F238E27FC236}">
-                <a16:creationId xmlns:a16="http://schemas.microsoft.com/office/drawing/2014/main" id="{E7974454-953C-A043-8F26-3448A3207F0B}"/>
+                <a16:creationId xmlns:a16="http://schemas.microsoft.com/office/drawing/2014/main" id="{2101CBCC-4CC2-49BD-B155-01E0F4D798BE}"/>
               </a:ext>
             </a:extLst>
           </p:cNvPr>
@@ -2019,18 +4076,302 @@
           <a:bodyPr/>
           <a:lstStyle/>
           <a:p>
-            <a:fld id="{8E92F8DD-7B9B-E949-A5F7-3866CD0D79B5}" type="slidenum">
-              <a:rPr lang="en-DK" smtClean="0"/>
+            <a:fld id="{4854181D-6920-4594-9A5D-6CE56DC9F8B2}" type="slidenum">
+              <a:rPr lang="en-US" smtClean="0"/>
               <a:t>‹#›</a:t>
             </a:fld>
-            <a:endParaRPr lang="en-DK"/>
+            <a:endParaRPr lang="en-US"/>
+          </a:p>
+        </p:txBody>
+      </p:sp>
+      <p:sp>
+        <p:nvSpPr>
+          <p:cNvPr id="6" name="Freeform: Shape 5">
+            <a:extLst>
+              <a:ext uri="{FF2B5EF4-FFF2-40B4-BE49-F238E27FC236}">
+                <a16:creationId xmlns:a16="http://schemas.microsoft.com/office/drawing/2014/main" id="{DC13EF9C-0B5A-4364-91AA-E5DD5B536E54}"/>
+              </a:ext>
+            </a:extLst>
+          </p:cNvPr>
+          <p:cNvSpPr/>
+          <p:nvPr/>
+        </p:nvSpPr>
+        <p:spPr>
+          <a:xfrm rot="16200000">
+            <a:off x="-388933" y="4841194"/>
+            <a:ext cx="1737401" cy="959536"/>
+          </a:xfrm>
+          <a:custGeom>
+            <a:avLst/>
+            <a:gdLst>
+              <a:gd name="connsiteX0" fmla="*/ 0 w 1737401"/>
+              <a:gd name="connsiteY0" fmla="*/ 0 h 959536"/>
+              <a:gd name="connsiteX1" fmla="*/ 123825 w 1737401"/>
+              <a:gd name="connsiteY1" fmla="*/ 0 h 959536"/>
+              <a:gd name="connsiteX2" fmla="*/ 123825 w 1737401"/>
+              <a:gd name="connsiteY2" fmla="*/ 790277 h 959536"/>
+              <a:gd name="connsiteX3" fmla="*/ 1490095 w 1737401"/>
+              <a:gd name="connsiteY3" fmla="*/ 0 h 959536"/>
+              <a:gd name="connsiteX4" fmla="*/ 1737401 w 1737401"/>
+              <a:gd name="connsiteY4" fmla="*/ 0 h 959536"/>
+              <a:gd name="connsiteX5" fmla="*/ 92869 w 1737401"/>
+              <a:gd name="connsiteY5" fmla="*/ 951249 h 959536"/>
+              <a:gd name="connsiteX6" fmla="*/ 61913 w 1737401"/>
+              <a:gd name="connsiteY6" fmla="*/ 959536 h 959536"/>
+              <a:gd name="connsiteX7" fmla="*/ 0 w 1737401"/>
+              <a:gd name="connsiteY7" fmla="*/ 897624 h 959536"/>
+            </a:gdLst>
+            <a:ahLst/>
+            <a:cxnLst>
+              <a:cxn ang="0">
+                <a:pos x="connsiteX0" y="connsiteY0"/>
+              </a:cxn>
+              <a:cxn ang="0">
+                <a:pos x="connsiteX1" y="connsiteY1"/>
+              </a:cxn>
+              <a:cxn ang="0">
+                <a:pos x="connsiteX2" y="connsiteY2"/>
+              </a:cxn>
+              <a:cxn ang="0">
+                <a:pos x="connsiteX3" y="connsiteY3"/>
+              </a:cxn>
+              <a:cxn ang="0">
+                <a:pos x="connsiteX4" y="connsiteY4"/>
+              </a:cxn>
+              <a:cxn ang="0">
+                <a:pos x="connsiteX5" y="connsiteY5"/>
+              </a:cxn>
+              <a:cxn ang="0">
+                <a:pos x="connsiteX6" y="connsiteY6"/>
+              </a:cxn>
+              <a:cxn ang="0">
+                <a:pos x="connsiteX7" y="connsiteY7"/>
+              </a:cxn>
+            </a:cxnLst>
+            <a:rect l="l" t="t" r="r" b="b"/>
+            <a:pathLst>
+              <a:path w="1737401" h="959536">
+                <a:moveTo>
+                  <a:pt x="0" y="0"/>
+                </a:moveTo>
+                <a:lnTo>
+                  <a:pt x="123825" y="0"/>
+                </a:lnTo>
+                <a:lnTo>
+                  <a:pt x="123825" y="790277"/>
+                </a:lnTo>
+                <a:lnTo>
+                  <a:pt x="1490095" y="0"/>
+                </a:lnTo>
+                <a:lnTo>
+                  <a:pt x="1737401" y="0"/>
+                </a:lnTo>
+                <a:lnTo>
+                  <a:pt x="92869" y="951249"/>
+                </a:lnTo>
+                <a:cubicBezTo>
+                  <a:pt x="83458" y="956688"/>
+                  <a:pt x="72780" y="959546"/>
+                  <a:pt x="61913" y="959536"/>
+                </a:cubicBezTo>
+                <a:cubicBezTo>
+                  <a:pt x="27719" y="959536"/>
+                  <a:pt x="0" y="931818"/>
+                  <a:pt x="0" y="897624"/>
+                </a:cubicBezTo>
+                <a:close/>
+              </a:path>
+            </a:pathLst>
+          </a:custGeom>
+          <a:solidFill>
+            <a:schemeClr val="accent6"/>
+          </a:solidFill>
+          <a:ln w="9525" cap="flat">
+            <a:noFill/>
+            <a:prstDash val="solid"/>
+            <a:miter/>
+          </a:ln>
+        </p:spPr>
+        <p:txBody>
+          <a:bodyPr rtlCol="0" anchor="ctr"/>
+          <a:lstStyle/>
+          <a:p>
+            <a:pPr marL="0" marR="0" lvl="0" indent="0" algn="l" defTabSz="914400" rtl="0" eaLnBrk="1" fontAlgn="auto" latinLnBrk="0" hangingPunct="1">
+              <a:lnSpc>
+                <a:spcPct val="100000"/>
+              </a:lnSpc>
+              <a:spcBef>
+                <a:spcPts val="0"/>
+              </a:spcBef>
+              <a:spcAft>
+                <a:spcPts val="0"/>
+              </a:spcAft>
+              <a:buClrTx/>
+              <a:buSzTx/>
+              <a:buFontTx/>
+              <a:buNone/>
+              <a:tabLst/>
+              <a:defRPr/>
+            </a:pPr>
+            <a:endParaRPr kumimoji="0" lang="en-US" sz="1800" b="0" i="0" u="none" strike="noStrike" kern="1200" cap="none" spc="0" normalizeH="0" baseline="0" noProof="0">
+              <a:ln>
+                <a:noFill/>
+              </a:ln>
+              <a:solidFill>
+                <a:prstClr val="black"/>
+              </a:solidFill>
+              <a:effectLst/>
+              <a:uLnTx/>
+              <a:uFillTx/>
+              <a:latin typeface="Calibri" panose="020F0502020204030204"/>
+              <a:ea typeface="+mn-ea"/>
+              <a:cs typeface="+mn-cs"/>
+            </a:endParaRPr>
+          </a:p>
+        </p:txBody>
+      </p:sp>
+      <p:sp>
+        <p:nvSpPr>
+          <p:cNvPr id="7" name="Freeform: Shape 6">
+            <a:extLst>
+              <a:ext uri="{FF2B5EF4-FFF2-40B4-BE49-F238E27FC236}">
+                <a16:creationId xmlns:a16="http://schemas.microsoft.com/office/drawing/2014/main" id="{8F674475-6327-490A-BD7F-084F5C07F2E4}"/>
+              </a:ext>
+            </a:extLst>
+          </p:cNvPr>
+          <p:cNvSpPr/>
+          <p:nvPr/>
+        </p:nvSpPr>
+        <p:spPr>
+          <a:xfrm>
+            <a:off x="10494433" y="2"/>
+            <a:ext cx="849328" cy="357668"/>
+          </a:xfrm>
+          <a:custGeom>
+            <a:avLst/>
+            <a:gdLst>
+              <a:gd name="connsiteX0" fmla="*/ 0 w 1135066"/>
+              <a:gd name="connsiteY0" fmla="*/ 0 h 477997"/>
+              <a:gd name="connsiteX1" fmla="*/ 1135066 w 1135066"/>
+              <a:gd name="connsiteY1" fmla="*/ 0 h 477997"/>
+              <a:gd name="connsiteX2" fmla="*/ 1133370 w 1135066"/>
+              <a:gd name="connsiteY2" fmla="*/ 16827 h 477997"/>
+              <a:gd name="connsiteX3" fmla="*/ 567533 w 1135066"/>
+              <a:gd name="connsiteY3" fmla="*/ 477997 h 477997"/>
+              <a:gd name="connsiteX4" fmla="*/ 1696 w 1135066"/>
+              <a:gd name="connsiteY4" fmla="*/ 16827 h 477997"/>
+            </a:gdLst>
+            <a:ahLst/>
+            <a:cxnLst>
+              <a:cxn ang="0">
+                <a:pos x="connsiteX0" y="connsiteY0"/>
+              </a:cxn>
+              <a:cxn ang="0">
+                <a:pos x="connsiteX1" y="connsiteY1"/>
+              </a:cxn>
+              <a:cxn ang="0">
+                <a:pos x="connsiteX2" y="connsiteY2"/>
+              </a:cxn>
+              <a:cxn ang="0">
+                <a:pos x="connsiteX3" y="connsiteY3"/>
+              </a:cxn>
+              <a:cxn ang="0">
+                <a:pos x="connsiteX4" y="connsiteY4"/>
+              </a:cxn>
+            </a:cxnLst>
+            <a:rect l="l" t="t" r="r" b="b"/>
+            <a:pathLst>
+              <a:path w="1135066" h="477997">
+                <a:moveTo>
+                  <a:pt x="0" y="0"/>
+                </a:moveTo>
+                <a:lnTo>
+                  <a:pt x="1135066" y="0"/>
+                </a:lnTo>
+                <a:lnTo>
+                  <a:pt x="1133370" y="16827"/>
+                </a:lnTo>
+                <a:cubicBezTo>
+                  <a:pt x="1079514" y="280016"/>
+                  <a:pt x="846644" y="477997"/>
+                  <a:pt x="567533" y="477997"/>
+                </a:cubicBezTo>
+                <a:cubicBezTo>
+                  <a:pt x="288422" y="477997"/>
+                  <a:pt x="55552" y="280016"/>
+                  <a:pt x="1696" y="16827"/>
+                </a:cubicBezTo>
+                <a:close/>
+              </a:path>
+            </a:pathLst>
+          </a:custGeom>
+          <a:solidFill>
+            <a:schemeClr val="accent4"/>
+          </a:solidFill>
+          <a:ln>
+            <a:noFill/>
+          </a:ln>
+        </p:spPr>
+        <p:style>
+          <a:lnRef idx="2">
+            <a:schemeClr val="accent1">
+              <a:shade val="50000"/>
+            </a:schemeClr>
+          </a:lnRef>
+          <a:fillRef idx="1">
+            <a:schemeClr val="accent1"/>
+          </a:fillRef>
+          <a:effectRef idx="0">
+            <a:schemeClr val="accent1"/>
+          </a:effectRef>
+          <a:fontRef idx="minor">
+            <a:schemeClr val="lt1"/>
+          </a:fontRef>
+        </p:style>
+        <p:txBody>
+          <a:bodyPr wrap="square" rtlCol="0" anchor="ctr">
+            <a:noAutofit/>
+          </a:bodyPr>
+          <a:lstStyle/>
+          <a:p>
+            <a:pPr marL="0" marR="0" lvl="0" indent="0" algn="ctr" defTabSz="914400" rtl="0" eaLnBrk="1" fontAlgn="auto" latinLnBrk="0" hangingPunct="1">
+              <a:lnSpc>
+                <a:spcPct val="100000"/>
+              </a:lnSpc>
+              <a:spcBef>
+                <a:spcPts val="0"/>
+              </a:spcBef>
+              <a:spcAft>
+                <a:spcPts val="0"/>
+              </a:spcAft>
+              <a:buClrTx/>
+              <a:buSzTx/>
+              <a:buFontTx/>
+              <a:buNone/>
+              <a:tabLst/>
+              <a:defRPr/>
+            </a:pPr>
+            <a:endParaRPr kumimoji="0" lang="en-US" sz="1800" b="0" i="0" u="none" strike="noStrike" kern="1200" cap="none" spc="0" normalizeH="0" baseline="0" noProof="0">
+              <a:ln>
+                <a:noFill/>
+              </a:ln>
+              <a:solidFill>
+                <a:prstClr val="white"/>
+              </a:solidFill>
+              <a:effectLst/>
+              <a:uLnTx/>
+              <a:uFillTx/>
+              <a:latin typeface="Calibri" panose="020F0502020204030204"/>
+              <a:ea typeface="+mn-ea"/>
+              <a:cs typeface="+mn-cs"/>
+            </a:endParaRPr>
           </a:p>
         </p:txBody>
       </p:sp>
     </p:spTree>
     <p:extLst>
       <p:ext uri="{BB962C8B-B14F-4D97-AF65-F5344CB8AC3E}">
-        <p14:creationId xmlns:p14="http://schemas.microsoft.com/office/powerpoint/2010/main" val="3090995219"/>
+        <p14:creationId xmlns:p14="http://schemas.microsoft.com/office/powerpoint/2010/main" val="350056535"/>
       </p:ext>
     </p:extLst>
   </p:cSld>
@@ -2062,7 +4403,7 @@
           <p:cNvPr id="2" name="Date Placeholder 1">
             <a:extLst>
               <a:ext uri="{FF2B5EF4-FFF2-40B4-BE49-F238E27FC236}">
-                <a16:creationId xmlns:a16="http://schemas.microsoft.com/office/drawing/2014/main" id="{FB372BCA-32AB-6349-BEB0-C96B85183020}"/>
+                <a16:creationId xmlns:a16="http://schemas.microsoft.com/office/drawing/2014/main" id="{F7024287-C9B9-48AC-8E4D-A282DE2F44F5}"/>
               </a:ext>
             </a:extLst>
           </p:cNvPr>
@@ -2078,11 +4419,11 @@
           <a:bodyPr/>
           <a:lstStyle/>
           <a:p>
-            <a:fld id="{B93BBDF7-E2CD-9D40-9DB1-F6604D6401F4}" type="datetimeFigureOut">
-              <a:rPr lang="en-DK" smtClean="0"/>
-              <a:t>31/05/2023</a:t>
+            <a:fld id="{82EDB8D0-98ED-4B86-9D5F-E61ADC70144D}" type="datetimeFigureOut">
+              <a:rPr lang="en-US" smtClean="0"/>
+              <a:t>5/31/23</a:t>
             </a:fld>
-            <a:endParaRPr lang="en-DK"/>
+            <a:endParaRPr lang="en-US"/>
           </a:p>
         </p:txBody>
       </p:sp>
@@ -2091,7 +4432,7 @@
           <p:cNvPr id="3" name="Footer Placeholder 2">
             <a:extLst>
               <a:ext uri="{FF2B5EF4-FFF2-40B4-BE49-F238E27FC236}">
-                <a16:creationId xmlns:a16="http://schemas.microsoft.com/office/drawing/2014/main" id="{FAFDA29E-EB36-F74E-9725-547D10B60C2D}"/>
+                <a16:creationId xmlns:a16="http://schemas.microsoft.com/office/drawing/2014/main" id="{2D34C9A2-75A7-4164-B3B8-E6A9D60BA0B6}"/>
               </a:ext>
             </a:extLst>
           </p:cNvPr>
@@ -2107,7 +4448,7 @@
           <a:bodyPr/>
           <a:lstStyle/>
           <a:p>
-            <a:endParaRPr lang="en-DK"/>
+            <a:endParaRPr lang="en-US"/>
           </a:p>
         </p:txBody>
       </p:sp>
@@ -2116,7 +4457,7 @@
           <p:cNvPr id="4" name="Slide Number Placeholder 3">
             <a:extLst>
               <a:ext uri="{FF2B5EF4-FFF2-40B4-BE49-F238E27FC236}">
-                <a16:creationId xmlns:a16="http://schemas.microsoft.com/office/drawing/2014/main" id="{F8A9E1F0-9BBA-5C4C-B2EF-0DC9C0C4BD41}"/>
+                <a16:creationId xmlns:a16="http://schemas.microsoft.com/office/drawing/2014/main" id="{ECBE73CE-2859-4D49-A9EC-26AF3FBDF6A3}"/>
               </a:ext>
             </a:extLst>
           </p:cNvPr>
@@ -2132,18 +4473,302 @@
           <a:bodyPr/>
           <a:lstStyle/>
           <a:p>
-            <a:fld id="{8E92F8DD-7B9B-E949-A5F7-3866CD0D79B5}" type="slidenum">
-              <a:rPr lang="en-DK" smtClean="0"/>
+            <a:fld id="{4854181D-6920-4594-9A5D-6CE56DC9F8B2}" type="slidenum">
+              <a:rPr lang="en-US" smtClean="0"/>
               <a:t>‹#›</a:t>
             </a:fld>
-            <a:endParaRPr lang="en-DK"/>
+            <a:endParaRPr lang="en-US"/>
+          </a:p>
+        </p:txBody>
+      </p:sp>
+      <p:sp>
+        <p:nvSpPr>
+          <p:cNvPr id="5" name="Freeform: Shape 4">
+            <a:extLst>
+              <a:ext uri="{FF2B5EF4-FFF2-40B4-BE49-F238E27FC236}">
+                <a16:creationId xmlns:a16="http://schemas.microsoft.com/office/drawing/2014/main" id="{AA5ED585-FEBB-4DAD-84C0-97BEE6C360C3}"/>
+              </a:ext>
+            </a:extLst>
+          </p:cNvPr>
+          <p:cNvSpPr/>
+          <p:nvPr/>
+        </p:nvSpPr>
+        <p:spPr>
+          <a:xfrm rot="16200000">
+            <a:off x="-388933" y="4841194"/>
+            <a:ext cx="1737401" cy="959536"/>
+          </a:xfrm>
+          <a:custGeom>
+            <a:avLst/>
+            <a:gdLst>
+              <a:gd name="connsiteX0" fmla="*/ 0 w 1737401"/>
+              <a:gd name="connsiteY0" fmla="*/ 0 h 959536"/>
+              <a:gd name="connsiteX1" fmla="*/ 123825 w 1737401"/>
+              <a:gd name="connsiteY1" fmla="*/ 0 h 959536"/>
+              <a:gd name="connsiteX2" fmla="*/ 123825 w 1737401"/>
+              <a:gd name="connsiteY2" fmla="*/ 790277 h 959536"/>
+              <a:gd name="connsiteX3" fmla="*/ 1490095 w 1737401"/>
+              <a:gd name="connsiteY3" fmla="*/ 0 h 959536"/>
+              <a:gd name="connsiteX4" fmla="*/ 1737401 w 1737401"/>
+              <a:gd name="connsiteY4" fmla="*/ 0 h 959536"/>
+              <a:gd name="connsiteX5" fmla="*/ 92869 w 1737401"/>
+              <a:gd name="connsiteY5" fmla="*/ 951249 h 959536"/>
+              <a:gd name="connsiteX6" fmla="*/ 61913 w 1737401"/>
+              <a:gd name="connsiteY6" fmla="*/ 959536 h 959536"/>
+              <a:gd name="connsiteX7" fmla="*/ 0 w 1737401"/>
+              <a:gd name="connsiteY7" fmla="*/ 897624 h 959536"/>
+            </a:gdLst>
+            <a:ahLst/>
+            <a:cxnLst>
+              <a:cxn ang="0">
+                <a:pos x="connsiteX0" y="connsiteY0"/>
+              </a:cxn>
+              <a:cxn ang="0">
+                <a:pos x="connsiteX1" y="connsiteY1"/>
+              </a:cxn>
+              <a:cxn ang="0">
+                <a:pos x="connsiteX2" y="connsiteY2"/>
+              </a:cxn>
+              <a:cxn ang="0">
+                <a:pos x="connsiteX3" y="connsiteY3"/>
+              </a:cxn>
+              <a:cxn ang="0">
+                <a:pos x="connsiteX4" y="connsiteY4"/>
+              </a:cxn>
+              <a:cxn ang="0">
+                <a:pos x="connsiteX5" y="connsiteY5"/>
+              </a:cxn>
+              <a:cxn ang="0">
+                <a:pos x="connsiteX6" y="connsiteY6"/>
+              </a:cxn>
+              <a:cxn ang="0">
+                <a:pos x="connsiteX7" y="connsiteY7"/>
+              </a:cxn>
+            </a:cxnLst>
+            <a:rect l="l" t="t" r="r" b="b"/>
+            <a:pathLst>
+              <a:path w="1737401" h="959536">
+                <a:moveTo>
+                  <a:pt x="0" y="0"/>
+                </a:moveTo>
+                <a:lnTo>
+                  <a:pt x="123825" y="0"/>
+                </a:lnTo>
+                <a:lnTo>
+                  <a:pt x="123825" y="790277"/>
+                </a:lnTo>
+                <a:lnTo>
+                  <a:pt x="1490095" y="0"/>
+                </a:lnTo>
+                <a:lnTo>
+                  <a:pt x="1737401" y="0"/>
+                </a:lnTo>
+                <a:lnTo>
+                  <a:pt x="92869" y="951249"/>
+                </a:lnTo>
+                <a:cubicBezTo>
+                  <a:pt x="83458" y="956688"/>
+                  <a:pt x="72780" y="959546"/>
+                  <a:pt x="61913" y="959536"/>
+                </a:cubicBezTo>
+                <a:cubicBezTo>
+                  <a:pt x="27719" y="959536"/>
+                  <a:pt x="0" y="931818"/>
+                  <a:pt x="0" y="897624"/>
+                </a:cubicBezTo>
+                <a:close/>
+              </a:path>
+            </a:pathLst>
+          </a:custGeom>
+          <a:solidFill>
+            <a:schemeClr val="accent6"/>
+          </a:solidFill>
+          <a:ln w="9525" cap="flat">
+            <a:noFill/>
+            <a:prstDash val="solid"/>
+            <a:miter/>
+          </a:ln>
+        </p:spPr>
+        <p:txBody>
+          <a:bodyPr rtlCol="0" anchor="ctr"/>
+          <a:lstStyle/>
+          <a:p>
+            <a:pPr marL="0" marR="0" lvl="0" indent="0" algn="l" defTabSz="914400" rtl="0" eaLnBrk="1" fontAlgn="auto" latinLnBrk="0" hangingPunct="1">
+              <a:lnSpc>
+                <a:spcPct val="100000"/>
+              </a:lnSpc>
+              <a:spcBef>
+                <a:spcPts val="0"/>
+              </a:spcBef>
+              <a:spcAft>
+                <a:spcPts val="0"/>
+              </a:spcAft>
+              <a:buClrTx/>
+              <a:buSzTx/>
+              <a:buFontTx/>
+              <a:buNone/>
+              <a:tabLst/>
+              <a:defRPr/>
+            </a:pPr>
+            <a:endParaRPr kumimoji="0" lang="en-US" sz="1800" b="0" i="0" u="none" strike="noStrike" kern="1200" cap="none" spc="0" normalizeH="0" baseline="0" noProof="0">
+              <a:ln>
+                <a:noFill/>
+              </a:ln>
+              <a:solidFill>
+                <a:prstClr val="black"/>
+              </a:solidFill>
+              <a:effectLst/>
+              <a:uLnTx/>
+              <a:uFillTx/>
+              <a:latin typeface="Calibri" panose="020F0502020204030204"/>
+              <a:ea typeface="+mn-ea"/>
+              <a:cs typeface="+mn-cs"/>
+            </a:endParaRPr>
+          </a:p>
+        </p:txBody>
+      </p:sp>
+      <p:sp>
+        <p:nvSpPr>
+          <p:cNvPr id="6" name="Freeform: Shape 5">
+            <a:extLst>
+              <a:ext uri="{FF2B5EF4-FFF2-40B4-BE49-F238E27FC236}">
+                <a16:creationId xmlns:a16="http://schemas.microsoft.com/office/drawing/2014/main" id="{EF6AC352-A720-4DB3-87CA-A33B0607CA2F}"/>
+              </a:ext>
+            </a:extLst>
+          </p:cNvPr>
+          <p:cNvSpPr/>
+          <p:nvPr/>
+        </p:nvSpPr>
+        <p:spPr>
+          <a:xfrm>
+            <a:off x="10494433" y="2"/>
+            <a:ext cx="849328" cy="357668"/>
+          </a:xfrm>
+          <a:custGeom>
+            <a:avLst/>
+            <a:gdLst>
+              <a:gd name="connsiteX0" fmla="*/ 0 w 1135066"/>
+              <a:gd name="connsiteY0" fmla="*/ 0 h 477997"/>
+              <a:gd name="connsiteX1" fmla="*/ 1135066 w 1135066"/>
+              <a:gd name="connsiteY1" fmla="*/ 0 h 477997"/>
+              <a:gd name="connsiteX2" fmla="*/ 1133370 w 1135066"/>
+              <a:gd name="connsiteY2" fmla="*/ 16827 h 477997"/>
+              <a:gd name="connsiteX3" fmla="*/ 567533 w 1135066"/>
+              <a:gd name="connsiteY3" fmla="*/ 477997 h 477997"/>
+              <a:gd name="connsiteX4" fmla="*/ 1696 w 1135066"/>
+              <a:gd name="connsiteY4" fmla="*/ 16827 h 477997"/>
+            </a:gdLst>
+            <a:ahLst/>
+            <a:cxnLst>
+              <a:cxn ang="0">
+                <a:pos x="connsiteX0" y="connsiteY0"/>
+              </a:cxn>
+              <a:cxn ang="0">
+                <a:pos x="connsiteX1" y="connsiteY1"/>
+              </a:cxn>
+              <a:cxn ang="0">
+                <a:pos x="connsiteX2" y="connsiteY2"/>
+              </a:cxn>
+              <a:cxn ang="0">
+                <a:pos x="connsiteX3" y="connsiteY3"/>
+              </a:cxn>
+              <a:cxn ang="0">
+                <a:pos x="connsiteX4" y="connsiteY4"/>
+              </a:cxn>
+            </a:cxnLst>
+            <a:rect l="l" t="t" r="r" b="b"/>
+            <a:pathLst>
+              <a:path w="1135066" h="477997">
+                <a:moveTo>
+                  <a:pt x="0" y="0"/>
+                </a:moveTo>
+                <a:lnTo>
+                  <a:pt x="1135066" y="0"/>
+                </a:lnTo>
+                <a:lnTo>
+                  <a:pt x="1133370" y="16827"/>
+                </a:lnTo>
+                <a:cubicBezTo>
+                  <a:pt x="1079514" y="280016"/>
+                  <a:pt x="846644" y="477997"/>
+                  <a:pt x="567533" y="477997"/>
+                </a:cubicBezTo>
+                <a:cubicBezTo>
+                  <a:pt x="288422" y="477997"/>
+                  <a:pt x="55552" y="280016"/>
+                  <a:pt x="1696" y="16827"/>
+                </a:cubicBezTo>
+                <a:close/>
+              </a:path>
+            </a:pathLst>
+          </a:custGeom>
+          <a:solidFill>
+            <a:schemeClr val="accent4"/>
+          </a:solidFill>
+          <a:ln>
+            <a:noFill/>
+          </a:ln>
+        </p:spPr>
+        <p:style>
+          <a:lnRef idx="2">
+            <a:schemeClr val="accent1">
+              <a:shade val="50000"/>
+            </a:schemeClr>
+          </a:lnRef>
+          <a:fillRef idx="1">
+            <a:schemeClr val="accent1"/>
+          </a:fillRef>
+          <a:effectRef idx="0">
+            <a:schemeClr val="accent1"/>
+          </a:effectRef>
+          <a:fontRef idx="minor">
+            <a:schemeClr val="lt1"/>
+          </a:fontRef>
+        </p:style>
+        <p:txBody>
+          <a:bodyPr wrap="square" rtlCol="0" anchor="ctr">
+            <a:noAutofit/>
+          </a:bodyPr>
+          <a:lstStyle/>
+          <a:p>
+            <a:pPr marL="0" marR="0" lvl="0" indent="0" algn="ctr" defTabSz="914400" rtl="0" eaLnBrk="1" fontAlgn="auto" latinLnBrk="0" hangingPunct="1">
+              <a:lnSpc>
+                <a:spcPct val="100000"/>
+              </a:lnSpc>
+              <a:spcBef>
+                <a:spcPts val="0"/>
+              </a:spcBef>
+              <a:spcAft>
+                <a:spcPts val="0"/>
+              </a:spcAft>
+              <a:buClrTx/>
+              <a:buSzTx/>
+              <a:buFontTx/>
+              <a:buNone/>
+              <a:tabLst/>
+              <a:defRPr/>
+            </a:pPr>
+            <a:endParaRPr kumimoji="0" lang="en-US" sz="1800" b="0" i="0" u="none" strike="noStrike" kern="1200" cap="none" spc="0" normalizeH="0" baseline="0" noProof="0">
+              <a:ln>
+                <a:noFill/>
+              </a:ln>
+              <a:solidFill>
+                <a:prstClr val="white"/>
+              </a:solidFill>
+              <a:effectLst/>
+              <a:uLnTx/>
+              <a:uFillTx/>
+              <a:latin typeface="Calibri" panose="020F0502020204030204"/>
+              <a:ea typeface="+mn-ea"/>
+              <a:cs typeface="+mn-cs"/>
+            </a:endParaRPr>
           </a:p>
         </p:txBody>
       </p:sp>
     </p:spTree>
     <p:extLst>
       <p:ext uri="{BB962C8B-B14F-4D97-AF65-F5344CB8AC3E}">
-        <p14:creationId xmlns:p14="http://schemas.microsoft.com/office/powerpoint/2010/main" val="3388535518"/>
+        <p14:creationId xmlns:p14="http://schemas.microsoft.com/office/powerpoint/2010/main" val="1679986245"/>
       </p:ext>
     </p:extLst>
   </p:cSld>
@@ -2175,7 +4800,7 @@
           <p:cNvPr id="2" name="Title 1">
             <a:extLst>
               <a:ext uri="{FF2B5EF4-FFF2-40B4-BE49-F238E27FC236}">
-                <a16:creationId xmlns:a16="http://schemas.microsoft.com/office/drawing/2014/main" id="{D35711FA-5C9C-C84A-B6CD-A2BD2D1E89AF}"/>
+                <a16:creationId xmlns:a16="http://schemas.microsoft.com/office/drawing/2014/main" id="{9CFFC812-4DB6-4F98-9404-29C191D3BAD7}"/>
               </a:ext>
             </a:extLst>
           </p:cNvPr>
@@ -2201,10 +4826,9 @@
           </a:lstStyle>
           <a:p>
             <a:r>
-              <a:rPr lang="en-GB"/>
+              <a:rPr lang="en-US"/>
               <a:t>Click to edit Master title style</a:t>
             </a:r>
-            <a:endParaRPr lang="en-DK"/>
           </a:p>
         </p:txBody>
       </p:sp>
@@ -2213,7 +4837,7 @@
           <p:cNvPr id="3" name="Content Placeholder 2">
             <a:extLst>
               <a:ext uri="{FF2B5EF4-FFF2-40B4-BE49-F238E27FC236}">
-                <a16:creationId xmlns:a16="http://schemas.microsoft.com/office/drawing/2014/main" id="{C20CBF03-D600-7B40-B1A9-27EAAFF15818}"/>
+                <a16:creationId xmlns:a16="http://schemas.microsoft.com/office/drawing/2014/main" id="{92F0855E-0CD6-47DD-B648-4C84C783D784}"/>
               </a:ext>
             </a:extLst>
           </p:cNvPr>
@@ -2264,38 +4888,37 @@
           <a:p>
             <a:pPr lvl="0"/>
             <a:r>
-              <a:rPr lang="en-GB"/>
+              <a:rPr lang="en-US"/>
               <a:t>Click to edit Master text styles</a:t>
             </a:r>
           </a:p>
           <a:p>
             <a:pPr lvl="1"/>
             <a:r>
-              <a:rPr lang="en-GB"/>
+              <a:rPr lang="en-US"/>
               <a:t>Second level</a:t>
             </a:r>
           </a:p>
           <a:p>
             <a:pPr lvl="2"/>
             <a:r>
-              <a:rPr lang="en-GB"/>
+              <a:rPr lang="en-US"/>
               <a:t>Third level</a:t>
             </a:r>
           </a:p>
           <a:p>
             <a:pPr lvl="3"/>
             <a:r>
-              <a:rPr lang="en-GB"/>
+              <a:rPr lang="en-US"/>
               <a:t>Fourth level</a:t>
             </a:r>
           </a:p>
           <a:p>
             <a:pPr lvl="4"/>
             <a:r>
-              <a:rPr lang="en-GB"/>
+              <a:rPr lang="en-US"/>
               <a:t>Fifth level</a:t>
             </a:r>
-            <a:endParaRPr lang="en-DK"/>
           </a:p>
         </p:txBody>
       </p:sp>
@@ -2304,7 +4927,7 @@
           <p:cNvPr id="4" name="Text Placeholder 3">
             <a:extLst>
               <a:ext uri="{FF2B5EF4-FFF2-40B4-BE49-F238E27FC236}">
-                <a16:creationId xmlns:a16="http://schemas.microsoft.com/office/drawing/2014/main" id="{25D8B165-31EE-DB48-AB42-E86E71BA8E0F}"/>
+                <a16:creationId xmlns:a16="http://schemas.microsoft.com/office/drawing/2014/main" id="{ED50082B-17D7-4D61-8AEB-81517D85D253}"/>
               </a:ext>
             </a:extLst>
           </p:cNvPr>
@@ -2364,7 +4987,7 @@
           <a:p>
             <a:pPr lvl="0"/>
             <a:r>
-              <a:rPr lang="en-GB"/>
+              <a:rPr lang="en-US"/>
               <a:t>Click to edit Master text styles</a:t>
             </a:r>
           </a:p>
@@ -2375,7 +4998,7 @@
           <p:cNvPr id="5" name="Date Placeholder 4">
             <a:extLst>
               <a:ext uri="{FF2B5EF4-FFF2-40B4-BE49-F238E27FC236}">
-                <a16:creationId xmlns:a16="http://schemas.microsoft.com/office/drawing/2014/main" id="{584AA512-A2D1-B44A-8296-FB8AFC4A1853}"/>
+                <a16:creationId xmlns:a16="http://schemas.microsoft.com/office/drawing/2014/main" id="{81A70783-FF31-4C4E-9196-EB169B209747}"/>
               </a:ext>
             </a:extLst>
           </p:cNvPr>
@@ -2391,11 +5014,11 @@
           <a:bodyPr/>
           <a:lstStyle/>
           <a:p>
-            <a:fld id="{B93BBDF7-E2CD-9D40-9DB1-F6604D6401F4}" type="datetimeFigureOut">
-              <a:rPr lang="en-DK" smtClean="0"/>
-              <a:t>31/05/2023</a:t>
+            <a:fld id="{82EDB8D0-98ED-4B86-9D5F-E61ADC70144D}" type="datetimeFigureOut">
+              <a:rPr lang="en-US" smtClean="0"/>
+              <a:t>5/31/23</a:t>
             </a:fld>
-            <a:endParaRPr lang="en-DK"/>
+            <a:endParaRPr lang="en-US"/>
           </a:p>
         </p:txBody>
       </p:sp>
@@ -2404,7 +5027,7 @@
           <p:cNvPr id="6" name="Footer Placeholder 5">
             <a:extLst>
               <a:ext uri="{FF2B5EF4-FFF2-40B4-BE49-F238E27FC236}">
-                <a16:creationId xmlns:a16="http://schemas.microsoft.com/office/drawing/2014/main" id="{957906A4-CAD8-6B43-B7F0-9DFC408068DD}"/>
+                <a16:creationId xmlns:a16="http://schemas.microsoft.com/office/drawing/2014/main" id="{7D92E260-747D-40FD-A062-9DD5E6835ABB}"/>
               </a:ext>
             </a:extLst>
           </p:cNvPr>
@@ -2420,7 +5043,7 @@
           <a:bodyPr/>
           <a:lstStyle/>
           <a:p>
-            <a:endParaRPr lang="en-DK"/>
+            <a:endParaRPr lang="en-US"/>
           </a:p>
         </p:txBody>
       </p:sp>
@@ -2429,7 +5052,7 @@
           <p:cNvPr id="7" name="Slide Number Placeholder 6">
             <a:extLst>
               <a:ext uri="{FF2B5EF4-FFF2-40B4-BE49-F238E27FC236}">
-                <a16:creationId xmlns:a16="http://schemas.microsoft.com/office/drawing/2014/main" id="{EAB1BDA9-490D-E14A-91E1-81CC4B23EFCF}"/>
+                <a16:creationId xmlns:a16="http://schemas.microsoft.com/office/drawing/2014/main" id="{887E50A0-1E05-49C5-88C9-46267751201F}"/>
               </a:ext>
             </a:extLst>
           </p:cNvPr>
@@ -2445,18 +5068,302 @@
           <a:bodyPr/>
           <a:lstStyle/>
           <a:p>
-            <a:fld id="{8E92F8DD-7B9B-E949-A5F7-3866CD0D79B5}" type="slidenum">
-              <a:rPr lang="en-DK" smtClean="0"/>
+            <a:fld id="{4854181D-6920-4594-9A5D-6CE56DC9F8B2}" type="slidenum">
+              <a:rPr lang="en-US" smtClean="0"/>
               <a:t>‹#›</a:t>
             </a:fld>
-            <a:endParaRPr lang="en-DK"/>
+            <a:endParaRPr lang="en-US"/>
+          </a:p>
+        </p:txBody>
+      </p:sp>
+      <p:sp>
+        <p:nvSpPr>
+          <p:cNvPr id="8" name="Freeform: Shape 7">
+            <a:extLst>
+              <a:ext uri="{FF2B5EF4-FFF2-40B4-BE49-F238E27FC236}">
+                <a16:creationId xmlns:a16="http://schemas.microsoft.com/office/drawing/2014/main" id="{2C155C63-9F58-4422-B669-F97486280671}"/>
+              </a:ext>
+            </a:extLst>
+          </p:cNvPr>
+          <p:cNvSpPr/>
+          <p:nvPr/>
+        </p:nvSpPr>
+        <p:spPr>
+          <a:xfrm rot="16200000">
+            <a:off x="-388933" y="4841194"/>
+            <a:ext cx="1737401" cy="959536"/>
+          </a:xfrm>
+          <a:custGeom>
+            <a:avLst/>
+            <a:gdLst>
+              <a:gd name="connsiteX0" fmla="*/ 0 w 1737401"/>
+              <a:gd name="connsiteY0" fmla="*/ 0 h 959536"/>
+              <a:gd name="connsiteX1" fmla="*/ 123825 w 1737401"/>
+              <a:gd name="connsiteY1" fmla="*/ 0 h 959536"/>
+              <a:gd name="connsiteX2" fmla="*/ 123825 w 1737401"/>
+              <a:gd name="connsiteY2" fmla="*/ 790277 h 959536"/>
+              <a:gd name="connsiteX3" fmla="*/ 1490095 w 1737401"/>
+              <a:gd name="connsiteY3" fmla="*/ 0 h 959536"/>
+              <a:gd name="connsiteX4" fmla="*/ 1737401 w 1737401"/>
+              <a:gd name="connsiteY4" fmla="*/ 0 h 959536"/>
+              <a:gd name="connsiteX5" fmla="*/ 92869 w 1737401"/>
+              <a:gd name="connsiteY5" fmla="*/ 951249 h 959536"/>
+              <a:gd name="connsiteX6" fmla="*/ 61913 w 1737401"/>
+              <a:gd name="connsiteY6" fmla="*/ 959536 h 959536"/>
+              <a:gd name="connsiteX7" fmla="*/ 0 w 1737401"/>
+              <a:gd name="connsiteY7" fmla="*/ 897624 h 959536"/>
+            </a:gdLst>
+            <a:ahLst/>
+            <a:cxnLst>
+              <a:cxn ang="0">
+                <a:pos x="connsiteX0" y="connsiteY0"/>
+              </a:cxn>
+              <a:cxn ang="0">
+                <a:pos x="connsiteX1" y="connsiteY1"/>
+              </a:cxn>
+              <a:cxn ang="0">
+                <a:pos x="connsiteX2" y="connsiteY2"/>
+              </a:cxn>
+              <a:cxn ang="0">
+                <a:pos x="connsiteX3" y="connsiteY3"/>
+              </a:cxn>
+              <a:cxn ang="0">
+                <a:pos x="connsiteX4" y="connsiteY4"/>
+              </a:cxn>
+              <a:cxn ang="0">
+                <a:pos x="connsiteX5" y="connsiteY5"/>
+              </a:cxn>
+              <a:cxn ang="0">
+                <a:pos x="connsiteX6" y="connsiteY6"/>
+              </a:cxn>
+              <a:cxn ang="0">
+                <a:pos x="connsiteX7" y="connsiteY7"/>
+              </a:cxn>
+            </a:cxnLst>
+            <a:rect l="l" t="t" r="r" b="b"/>
+            <a:pathLst>
+              <a:path w="1737401" h="959536">
+                <a:moveTo>
+                  <a:pt x="0" y="0"/>
+                </a:moveTo>
+                <a:lnTo>
+                  <a:pt x="123825" y="0"/>
+                </a:lnTo>
+                <a:lnTo>
+                  <a:pt x="123825" y="790277"/>
+                </a:lnTo>
+                <a:lnTo>
+                  <a:pt x="1490095" y="0"/>
+                </a:lnTo>
+                <a:lnTo>
+                  <a:pt x="1737401" y="0"/>
+                </a:lnTo>
+                <a:lnTo>
+                  <a:pt x="92869" y="951249"/>
+                </a:lnTo>
+                <a:cubicBezTo>
+                  <a:pt x="83458" y="956688"/>
+                  <a:pt x="72780" y="959546"/>
+                  <a:pt x="61913" y="959536"/>
+                </a:cubicBezTo>
+                <a:cubicBezTo>
+                  <a:pt x="27719" y="959536"/>
+                  <a:pt x="0" y="931818"/>
+                  <a:pt x="0" y="897624"/>
+                </a:cubicBezTo>
+                <a:close/>
+              </a:path>
+            </a:pathLst>
+          </a:custGeom>
+          <a:solidFill>
+            <a:schemeClr val="accent6"/>
+          </a:solidFill>
+          <a:ln w="9525" cap="flat">
+            <a:noFill/>
+            <a:prstDash val="solid"/>
+            <a:miter/>
+          </a:ln>
+        </p:spPr>
+        <p:txBody>
+          <a:bodyPr rtlCol="0" anchor="ctr"/>
+          <a:lstStyle/>
+          <a:p>
+            <a:pPr marL="0" marR="0" lvl="0" indent="0" algn="l" defTabSz="914400" rtl="0" eaLnBrk="1" fontAlgn="auto" latinLnBrk="0" hangingPunct="1">
+              <a:lnSpc>
+                <a:spcPct val="100000"/>
+              </a:lnSpc>
+              <a:spcBef>
+                <a:spcPts val="0"/>
+              </a:spcBef>
+              <a:spcAft>
+                <a:spcPts val="0"/>
+              </a:spcAft>
+              <a:buClrTx/>
+              <a:buSzTx/>
+              <a:buFontTx/>
+              <a:buNone/>
+              <a:tabLst/>
+              <a:defRPr/>
+            </a:pPr>
+            <a:endParaRPr kumimoji="0" lang="en-US" sz="1800" b="0" i="0" u="none" strike="noStrike" kern="1200" cap="none" spc="0" normalizeH="0" baseline="0" noProof="0">
+              <a:ln>
+                <a:noFill/>
+              </a:ln>
+              <a:solidFill>
+                <a:prstClr val="black"/>
+              </a:solidFill>
+              <a:effectLst/>
+              <a:uLnTx/>
+              <a:uFillTx/>
+              <a:latin typeface="Calibri" panose="020F0502020204030204"/>
+              <a:ea typeface="+mn-ea"/>
+              <a:cs typeface="+mn-cs"/>
+            </a:endParaRPr>
+          </a:p>
+        </p:txBody>
+      </p:sp>
+      <p:sp>
+        <p:nvSpPr>
+          <p:cNvPr id="9" name="Freeform: Shape 8">
+            <a:extLst>
+              <a:ext uri="{FF2B5EF4-FFF2-40B4-BE49-F238E27FC236}">
+                <a16:creationId xmlns:a16="http://schemas.microsoft.com/office/drawing/2014/main" id="{385DBA62-0EDB-47AA-86C7-90463BC9B308}"/>
+              </a:ext>
+            </a:extLst>
+          </p:cNvPr>
+          <p:cNvSpPr/>
+          <p:nvPr/>
+        </p:nvSpPr>
+        <p:spPr>
+          <a:xfrm>
+            <a:off x="10494433" y="2"/>
+            <a:ext cx="849328" cy="357668"/>
+          </a:xfrm>
+          <a:custGeom>
+            <a:avLst/>
+            <a:gdLst>
+              <a:gd name="connsiteX0" fmla="*/ 0 w 1135066"/>
+              <a:gd name="connsiteY0" fmla="*/ 0 h 477997"/>
+              <a:gd name="connsiteX1" fmla="*/ 1135066 w 1135066"/>
+              <a:gd name="connsiteY1" fmla="*/ 0 h 477997"/>
+              <a:gd name="connsiteX2" fmla="*/ 1133370 w 1135066"/>
+              <a:gd name="connsiteY2" fmla="*/ 16827 h 477997"/>
+              <a:gd name="connsiteX3" fmla="*/ 567533 w 1135066"/>
+              <a:gd name="connsiteY3" fmla="*/ 477997 h 477997"/>
+              <a:gd name="connsiteX4" fmla="*/ 1696 w 1135066"/>
+              <a:gd name="connsiteY4" fmla="*/ 16827 h 477997"/>
+            </a:gdLst>
+            <a:ahLst/>
+            <a:cxnLst>
+              <a:cxn ang="0">
+                <a:pos x="connsiteX0" y="connsiteY0"/>
+              </a:cxn>
+              <a:cxn ang="0">
+                <a:pos x="connsiteX1" y="connsiteY1"/>
+              </a:cxn>
+              <a:cxn ang="0">
+                <a:pos x="connsiteX2" y="connsiteY2"/>
+              </a:cxn>
+              <a:cxn ang="0">
+                <a:pos x="connsiteX3" y="connsiteY3"/>
+              </a:cxn>
+              <a:cxn ang="0">
+                <a:pos x="connsiteX4" y="connsiteY4"/>
+              </a:cxn>
+            </a:cxnLst>
+            <a:rect l="l" t="t" r="r" b="b"/>
+            <a:pathLst>
+              <a:path w="1135066" h="477997">
+                <a:moveTo>
+                  <a:pt x="0" y="0"/>
+                </a:moveTo>
+                <a:lnTo>
+                  <a:pt x="1135066" y="0"/>
+                </a:lnTo>
+                <a:lnTo>
+                  <a:pt x="1133370" y="16827"/>
+                </a:lnTo>
+                <a:cubicBezTo>
+                  <a:pt x="1079514" y="280016"/>
+                  <a:pt x="846644" y="477997"/>
+                  <a:pt x="567533" y="477997"/>
+                </a:cubicBezTo>
+                <a:cubicBezTo>
+                  <a:pt x="288422" y="477997"/>
+                  <a:pt x="55552" y="280016"/>
+                  <a:pt x="1696" y="16827"/>
+                </a:cubicBezTo>
+                <a:close/>
+              </a:path>
+            </a:pathLst>
+          </a:custGeom>
+          <a:solidFill>
+            <a:schemeClr val="accent4"/>
+          </a:solidFill>
+          <a:ln>
+            <a:noFill/>
+          </a:ln>
+        </p:spPr>
+        <p:style>
+          <a:lnRef idx="2">
+            <a:schemeClr val="accent1">
+              <a:shade val="50000"/>
+            </a:schemeClr>
+          </a:lnRef>
+          <a:fillRef idx="1">
+            <a:schemeClr val="accent1"/>
+          </a:fillRef>
+          <a:effectRef idx="0">
+            <a:schemeClr val="accent1"/>
+          </a:effectRef>
+          <a:fontRef idx="minor">
+            <a:schemeClr val="lt1"/>
+          </a:fontRef>
+        </p:style>
+        <p:txBody>
+          <a:bodyPr wrap="square" rtlCol="0" anchor="ctr">
+            <a:noAutofit/>
+          </a:bodyPr>
+          <a:lstStyle/>
+          <a:p>
+            <a:pPr marL="0" marR="0" lvl="0" indent="0" algn="ctr" defTabSz="914400" rtl="0" eaLnBrk="1" fontAlgn="auto" latinLnBrk="0" hangingPunct="1">
+              <a:lnSpc>
+                <a:spcPct val="100000"/>
+              </a:lnSpc>
+              <a:spcBef>
+                <a:spcPts val="0"/>
+              </a:spcBef>
+              <a:spcAft>
+                <a:spcPts val="0"/>
+              </a:spcAft>
+              <a:buClrTx/>
+              <a:buSzTx/>
+              <a:buFontTx/>
+              <a:buNone/>
+              <a:tabLst/>
+              <a:defRPr/>
+            </a:pPr>
+            <a:endParaRPr kumimoji="0" lang="en-US" sz="1800" b="0" i="0" u="none" strike="noStrike" kern="1200" cap="none" spc="0" normalizeH="0" baseline="0" noProof="0">
+              <a:ln>
+                <a:noFill/>
+              </a:ln>
+              <a:solidFill>
+                <a:prstClr val="white"/>
+              </a:solidFill>
+              <a:effectLst/>
+              <a:uLnTx/>
+              <a:uFillTx/>
+              <a:latin typeface="Calibri" panose="020F0502020204030204"/>
+              <a:ea typeface="+mn-ea"/>
+              <a:cs typeface="+mn-cs"/>
+            </a:endParaRPr>
           </a:p>
         </p:txBody>
       </p:sp>
     </p:spTree>
     <p:extLst>
       <p:ext uri="{BB962C8B-B14F-4D97-AF65-F5344CB8AC3E}">
-        <p14:creationId xmlns:p14="http://schemas.microsoft.com/office/powerpoint/2010/main" val="3368897374"/>
+        <p14:creationId xmlns:p14="http://schemas.microsoft.com/office/powerpoint/2010/main" val="110646314"/>
       </p:ext>
     </p:extLst>
   </p:cSld>
@@ -2488,7 +5395,7 @@
           <p:cNvPr id="2" name="Title 1">
             <a:extLst>
               <a:ext uri="{FF2B5EF4-FFF2-40B4-BE49-F238E27FC236}">
-                <a16:creationId xmlns:a16="http://schemas.microsoft.com/office/drawing/2014/main" id="{17F33A30-0BCB-9C43-8F07-DA8BE47F1F25}"/>
+                <a16:creationId xmlns:a16="http://schemas.microsoft.com/office/drawing/2014/main" id="{B21D7521-E43D-41D1-B458-26B20DC6DDD8}"/>
               </a:ext>
             </a:extLst>
           </p:cNvPr>
@@ -2514,10 +5421,9 @@
           </a:lstStyle>
           <a:p>
             <a:r>
-              <a:rPr lang="en-GB"/>
+              <a:rPr lang="en-US"/>
               <a:t>Click to edit Master title style</a:t>
             </a:r>
-            <a:endParaRPr lang="en-DK"/>
           </a:p>
         </p:txBody>
       </p:sp>
@@ -2526,7 +5432,7 @@
           <p:cNvPr id="3" name="Picture Placeholder 2">
             <a:extLst>
               <a:ext uri="{FF2B5EF4-FFF2-40B4-BE49-F238E27FC236}">
-                <a16:creationId xmlns:a16="http://schemas.microsoft.com/office/drawing/2014/main" id="{EF2007D5-882E-3B45-805F-E9E6645096D2}"/>
+                <a16:creationId xmlns:a16="http://schemas.microsoft.com/office/drawing/2014/main" id="{A2472CF2-2653-4B98-A416-D7A0A860ECE0}"/>
               </a:ext>
             </a:extLst>
           </p:cNvPr>
@@ -2584,7 +5490,10 @@
             </a:lvl9pPr>
           </a:lstStyle>
           <a:p>
-            <a:endParaRPr lang="en-DK"/>
+            <a:r>
+              <a:rPr lang="en-US"/>
+              <a:t>Click icon to add picture</a:t>
+            </a:r>
           </a:p>
         </p:txBody>
       </p:sp>
@@ -2593,7 +5502,7 @@
           <p:cNvPr id="4" name="Text Placeholder 3">
             <a:extLst>
               <a:ext uri="{FF2B5EF4-FFF2-40B4-BE49-F238E27FC236}">
-                <a16:creationId xmlns:a16="http://schemas.microsoft.com/office/drawing/2014/main" id="{E59B2BEA-8C6F-1743-A728-B5511A5323E1}"/>
+                <a16:creationId xmlns:a16="http://schemas.microsoft.com/office/drawing/2014/main" id="{A6EF87F5-0B10-4AC7-9599-F088C5E796D7}"/>
               </a:ext>
             </a:extLst>
           </p:cNvPr>
@@ -2653,7 +5562,7 @@
           <a:p>
             <a:pPr lvl="0"/>
             <a:r>
-              <a:rPr lang="en-GB"/>
+              <a:rPr lang="en-US"/>
               <a:t>Click to edit Master text styles</a:t>
             </a:r>
           </a:p>
@@ -2664,7 +5573,7 @@
           <p:cNvPr id="5" name="Date Placeholder 4">
             <a:extLst>
               <a:ext uri="{FF2B5EF4-FFF2-40B4-BE49-F238E27FC236}">
-                <a16:creationId xmlns:a16="http://schemas.microsoft.com/office/drawing/2014/main" id="{5B1B0943-D3FC-9A4F-8B4A-072E3BF121BD}"/>
+                <a16:creationId xmlns:a16="http://schemas.microsoft.com/office/drawing/2014/main" id="{62A07CB7-0520-4D64-B76C-C31AC557832D}"/>
               </a:ext>
             </a:extLst>
           </p:cNvPr>
@@ -2680,11 +5589,11 @@
           <a:bodyPr/>
           <a:lstStyle/>
           <a:p>
-            <a:fld id="{B93BBDF7-E2CD-9D40-9DB1-F6604D6401F4}" type="datetimeFigureOut">
-              <a:rPr lang="en-DK" smtClean="0"/>
-              <a:t>31/05/2023</a:t>
+            <a:fld id="{82EDB8D0-98ED-4B86-9D5F-E61ADC70144D}" type="datetimeFigureOut">
+              <a:rPr lang="en-US" smtClean="0"/>
+              <a:t>5/31/23</a:t>
             </a:fld>
-            <a:endParaRPr lang="en-DK"/>
+            <a:endParaRPr lang="en-US"/>
           </a:p>
         </p:txBody>
       </p:sp>
@@ -2693,7 +5602,7 @@
           <p:cNvPr id="6" name="Footer Placeholder 5">
             <a:extLst>
               <a:ext uri="{FF2B5EF4-FFF2-40B4-BE49-F238E27FC236}">
-                <a16:creationId xmlns:a16="http://schemas.microsoft.com/office/drawing/2014/main" id="{7AF72F63-371E-5E43-AAF0-77FE3AF80D8A}"/>
+                <a16:creationId xmlns:a16="http://schemas.microsoft.com/office/drawing/2014/main" id="{92EEB226-AD45-45DF-AAB5-5513AE732AAE}"/>
               </a:ext>
             </a:extLst>
           </p:cNvPr>
@@ -2709,7 +5618,7 @@
           <a:bodyPr/>
           <a:lstStyle/>
           <a:p>
-            <a:endParaRPr lang="en-DK"/>
+            <a:endParaRPr lang="en-US"/>
           </a:p>
         </p:txBody>
       </p:sp>
@@ -2718,7 +5627,7 @@
           <p:cNvPr id="7" name="Slide Number Placeholder 6">
             <a:extLst>
               <a:ext uri="{FF2B5EF4-FFF2-40B4-BE49-F238E27FC236}">
-                <a16:creationId xmlns:a16="http://schemas.microsoft.com/office/drawing/2014/main" id="{185FD9AF-7D07-D74D-8B0E-A40A9F210180}"/>
+                <a16:creationId xmlns:a16="http://schemas.microsoft.com/office/drawing/2014/main" id="{95E96AEB-9481-4CCE-B110-FEDD334835B8}"/>
               </a:ext>
             </a:extLst>
           </p:cNvPr>
@@ -2734,18 +5643,302 @@
           <a:bodyPr/>
           <a:lstStyle/>
           <a:p>
-            <a:fld id="{8E92F8DD-7B9B-E949-A5F7-3866CD0D79B5}" type="slidenum">
-              <a:rPr lang="en-DK" smtClean="0"/>
+            <a:fld id="{4854181D-6920-4594-9A5D-6CE56DC9F8B2}" type="slidenum">
+              <a:rPr lang="en-US" smtClean="0"/>
               <a:t>‹#›</a:t>
             </a:fld>
-            <a:endParaRPr lang="en-DK"/>
+            <a:endParaRPr lang="en-US"/>
+          </a:p>
+        </p:txBody>
+      </p:sp>
+      <p:sp>
+        <p:nvSpPr>
+          <p:cNvPr id="8" name="Freeform: Shape 7">
+            <a:extLst>
+              <a:ext uri="{FF2B5EF4-FFF2-40B4-BE49-F238E27FC236}">
+                <a16:creationId xmlns:a16="http://schemas.microsoft.com/office/drawing/2014/main" id="{6BA9707F-7BCE-464F-BF45-E216527084EE}"/>
+              </a:ext>
+            </a:extLst>
+          </p:cNvPr>
+          <p:cNvSpPr/>
+          <p:nvPr/>
+        </p:nvSpPr>
+        <p:spPr>
+          <a:xfrm rot="16200000">
+            <a:off x="-388933" y="4841194"/>
+            <a:ext cx="1737401" cy="959536"/>
+          </a:xfrm>
+          <a:custGeom>
+            <a:avLst/>
+            <a:gdLst>
+              <a:gd name="connsiteX0" fmla="*/ 0 w 1737401"/>
+              <a:gd name="connsiteY0" fmla="*/ 0 h 959536"/>
+              <a:gd name="connsiteX1" fmla="*/ 123825 w 1737401"/>
+              <a:gd name="connsiteY1" fmla="*/ 0 h 959536"/>
+              <a:gd name="connsiteX2" fmla="*/ 123825 w 1737401"/>
+              <a:gd name="connsiteY2" fmla="*/ 790277 h 959536"/>
+              <a:gd name="connsiteX3" fmla="*/ 1490095 w 1737401"/>
+              <a:gd name="connsiteY3" fmla="*/ 0 h 959536"/>
+              <a:gd name="connsiteX4" fmla="*/ 1737401 w 1737401"/>
+              <a:gd name="connsiteY4" fmla="*/ 0 h 959536"/>
+              <a:gd name="connsiteX5" fmla="*/ 92869 w 1737401"/>
+              <a:gd name="connsiteY5" fmla="*/ 951249 h 959536"/>
+              <a:gd name="connsiteX6" fmla="*/ 61913 w 1737401"/>
+              <a:gd name="connsiteY6" fmla="*/ 959536 h 959536"/>
+              <a:gd name="connsiteX7" fmla="*/ 0 w 1737401"/>
+              <a:gd name="connsiteY7" fmla="*/ 897624 h 959536"/>
+            </a:gdLst>
+            <a:ahLst/>
+            <a:cxnLst>
+              <a:cxn ang="0">
+                <a:pos x="connsiteX0" y="connsiteY0"/>
+              </a:cxn>
+              <a:cxn ang="0">
+                <a:pos x="connsiteX1" y="connsiteY1"/>
+              </a:cxn>
+              <a:cxn ang="0">
+                <a:pos x="connsiteX2" y="connsiteY2"/>
+              </a:cxn>
+              <a:cxn ang="0">
+                <a:pos x="connsiteX3" y="connsiteY3"/>
+              </a:cxn>
+              <a:cxn ang="0">
+                <a:pos x="connsiteX4" y="connsiteY4"/>
+              </a:cxn>
+              <a:cxn ang="0">
+                <a:pos x="connsiteX5" y="connsiteY5"/>
+              </a:cxn>
+              <a:cxn ang="0">
+                <a:pos x="connsiteX6" y="connsiteY6"/>
+              </a:cxn>
+              <a:cxn ang="0">
+                <a:pos x="connsiteX7" y="connsiteY7"/>
+              </a:cxn>
+            </a:cxnLst>
+            <a:rect l="l" t="t" r="r" b="b"/>
+            <a:pathLst>
+              <a:path w="1737401" h="959536">
+                <a:moveTo>
+                  <a:pt x="0" y="0"/>
+                </a:moveTo>
+                <a:lnTo>
+                  <a:pt x="123825" y="0"/>
+                </a:lnTo>
+                <a:lnTo>
+                  <a:pt x="123825" y="790277"/>
+                </a:lnTo>
+                <a:lnTo>
+                  <a:pt x="1490095" y="0"/>
+                </a:lnTo>
+                <a:lnTo>
+                  <a:pt x="1737401" y="0"/>
+                </a:lnTo>
+                <a:lnTo>
+                  <a:pt x="92869" y="951249"/>
+                </a:lnTo>
+                <a:cubicBezTo>
+                  <a:pt x="83458" y="956688"/>
+                  <a:pt x="72780" y="959546"/>
+                  <a:pt x="61913" y="959536"/>
+                </a:cubicBezTo>
+                <a:cubicBezTo>
+                  <a:pt x="27719" y="959536"/>
+                  <a:pt x="0" y="931818"/>
+                  <a:pt x="0" y="897624"/>
+                </a:cubicBezTo>
+                <a:close/>
+              </a:path>
+            </a:pathLst>
+          </a:custGeom>
+          <a:solidFill>
+            <a:schemeClr val="accent6"/>
+          </a:solidFill>
+          <a:ln w="9525" cap="flat">
+            <a:noFill/>
+            <a:prstDash val="solid"/>
+            <a:miter/>
+          </a:ln>
+        </p:spPr>
+        <p:txBody>
+          <a:bodyPr rtlCol="0" anchor="ctr"/>
+          <a:lstStyle/>
+          <a:p>
+            <a:pPr marL="0" marR="0" lvl="0" indent="0" algn="l" defTabSz="914400" rtl="0" eaLnBrk="1" fontAlgn="auto" latinLnBrk="0" hangingPunct="1">
+              <a:lnSpc>
+                <a:spcPct val="100000"/>
+              </a:lnSpc>
+              <a:spcBef>
+                <a:spcPts val="0"/>
+              </a:spcBef>
+              <a:spcAft>
+                <a:spcPts val="0"/>
+              </a:spcAft>
+              <a:buClrTx/>
+              <a:buSzTx/>
+              <a:buFontTx/>
+              <a:buNone/>
+              <a:tabLst/>
+              <a:defRPr/>
+            </a:pPr>
+            <a:endParaRPr kumimoji="0" lang="en-US" sz="1800" b="0" i="0" u="none" strike="noStrike" kern="1200" cap="none" spc="0" normalizeH="0" baseline="0" noProof="0">
+              <a:ln>
+                <a:noFill/>
+              </a:ln>
+              <a:solidFill>
+                <a:prstClr val="black"/>
+              </a:solidFill>
+              <a:effectLst/>
+              <a:uLnTx/>
+              <a:uFillTx/>
+              <a:latin typeface="Calibri" panose="020F0502020204030204"/>
+              <a:ea typeface="+mn-ea"/>
+              <a:cs typeface="+mn-cs"/>
+            </a:endParaRPr>
+          </a:p>
+        </p:txBody>
+      </p:sp>
+      <p:sp>
+        <p:nvSpPr>
+          <p:cNvPr id="9" name="Freeform: Shape 8">
+            <a:extLst>
+              <a:ext uri="{FF2B5EF4-FFF2-40B4-BE49-F238E27FC236}">
+                <a16:creationId xmlns:a16="http://schemas.microsoft.com/office/drawing/2014/main" id="{BC589723-2CC8-49D1-B4E1-36FECED6A2D7}"/>
+              </a:ext>
+            </a:extLst>
+          </p:cNvPr>
+          <p:cNvSpPr/>
+          <p:nvPr/>
+        </p:nvSpPr>
+        <p:spPr>
+          <a:xfrm>
+            <a:off x="10494433" y="2"/>
+            <a:ext cx="849328" cy="357668"/>
+          </a:xfrm>
+          <a:custGeom>
+            <a:avLst/>
+            <a:gdLst>
+              <a:gd name="connsiteX0" fmla="*/ 0 w 1135066"/>
+              <a:gd name="connsiteY0" fmla="*/ 0 h 477997"/>
+              <a:gd name="connsiteX1" fmla="*/ 1135066 w 1135066"/>
+              <a:gd name="connsiteY1" fmla="*/ 0 h 477997"/>
+              <a:gd name="connsiteX2" fmla="*/ 1133370 w 1135066"/>
+              <a:gd name="connsiteY2" fmla="*/ 16827 h 477997"/>
+              <a:gd name="connsiteX3" fmla="*/ 567533 w 1135066"/>
+              <a:gd name="connsiteY3" fmla="*/ 477997 h 477997"/>
+              <a:gd name="connsiteX4" fmla="*/ 1696 w 1135066"/>
+              <a:gd name="connsiteY4" fmla="*/ 16827 h 477997"/>
+            </a:gdLst>
+            <a:ahLst/>
+            <a:cxnLst>
+              <a:cxn ang="0">
+                <a:pos x="connsiteX0" y="connsiteY0"/>
+              </a:cxn>
+              <a:cxn ang="0">
+                <a:pos x="connsiteX1" y="connsiteY1"/>
+              </a:cxn>
+              <a:cxn ang="0">
+                <a:pos x="connsiteX2" y="connsiteY2"/>
+              </a:cxn>
+              <a:cxn ang="0">
+                <a:pos x="connsiteX3" y="connsiteY3"/>
+              </a:cxn>
+              <a:cxn ang="0">
+                <a:pos x="connsiteX4" y="connsiteY4"/>
+              </a:cxn>
+            </a:cxnLst>
+            <a:rect l="l" t="t" r="r" b="b"/>
+            <a:pathLst>
+              <a:path w="1135066" h="477997">
+                <a:moveTo>
+                  <a:pt x="0" y="0"/>
+                </a:moveTo>
+                <a:lnTo>
+                  <a:pt x="1135066" y="0"/>
+                </a:lnTo>
+                <a:lnTo>
+                  <a:pt x="1133370" y="16827"/>
+                </a:lnTo>
+                <a:cubicBezTo>
+                  <a:pt x="1079514" y="280016"/>
+                  <a:pt x="846644" y="477997"/>
+                  <a:pt x="567533" y="477997"/>
+                </a:cubicBezTo>
+                <a:cubicBezTo>
+                  <a:pt x="288422" y="477997"/>
+                  <a:pt x="55552" y="280016"/>
+                  <a:pt x="1696" y="16827"/>
+                </a:cubicBezTo>
+                <a:close/>
+              </a:path>
+            </a:pathLst>
+          </a:custGeom>
+          <a:solidFill>
+            <a:schemeClr val="accent4"/>
+          </a:solidFill>
+          <a:ln>
+            <a:noFill/>
+          </a:ln>
+        </p:spPr>
+        <p:style>
+          <a:lnRef idx="2">
+            <a:schemeClr val="accent1">
+              <a:shade val="50000"/>
+            </a:schemeClr>
+          </a:lnRef>
+          <a:fillRef idx="1">
+            <a:schemeClr val="accent1"/>
+          </a:fillRef>
+          <a:effectRef idx="0">
+            <a:schemeClr val="accent1"/>
+          </a:effectRef>
+          <a:fontRef idx="minor">
+            <a:schemeClr val="lt1"/>
+          </a:fontRef>
+        </p:style>
+        <p:txBody>
+          <a:bodyPr wrap="square" rtlCol="0" anchor="ctr">
+            <a:noAutofit/>
+          </a:bodyPr>
+          <a:lstStyle/>
+          <a:p>
+            <a:pPr marL="0" marR="0" lvl="0" indent="0" algn="ctr" defTabSz="914400" rtl="0" eaLnBrk="1" fontAlgn="auto" latinLnBrk="0" hangingPunct="1">
+              <a:lnSpc>
+                <a:spcPct val="100000"/>
+              </a:lnSpc>
+              <a:spcBef>
+                <a:spcPts val="0"/>
+              </a:spcBef>
+              <a:spcAft>
+                <a:spcPts val="0"/>
+              </a:spcAft>
+              <a:buClrTx/>
+              <a:buSzTx/>
+              <a:buFontTx/>
+              <a:buNone/>
+              <a:tabLst/>
+              <a:defRPr/>
+            </a:pPr>
+            <a:endParaRPr kumimoji="0" lang="en-US" sz="1800" b="0" i="0" u="none" strike="noStrike" kern="1200" cap="none" spc="0" normalizeH="0" baseline="0" noProof="0">
+              <a:ln>
+                <a:noFill/>
+              </a:ln>
+              <a:solidFill>
+                <a:prstClr val="white"/>
+              </a:solidFill>
+              <a:effectLst/>
+              <a:uLnTx/>
+              <a:uFillTx/>
+              <a:latin typeface="Calibri" panose="020F0502020204030204"/>
+              <a:ea typeface="+mn-ea"/>
+              <a:cs typeface="+mn-cs"/>
+            </a:endParaRPr>
           </a:p>
         </p:txBody>
       </p:sp>
     </p:spTree>
     <p:extLst>
       <p:ext uri="{BB962C8B-B14F-4D97-AF65-F5344CB8AC3E}">
-        <p14:creationId xmlns:p14="http://schemas.microsoft.com/office/powerpoint/2010/main" val="1151328312"/>
+        <p14:creationId xmlns:p14="http://schemas.microsoft.com/office/powerpoint/2010/main" val="1352824752"/>
       </p:ext>
     </p:extLst>
   </p:cSld>
@@ -2782,7 +5975,7 @@
           <p:cNvPr id="2" name="Title Placeholder 1">
             <a:extLst>
               <a:ext uri="{FF2B5EF4-FFF2-40B4-BE49-F238E27FC236}">
-                <a16:creationId xmlns:a16="http://schemas.microsoft.com/office/drawing/2014/main" id="{6BF467F7-074D-2146-B0F3-892A62B28C5C}"/>
+                <a16:creationId xmlns:a16="http://schemas.microsoft.com/office/drawing/2014/main" id="{17EC5685-19F1-49DA-ADE5-D5D32F1659B0}"/>
               </a:ext>
             </a:extLst>
           </p:cNvPr>
@@ -2809,10 +6002,9 @@
           <a:lstStyle/>
           <a:p>
             <a:r>
-              <a:rPr lang="en-GB"/>
+              <a:rPr lang="en-US"/>
               <a:t>Click to edit Master title style</a:t>
             </a:r>
-            <a:endParaRPr lang="en-DK"/>
           </a:p>
         </p:txBody>
       </p:sp>
@@ -2821,7 +6013,7 @@
           <p:cNvPr id="3" name="Text Placeholder 2">
             <a:extLst>
               <a:ext uri="{FF2B5EF4-FFF2-40B4-BE49-F238E27FC236}">
-                <a16:creationId xmlns:a16="http://schemas.microsoft.com/office/drawing/2014/main" id="{FAE3CFEC-7270-9345-8ACF-BBDD68A0514C}"/>
+                <a16:creationId xmlns:a16="http://schemas.microsoft.com/office/drawing/2014/main" id="{AFFC0A4D-22A1-4554-B5DE-887974F4DF90}"/>
               </a:ext>
             </a:extLst>
           </p:cNvPr>
@@ -2849,38 +6041,37 @@
           <a:p>
             <a:pPr lvl="0"/>
             <a:r>
-              <a:rPr lang="en-GB"/>
+              <a:rPr lang="en-US"/>
               <a:t>Click to edit Master text styles</a:t>
             </a:r>
           </a:p>
           <a:p>
             <a:pPr lvl="1"/>
             <a:r>
-              <a:rPr lang="en-GB"/>
+              <a:rPr lang="en-US"/>
               <a:t>Second level</a:t>
             </a:r>
           </a:p>
           <a:p>
             <a:pPr lvl="2"/>
             <a:r>
-              <a:rPr lang="en-GB"/>
+              <a:rPr lang="en-US"/>
               <a:t>Third level</a:t>
             </a:r>
           </a:p>
           <a:p>
             <a:pPr lvl="3"/>
             <a:r>
-              <a:rPr lang="en-GB"/>
+              <a:rPr lang="en-US"/>
               <a:t>Fourth level</a:t>
             </a:r>
           </a:p>
           <a:p>
             <a:pPr lvl="4"/>
             <a:r>
-              <a:rPr lang="en-GB"/>
+              <a:rPr lang="en-US"/>
               <a:t>Fifth level</a:t>
             </a:r>
-            <a:endParaRPr lang="en-DK"/>
           </a:p>
         </p:txBody>
       </p:sp>
@@ -2889,7 +6080,7 @@
           <p:cNvPr id="4" name="Date Placeholder 3">
             <a:extLst>
               <a:ext uri="{FF2B5EF4-FFF2-40B4-BE49-F238E27FC236}">
-                <a16:creationId xmlns:a16="http://schemas.microsoft.com/office/drawing/2014/main" id="{57FD3514-15CB-4D49-83EA-8F19F27BAE4F}"/>
+                <a16:creationId xmlns:a16="http://schemas.microsoft.com/office/drawing/2014/main" id="{E99D5CDC-F2CE-410E-AD13-DDC235C71C6F}"/>
               </a:ext>
             </a:extLst>
           </p:cNvPr>
@@ -2913,21 +6104,23 @@
           <a:bodyPr vert="horz" lIns="91440" tIns="45720" rIns="91440" bIns="45720" rtlCol="0" anchor="ctr"/>
           <a:lstStyle>
             <a:lvl1pPr algn="l">
-              <a:defRPr sz="1200">
+              <a:defRPr sz="1200" cap="none" spc="0" baseline="0">
                 <a:solidFill>
                   <a:schemeClr val="tx1">
                     <a:tint val="75000"/>
                   </a:schemeClr>
                 </a:solidFill>
+                <a:latin typeface="+mn-lt"/>
               </a:defRPr>
             </a:lvl1pPr>
           </a:lstStyle>
           <a:p>
-            <a:fld id="{B93BBDF7-E2CD-9D40-9DB1-F6604D6401F4}" type="datetimeFigureOut">
-              <a:rPr lang="en-DK" smtClean="0"/>
-              <a:t>31/05/2023</a:t>
+            <a:fld id="{82EDB8D0-98ED-4B86-9D5F-E61ADC70144D}" type="datetimeFigureOut">
+              <a:rPr lang="en-US" smtClean="0"/>
+              <a:pPr/>
+              <a:t>5/31/23</a:t>
             </a:fld>
-            <a:endParaRPr lang="en-DK"/>
+            <a:endParaRPr lang="en-US" dirty="0"/>
           </a:p>
         </p:txBody>
       </p:sp>
@@ -2936,7 +6129,7 @@
           <p:cNvPr id="5" name="Footer Placeholder 4">
             <a:extLst>
               <a:ext uri="{FF2B5EF4-FFF2-40B4-BE49-F238E27FC236}">
-                <a16:creationId xmlns:a16="http://schemas.microsoft.com/office/drawing/2014/main" id="{8CF3CD68-B6D8-E141-9450-133D38B7389B}"/>
+                <a16:creationId xmlns:a16="http://schemas.microsoft.com/office/drawing/2014/main" id="{9340CD45-794A-4BB0-A427-0CE61AEAF484}"/>
               </a:ext>
             </a:extLst>
           </p:cNvPr>
@@ -2960,17 +6153,18 @@
           <a:bodyPr vert="horz" lIns="91440" tIns="45720" rIns="91440" bIns="45720" rtlCol="0" anchor="ctr"/>
           <a:lstStyle>
             <a:lvl1pPr algn="ctr">
-              <a:defRPr sz="1200">
+              <a:defRPr sz="1200" cap="none" spc="0" baseline="0">
                 <a:solidFill>
                   <a:schemeClr val="tx1">
                     <a:tint val="75000"/>
                   </a:schemeClr>
                 </a:solidFill>
+                <a:latin typeface="+mn-lt"/>
               </a:defRPr>
             </a:lvl1pPr>
           </a:lstStyle>
           <a:p>
-            <a:endParaRPr lang="en-DK"/>
+            <a:endParaRPr lang="en-US"/>
           </a:p>
         </p:txBody>
       </p:sp>
@@ -2979,7 +6173,7 @@
           <p:cNvPr id="6" name="Slide Number Placeholder 5">
             <a:extLst>
               <a:ext uri="{FF2B5EF4-FFF2-40B4-BE49-F238E27FC236}">
-                <a16:creationId xmlns:a16="http://schemas.microsoft.com/office/drawing/2014/main" id="{2B56FF3D-717F-0349-826C-F321BEBFA5EC}"/>
+                <a16:creationId xmlns:a16="http://schemas.microsoft.com/office/drawing/2014/main" id="{FCB3AB91-9588-4071-92D2-364F4A6ED092}"/>
               </a:ext>
             </a:extLst>
           </p:cNvPr>
@@ -3003,44 +6197,46 @@
           <a:bodyPr vert="horz" lIns="91440" tIns="45720" rIns="91440" bIns="45720" rtlCol="0" anchor="ctr"/>
           <a:lstStyle>
             <a:lvl1pPr algn="r">
-              <a:defRPr sz="1200">
+              <a:defRPr sz="1200" cap="none" spc="0" baseline="0">
                 <a:solidFill>
                   <a:schemeClr val="tx1">
                     <a:tint val="75000"/>
                   </a:schemeClr>
                 </a:solidFill>
+                <a:latin typeface="+mn-lt"/>
               </a:defRPr>
             </a:lvl1pPr>
           </a:lstStyle>
           <a:p>
-            <a:fld id="{8E92F8DD-7B9B-E949-A5F7-3866CD0D79B5}" type="slidenum">
-              <a:rPr lang="en-DK" smtClean="0"/>
+            <a:fld id="{4854181D-6920-4594-9A5D-6CE56DC9F8B2}" type="slidenum">
+              <a:rPr lang="en-US" smtClean="0"/>
+              <a:pPr/>
               <a:t>‹#›</a:t>
             </a:fld>
-            <a:endParaRPr lang="en-DK"/>
+            <a:endParaRPr lang="en-US"/>
           </a:p>
         </p:txBody>
       </p:sp>
     </p:spTree>
     <p:extLst>
       <p:ext uri="{BB962C8B-B14F-4D97-AF65-F5344CB8AC3E}">
-        <p14:creationId xmlns:p14="http://schemas.microsoft.com/office/powerpoint/2010/main" val="2968813346"/>
+        <p14:creationId xmlns:p14="http://schemas.microsoft.com/office/powerpoint/2010/main" val="3380340956"/>
       </p:ext>
     </p:extLst>
   </p:cSld>
   <p:clrMap bg1="lt1" tx1="dk1" bg2="lt2" tx2="dk2" accent1="accent1" accent2="accent2" accent3="accent3" accent4="accent4" accent5="accent5" accent6="accent6" hlink="hlink" folHlink="folHlink"/>
   <p:sldLayoutIdLst>
-    <p:sldLayoutId id="2147483649" r:id="rId1"/>
-    <p:sldLayoutId id="2147483650" r:id="rId2"/>
-    <p:sldLayoutId id="2147483651" r:id="rId3"/>
-    <p:sldLayoutId id="2147483652" r:id="rId4"/>
-    <p:sldLayoutId id="2147483653" r:id="rId5"/>
-    <p:sldLayoutId id="2147483654" r:id="rId6"/>
-    <p:sldLayoutId id="2147483655" r:id="rId7"/>
-    <p:sldLayoutId id="2147483656" r:id="rId8"/>
-    <p:sldLayoutId id="2147483657" r:id="rId9"/>
-    <p:sldLayoutId id="2147483658" r:id="rId10"/>
-    <p:sldLayoutId id="2147483659" r:id="rId11"/>
+    <p:sldLayoutId id="2147483734" r:id="rId1"/>
+    <p:sldLayoutId id="2147483735" r:id="rId2"/>
+    <p:sldLayoutId id="2147483736" r:id="rId3"/>
+    <p:sldLayoutId id="2147483737" r:id="rId4"/>
+    <p:sldLayoutId id="2147483727" r:id="rId5"/>
+    <p:sldLayoutId id="2147483728" r:id="rId6"/>
+    <p:sldLayoutId id="2147483729" r:id="rId7"/>
+    <p:sldLayoutId id="2147483730" r:id="rId8"/>
+    <p:sldLayoutId id="2147483731" r:id="rId9"/>
+    <p:sldLayoutId id="2147483732" r:id="rId10"/>
+    <p:sldLayoutId id="2147483733" r:id="rId11"/>
   </p:sldLayoutIdLst>
   <p:txStyles>
     <p:titleStyle>
@@ -3228,7 +6424,7 @@
     </p:bodyStyle>
     <p:otherStyle>
       <a:defPPr>
-        <a:defRPr lang="en-DK"/>
+        <a:defRPr lang="en-US"/>
       </a:defPPr>
       <a:lvl1pPr marL="0" algn="l" defTabSz="914400" rtl="0" eaLnBrk="1" latinLnBrk="0" hangingPunct="1">
         <a:defRPr sz="1800" kern="1200">
@@ -3328,6 +6524,14 @@
 <file path=ppt/slides/slide1.xml><?xml version="1.0" encoding="utf-8"?>
 <p:sld xmlns:a="http://schemas.openxmlformats.org/drawingml/2006/main" xmlns:r="http://schemas.openxmlformats.org/officeDocument/2006/relationships" xmlns:p="http://schemas.openxmlformats.org/presentationml/2006/main">
   <p:cSld>
+    <p:bg>
+      <p:bgPr>
+        <a:solidFill>
+          <a:schemeClr val="bg1"/>
+        </a:solidFill>
+        <a:effectLst/>
+      </p:bgPr>
+    </p:bg>
     <p:spTree>
       <p:nvGrpSpPr>
         <p:cNvPr id="1" name=""/>
@@ -3344,6 +6548,225 @@
       </p:grpSpPr>
       <p:sp>
         <p:nvSpPr>
+          <p:cNvPr id="9" name="Rectangle 8">
+            <a:extLst>
+              <a:ext uri="{FF2B5EF4-FFF2-40B4-BE49-F238E27FC236}">
+                <a16:creationId xmlns:a16="http://schemas.microsoft.com/office/drawing/2014/main" id="{9F8A656C-0806-4677-A38B-DA5DF0F3C406}"/>
+              </a:ext>
+              <a:ext uri="{C183D7F6-B498-43B3-948B-1728B52AA6E4}">
+                <adec:decorative xmlns:adec="http://schemas.microsoft.com/office/drawing/2017/decorative" val="1"/>
+              </a:ext>
+            </a:extLst>
+          </p:cNvPr>
+          <p:cNvSpPr>
+            <a:spLocks noGrp="1" noRot="1" noChangeAspect="1" noMove="1" noResize="1" noEditPoints="1" noAdjustHandles="1" noChangeArrowheads="1" noChangeShapeType="1" noTextEdit="1"/>
+          </p:cNvSpPr>
+          <p:nvPr>
+            <p:extLst>
+              <p:ext uri="{386F3935-93C4-4BCD-93E2-E3B085C9AB24}">
+                <p16:designElem xmlns:p16="http://schemas.microsoft.com/office/powerpoint/2015/main" val="1"/>
+              </p:ext>
+            </p:extLst>
+          </p:nvPr>
+        </p:nvSpPr>
+        <p:spPr>
+          <a:xfrm>
+            <a:off x="0" y="-8467"/>
+            <a:ext cx="12191999" cy="6866467"/>
+          </a:xfrm>
+          <a:prstGeom prst="rect">
+            <a:avLst/>
+          </a:prstGeom>
+          <a:solidFill>
+            <a:schemeClr val="tx1"/>
+          </a:solidFill>
+          <a:ln>
+            <a:noFill/>
+          </a:ln>
+        </p:spPr>
+        <p:style>
+          <a:lnRef idx="2">
+            <a:schemeClr val="accent1">
+              <a:shade val="50000"/>
+            </a:schemeClr>
+          </a:lnRef>
+          <a:fillRef idx="1">
+            <a:schemeClr val="accent1"/>
+          </a:fillRef>
+          <a:effectRef idx="0">
+            <a:schemeClr val="accent1"/>
+          </a:effectRef>
+          <a:fontRef idx="minor">
+            <a:schemeClr val="lt1"/>
+          </a:fontRef>
+        </p:style>
+        <p:txBody>
+          <a:bodyPr rtlCol="0" anchor="ctr"/>
+          <a:lstStyle/>
+          <a:p>
+            <a:pPr marL="0" marR="0" lvl="0" indent="0" algn="ctr" defTabSz="914400" rtl="0" eaLnBrk="1" fontAlgn="auto" latinLnBrk="0" hangingPunct="1">
+              <a:lnSpc>
+                <a:spcPct val="100000"/>
+              </a:lnSpc>
+              <a:spcBef>
+                <a:spcPts val="0"/>
+              </a:spcBef>
+              <a:spcAft>
+                <a:spcPts val="0"/>
+              </a:spcAft>
+              <a:buClrTx/>
+              <a:buSzTx/>
+              <a:buFontTx/>
+              <a:buNone/>
+              <a:tabLst/>
+              <a:defRPr/>
+            </a:pPr>
+            <a:endParaRPr kumimoji="0" lang="en-US" sz="1800" b="0" i="0" u="none" strike="noStrike" kern="1200" cap="none" spc="0" normalizeH="0" baseline="0" noProof="0">
+              <a:ln>
+                <a:noFill/>
+              </a:ln>
+              <a:solidFill>
+                <a:prstClr val="white"/>
+              </a:solidFill>
+              <a:effectLst/>
+              <a:uLnTx/>
+              <a:uFillTx/>
+              <a:latin typeface="Calibri" panose="020F0502020204030204"/>
+              <a:ea typeface="+mn-ea"/>
+              <a:cs typeface="+mn-cs"/>
+            </a:endParaRPr>
+          </a:p>
+        </p:txBody>
+      </p:sp>
+      <p:pic>
+        <p:nvPicPr>
+          <p:cNvPr id="4" name="Picture 3" descr="Connected sticks shaping polygons background">
+            <a:extLst>
+              <a:ext uri="{FF2B5EF4-FFF2-40B4-BE49-F238E27FC236}">
+                <a16:creationId xmlns:a16="http://schemas.microsoft.com/office/drawing/2014/main" id="{1DA11C82-1ABA-0AE1-D5E4-1C4372AD214F}"/>
+              </a:ext>
+            </a:extLst>
+          </p:cNvPr>
+          <p:cNvPicPr>
+            <a:picLocks noChangeAspect="1"/>
+          </p:cNvPicPr>
+          <p:nvPr/>
+        </p:nvPicPr>
+        <p:blipFill rotWithShape="1">
+          <a:blip r:embed="rId2">
+            <a:alphaModFix amt="55000"/>
+          </a:blip>
+          <a:srcRect t="10016" b="5715"/>
+          <a:stretch/>
+        </p:blipFill>
+        <p:spPr>
+          <a:xfrm>
+            <a:off x="20" y="10"/>
+            <a:ext cx="12191980" cy="6857990"/>
+          </a:xfrm>
+          <a:prstGeom prst="rect">
+            <a:avLst/>
+          </a:prstGeom>
+        </p:spPr>
+      </p:pic>
+      <p:sp>
+        <p:nvSpPr>
+          <p:cNvPr id="11" name="Rectangle: Rounded Corners 10">
+            <a:extLst>
+              <a:ext uri="{FF2B5EF4-FFF2-40B4-BE49-F238E27FC236}">
+                <a16:creationId xmlns:a16="http://schemas.microsoft.com/office/drawing/2014/main" id="{9BEF8C6D-8BB3-473A-9607-D7381CC5C0A5}"/>
+              </a:ext>
+              <a:ext uri="{C183D7F6-B498-43B3-948B-1728B52AA6E4}">
+                <adec:decorative xmlns:adec="http://schemas.microsoft.com/office/drawing/2017/decorative" val="1"/>
+              </a:ext>
+            </a:extLst>
+          </p:cNvPr>
+          <p:cNvSpPr>
+            <a:spLocks noGrp="1" noRot="1" noChangeAspect="1" noMove="1" noResize="1" noEditPoints="1" noAdjustHandles="1" noChangeArrowheads="1" noChangeShapeType="1" noTextEdit="1"/>
+          </p:cNvSpPr>
+          <p:nvPr>
+            <p:extLst>
+              <p:ext uri="{386F3935-93C4-4BCD-93E2-E3B085C9AB24}">
+                <p16:designElem xmlns:p16="http://schemas.microsoft.com/office/powerpoint/2015/main" val="1"/>
+              </p:ext>
+            </p:extLst>
+          </p:nvPr>
+        </p:nvSpPr>
+        <p:spPr>
+          <a:xfrm>
+            <a:off x="6027537" y="643467"/>
+            <a:ext cx="5520995" cy="5215839"/>
+          </a:xfrm>
+          <a:prstGeom prst="roundRect">
+            <a:avLst>
+              <a:gd name="adj" fmla="val 2654"/>
+            </a:avLst>
+          </a:prstGeom>
+          <a:solidFill>
+            <a:schemeClr val="bg1">
+              <a:alpha val="95000"/>
+            </a:schemeClr>
+          </a:solidFill>
+          <a:ln>
+            <a:noFill/>
+          </a:ln>
+        </p:spPr>
+        <p:style>
+          <a:lnRef idx="2">
+            <a:schemeClr val="accent1">
+              <a:shade val="50000"/>
+            </a:schemeClr>
+          </a:lnRef>
+          <a:fillRef idx="1">
+            <a:schemeClr val="accent1"/>
+          </a:fillRef>
+          <a:effectRef idx="0">
+            <a:schemeClr val="accent1"/>
+          </a:effectRef>
+          <a:fontRef idx="minor">
+            <a:schemeClr val="lt1"/>
+          </a:fontRef>
+        </p:style>
+        <p:txBody>
+          <a:bodyPr rtlCol="0" anchor="ctr"/>
+          <a:lstStyle/>
+          <a:p>
+            <a:pPr marL="0" marR="0" lvl="0" indent="0" algn="ctr" defTabSz="914400" rtl="0" eaLnBrk="1" fontAlgn="auto" latinLnBrk="0" hangingPunct="1">
+              <a:lnSpc>
+                <a:spcPct val="100000"/>
+              </a:lnSpc>
+              <a:spcBef>
+                <a:spcPts val="0"/>
+              </a:spcBef>
+              <a:spcAft>
+                <a:spcPts val="0"/>
+              </a:spcAft>
+              <a:buClrTx/>
+              <a:buSzTx/>
+              <a:buFontTx/>
+              <a:buNone/>
+              <a:tabLst/>
+              <a:defRPr/>
+            </a:pPr>
+            <a:endParaRPr kumimoji="0" lang="en-US" sz="1800" b="0" i="0" u="none" strike="noStrike" kern="1200" cap="none" spc="0" normalizeH="0" baseline="0" noProof="0">
+              <a:ln>
+                <a:noFill/>
+              </a:ln>
+              <a:solidFill>
+                <a:prstClr val="white"/>
+              </a:solidFill>
+              <a:effectLst/>
+              <a:uLnTx/>
+              <a:uFillTx/>
+              <a:latin typeface="Calibri" panose="020F0502020204030204"/>
+              <a:ea typeface="+mn-ea"/>
+              <a:cs typeface="+mn-cs"/>
+            </a:endParaRPr>
+          </a:p>
+        </p:txBody>
+      </p:sp>
+      <p:sp>
+        <p:nvSpPr>
           <p:cNvPr id="2" name="Title 1">
             <a:extLst>
               <a:ext uri="{FF2B5EF4-FFF2-40B4-BE49-F238E27FC236}">
@@ -3358,12 +6781,22 @@
             <p:ph type="ctrTitle"/>
           </p:nvPr>
         </p:nvSpPr>
-        <p:spPr/>
+        <p:spPr>
+          <a:xfrm>
+            <a:off x="6257047" y="795509"/>
+            <a:ext cx="5037616" cy="3011340"/>
+          </a:xfrm>
+        </p:spPr>
         <p:txBody>
-          <a:bodyPr/>
+          <a:bodyPr>
+            <a:normAutofit/>
+          </a:bodyPr>
           <a:lstStyle/>
           <a:p>
-            <a:endParaRPr lang="en-DK"/>
+            <a:r>
+              <a:rPr lang="en-DK" dirty="0"/>
+              <a:t>A tour guide for the lambda zoo</a:t>
+            </a:r>
           </a:p>
         </p:txBody>
       </p:sp>
@@ -3383,12 +6816,134 @@
             <p:ph type="subTitle" idx="1"/>
           </p:nvPr>
         </p:nvSpPr>
-        <p:spPr/>
+        <p:spPr>
+          <a:xfrm>
+            <a:off x="6257047" y="3898924"/>
+            <a:ext cx="5037616" cy="1777878"/>
+          </a:xfrm>
+        </p:spPr>
         <p:txBody>
-          <a:bodyPr/>
+          <a:bodyPr>
+            <a:normAutofit/>
+          </a:bodyPr>
           <a:lstStyle/>
           <a:p>
-            <a:endParaRPr lang="en-DK"/>
+            <a:r>
+              <a:rPr lang="en-DK" dirty="0"/>
+              <a:t>Made by:</a:t>
+            </a:r>
+            <a:br>
+              <a:rPr lang="en-DK" dirty="0"/>
+            </a:br>
+            <a:r>
+              <a:rPr lang="en-DK" dirty="0"/>
+              <a:t>Anders Keller Poulsen s204423</a:t>
+            </a:r>
+          </a:p>
+          <a:p>
+            <a:r>
+              <a:rPr lang="en-DK" dirty="0"/>
+              <a:t>&amp;</a:t>
+            </a:r>
+          </a:p>
+          <a:p>
+            <a:r>
+              <a:rPr lang="en-DK" dirty="0"/>
+              <a:t>Mathias Rerup-Dyberg s204452</a:t>
+            </a:r>
+          </a:p>
+        </p:txBody>
+      </p:sp>
+      <p:sp>
+        <p:nvSpPr>
+          <p:cNvPr id="13" name="Arc 12">
+            <a:extLst>
+              <a:ext uri="{FF2B5EF4-FFF2-40B4-BE49-F238E27FC236}">
+                <a16:creationId xmlns:a16="http://schemas.microsoft.com/office/drawing/2014/main" id="{DCFDFFB9-D302-4A05-A770-D33232254722}"/>
+              </a:ext>
+              <a:ext uri="{C183D7F6-B498-43B3-948B-1728B52AA6E4}">
+                <adec:decorative xmlns:adec="http://schemas.microsoft.com/office/drawing/2017/decorative" val="1"/>
+              </a:ext>
+            </a:extLst>
+          </p:cNvPr>
+          <p:cNvSpPr>
+            <a:spLocks noGrp="1" noRot="1" noChangeAspect="1" noMove="1" noResize="1" noEditPoints="1" noAdjustHandles="1" noChangeArrowheads="1" noChangeShapeType="1" noTextEdit="1"/>
+          </p:cNvSpPr>
+          <p:nvPr>
+            <p:extLst>
+              <p:ext uri="{386F3935-93C4-4BCD-93E2-E3B085C9AB24}">
+                <p16:designElem xmlns:p16="http://schemas.microsoft.com/office/powerpoint/2015/main" val="1"/>
+              </p:ext>
+            </p:extLst>
+          </p:nvPr>
+        </p:nvSpPr>
+        <p:spPr>
+          <a:xfrm>
+            <a:off x="8306764" y="906791"/>
+            <a:ext cx="2987899" cy="2987899"/>
+          </a:xfrm>
+          <a:prstGeom prst="arc">
+            <a:avLst>
+              <a:gd name="adj1" fmla="val 16200000"/>
+              <a:gd name="adj2" fmla="val 114657"/>
+            </a:avLst>
+          </a:prstGeom>
+          <a:ln w="127000" cap="rnd">
+            <a:solidFill>
+              <a:schemeClr val="accent4"/>
+            </a:solidFill>
+            <a:prstDash val="dash"/>
+          </a:ln>
+        </p:spPr>
+        <p:style>
+          <a:lnRef idx="1">
+            <a:schemeClr val="accent1"/>
+          </a:lnRef>
+          <a:fillRef idx="0">
+            <a:schemeClr val="accent1"/>
+          </a:fillRef>
+          <a:effectRef idx="0">
+            <a:schemeClr val="accent1"/>
+          </a:effectRef>
+          <a:fontRef idx="minor">
+            <a:schemeClr val="tx1"/>
+          </a:fontRef>
+        </p:style>
+        <p:txBody>
+          <a:bodyPr rtlCol="0" anchor="ctr"/>
+          <a:lstStyle/>
+          <a:p>
+            <a:pPr marL="0" marR="0" lvl="0" indent="0" algn="ctr" defTabSz="914400" rtl="0" eaLnBrk="1" fontAlgn="auto" latinLnBrk="0" hangingPunct="1">
+              <a:lnSpc>
+                <a:spcPct val="100000"/>
+              </a:lnSpc>
+              <a:spcBef>
+                <a:spcPts val="0"/>
+              </a:spcBef>
+              <a:spcAft>
+                <a:spcPts val="0"/>
+              </a:spcAft>
+              <a:buClrTx/>
+              <a:buSzTx/>
+              <a:buFontTx/>
+              <a:buNone/>
+              <a:tabLst/>
+              <a:defRPr/>
+            </a:pPr>
+            <a:endParaRPr kumimoji="0" lang="en-US" sz="1800" b="0" i="0" u="none" strike="noStrike" kern="1200" cap="none" spc="0" normalizeH="0" baseline="0" noProof="0">
+              <a:ln>
+                <a:noFill/>
+              </a:ln>
+              <a:solidFill>
+                <a:srgbClr val="000000"/>
+              </a:solidFill>
+              <a:effectLst/>
+              <a:uLnTx/>
+              <a:uFillTx/>
+              <a:latin typeface="Calibri" panose="020F0502020204030204"/>
+              <a:ea typeface="+mn-ea"/>
+              <a:cs typeface="+mn-cs"/>
+            </a:endParaRPr>
           </a:p>
         </p:txBody>
       </p:sp>
@@ -3405,151 +6960,2669 @@
 </p:sld>
 </file>
 
+<file path=ppt/slides/slide2.xml><?xml version="1.0" encoding="utf-8"?>
+<p:sld xmlns:a="http://schemas.openxmlformats.org/drawingml/2006/main" xmlns:r="http://schemas.openxmlformats.org/officeDocument/2006/relationships" xmlns:p="http://schemas.openxmlformats.org/presentationml/2006/main" showMasterSp="0">
+  <p:cSld>
+    <p:bg>
+      <p:bgPr>
+        <a:solidFill>
+          <a:schemeClr val="tx1"/>
+        </a:solidFill>
+        <a:effectLst/>
+      </p:bgPr>
+    </p:bg>
+    <p:spTree>
+      <p:nvGrpSpPr>
+        <p:cNvPr id="1" name=""/>
+        <p:cNvGrpSpPr/>
+        <p:nvPr/>
+      </p:nvGrpSpPr>
+      <p:grpSpPr>
+        <a:xfrm>
+          <a:off x="0" y="0"/>
+          <a:ext cx="0" cy="0"/>
+          <a:chOff x="0" y="0"/>
+          <a:chExt cx="0" cy="0"/>
+        </a:xfrm>
+      </p:grpSpPr>
+      <p:sp>
+        <p:nvSpPr>
+          <p:cNvPr id="30" name="Rounded Rectangle 29">
+            <a:extLst>
+              <a:ext uri="{FF2B5EF4-FFF2-40B4-BE49-F238E27FC236}">
+                <a16:creationId xmlns:a16="http://schemas.microsoft.com/office/drawing/2014/main" id="{96F59102-8771-B240-9C67-5CCC6DA1B1C4}"/>
+              </a:ext>
+            </a:extLst>
+          </p:cNvPr>
+          <p:cNvSpPr/>
+          <p:nvPr/>
+        </p:nvSpPr>
+        <p:spPr>
+          <a:xfrm>
+            <a:off x="447261" y="3044539"/>
+            <a:ext cx="2683566" cy="3558209"/>
+          </a:xfrm>
+          <a:prstGeom prst="roundRect">
+            <a:avLst/>
+          </a:prstGeom>
+          <a:solidFill>
+            <a:schemeClr val="accent5"/>
+          </a:solidFill>
+        </p:spPr>
+        <p:style>
+          <a:lnRef idx="2">
+            <a:schemeClr val="dk1"/>
+          </a:lnRef>
+          <a:fillRef idx="1">
+            <a:schemeClr val="lt1"/>
+          </a:fillRef>
+          <a:effectRef idx="0">
+            <a:schemeClr val="dk1"/>
+          </a:effectRef>
+          <a:fontRef idx="minor">
+            <a:schemeClr val="dk1"/>
+          </a:fontRef>
+        </p:style>
+        <p:txBody>
+          <a:bodyPr rtlCol="0" anchor="ctr"/>
+          <a:lstStyle/>
+          <a:p>
+            <a:pPr algn="ctr"/>
+            <a:endParaRPr lang="en-DK">
+              <a:solidFill>
+                <a:sysClr val="windowText" lastClr="000000"/>
+              </a:solidFill>
+            </a:endParaRPr>
+          </a:p>
+        </p:txBody>
+      </p:sp>
+      <p:sp>
+        <p:nvSpPr>
+          <p:cNvPr id="2" name="TextBox 1">
+            <a:extLst>
+              <a:ext uri="{FF2B5EF4-FFF2-40B4-BE49-F238E27FC236}">
+                <a16:creationId xmlns:a16="http://schemas.microsoft.com/office/drawing/2014/main" id="{34C5D3B4-3671-4048-AAEA-B2FEA0A213D3}"/>
+              </a:ext>
+            </a:extLst>
+          </p:cNvPr>
+          <p:cNvSpPr txBox="1"/>
+          <p:nvPr/>
+        </p:nvSpPr>
+        <p:spPr>
+          <a:xfrm>
+            <a:off x="447261" y="636103"/>
+            <a:ext cx="3747052" cy="923330"/>
+          </a:xfrm>
+          <a:prstGeom prst="rect">
+            <a:avLst/>
+          </a:prstGeom>
+          <a:noFill/>
+        </p:spPr>
+        <p:txBody>
+          <a:bodyPr wrap="square" rtlCol="0">
+            <a:spAutoFit/>
+          </a:bodyPr>
+          <a:lstStyle/>
+          <a:p>
+            <a:r>
+              <a:rPr lang="en-DK" sz="5400" dirty="0">
+                <a:solidFill>
+                  <a:schemeClr val="bg1"/>
+                </a:solidFill>
+                <a:latin typeface="Times New Roman" panose="02020603050405020304" pitchFamily="18" charset="0"/>
+                <a:cs typeface="Times New Roman" panose="02020603050405020304" pitchFamily="18" charset="0"/>
+              </a:rPr>
+              <a:t>Agenda</a:t>
+            </a:r>
+            <a:endParaRPr lang="en-DK" dirty="0">
+              <a:solidFill>
+                <a:schemeClr val="bg1"/>
+              </a:solidFill>
+              <a:latin typeface="Times New Roman" panose="02020603050405020304" pitchFamily="18" charset="0"/>
+              <a:cs typeface="Times New Roman" panose="02020603050405020304" pitchFamily="18" charset="0"/>
+            </a:endParaRPr>
+          </a:p>
+        </p:txBody>
+      </p:sp>
+      <p:grpSp>
+        <p:nvGrpSpPr>
+          <p:cNvPr id="5" name="Group 4">
+            <a:extLst>
+              <a:ext uri="{FF2B5EF4-FFF2-40B4-BE49-F238E27FC236}">
+                <a16:creationId xmlns:a16="http://schemas.microsoft.com/office/drawing/2014/main" id="{30426B00-8B76-E546-A8A5-25BA0D36F6E5}"/>
+              </a:ext>
+            </a:extLst>
+          </p:cNvPr>
+          <p:cNvGrpSpPr/>
+          <p:nvPr/>
+        </p:nvGrpSpPr>
+        <p:grpSpPr>
+          <a:xfrm>
+            <a:off x="3342861" y="3134139"/>
+            <a:ext cx="2643809" cy="3468609"/>
+            <a:chOff x="546652" y="2981739"/>
+            <a:chExt cx="2643809" cy="3468609"/>
+          </a:xfrm>
+        </p:grpSpPr>
+        <p:sp>
+          <p:nvSpPr>
+            <p:cNvPr id="3" name="TextBox 2">
+              <a:extLst>
+                <a:ext uri="{FF2B5EF4-FFF2-40B4-BE49-F238E27FC236}">
+                  <a16:creationId xmlns:a16="http://schemas.microsoft.com/office/drawing/2014/main" id="{C579D1C3-419E-0E4D-B60B-A5E03A6BF26E}"/>
+                </a:ext>
+              </a:extLst>
+            </p:cNvPr>
+            <p:cNvSpPr txBox="1"/>
+            <p:nvPr/>
+          </p:nvSpPr>
+          <p:spPr>
+            <a:xfrm>
+              <a:off x="546652" y="2981739"/>
+              <a:ext cx="1679713" cy="369332"/>
+            </a:xfrm>
+            <a:prstGeom prst="rect">
+              <a:avLst/>
+            </a:prstGeom>
+            <a:noFill/>
+          </p:spPr>
+          <p:txBody>
+            <a:bodyPr wrap="square" rtlCol="0">
+              <a:spAutoFit/>
+            </a:bodyPr>
+            <a:lstStyle/>
+            <a:p>
+              <a:r>
+                <a:rPr lang="en-DK" dirty="0">
+                  <a:solidFill>
+                    <a:sysClr val="windowText" lastClr="000000"/>
+                  </a:solidFill>
+                </a:rPr>
+                <a:t>Introduction</a:t>
+              </a:r>
+            </a:p>
+          </p:txBody>
+        </p:sp>
+        <p:sp>
+          <p:nvSpPr>
+            <p:cNvPr id="4" name="TextBox 3">
+              <a:extLst>
+                <a:ext uri="{FF2B5EF4-FFF2-40B4-BE49-F238E27FC236}">
+                  <a16:creationId xmlns:a16="http://schemas.microsoft.com/office/drawing/2014/main" id="{96021173-4AE3-F746-8190-9C7AA16A549F}"/>
+                </a:ext>
+              </a:extLst>
+            </p:cNvPr>
+            <p:cNvSpPr txBox="1"/>
+            <p:nvPr/>
+          </p:nvSpPr>
+          <p:spPr>
+            <a:xfrm>
+              <a:off x="546652" y="3588026"/>
+              <a:ext cx="2643809" cy="2862322"/>
+            </a:xfrm>
+            <a:prstGeom prst="rect">
+              <a:avLst/>
+            </a:prstGeom>
+            <a:noFill/>
+          </p:spPr>
+          <p:txBody>
+            <a:bodyPr wrap="square" rtlCol="0">
+              <a:spAutoFit/>
+            </a:bodyPr>
+            <a:lstStyle/>
+            <a:p>
+              <a:r>
+                <a:rPr lang="en-DK" dirty="0">
+                  <a:solidFill>
+                    <a:sysClr val="windowText" lastClr="000000"/>
+                  </a:solidFill>
+                </a:rPr>
+                <a:t>This is some place holder text about introduction!</a:t>
+              </a:r>
+            </a:p>
+            <a:p>
+              <a:r>
+                <a:rPr lang="en-DK" dirty="0">
+                  <a:solidFill>
+                    <a:sysClr val="windowText" lastClr="000000"/>
+                  </a:solidFill>
+                </a:rPr>
+                <a:t>This is some place hThis is some place holder text about introduction!</a:t>
+              </a:r>
+            </a:p>
+            <a:p>
+              <a:r>
+                <a:rPr lang="en-DK" dirty="0">
+                  <a:solidFill>
+                    <a:sysClr val="windowText" lastClr="000000"/>
+                  </a:solidFill>
+                </a:rPr>
+                <a:t>older text about introduction!</a:t>
+              </a:r>
+            </a:p>
+            <a:p>
+              <a:endParaRPr lang="en-DK" dirty="0">
+                <a:solidFill>
+                  <a:sysClr val="windowText" lastClr="000000"/>
+                </a:solidFill>
+              </a:endParaRPr>
+            </a:p>
+          </p:txBody>
+        </p:sp>
+      </p:grpSp>
+      <p:grpSp>
+        <p:nvGrpSpPr>
+          <p:cNvPr id="21" name="Group 20">
+            <a:extLst>
+              <a:ext uri="{FF2B5EF4-FFF2-40B4-BE49-F238E27FC236}">
+                <a16:creationId xmlns:a16="http://schemas.microsoft.com/office/drawing/2014/main" id="{E8B886AD-246B-0744-BE9C-304681805472}"/>
+              </a:ext>
+            </a:extLst>
+          </p:cNvPr>
+          <p:cNvGrpSpPr/>
+          <p:nvPr/>
+        </p:nvGrpSpPr>
+        <p:grpSpPr>
+          <a:xfrm>
+            <a:off x="699052" y="3134139"/>
+            <a:ext cx="2643809" cy="3468609"/>
+            <a:chOff x="546652" y="2981739"/>
+            <a:chExt cx="2643809" cy="3468609"/>
+          </a:xfrm>
+        </p:grpSpPr>
+        <p:sp>
+          <p:nvSpPr>
+            <p:cNvPr id="22" name="TextBox 21">
+              <a:extLst>
+                <a:ext uri="{FF2B5EF4-FFF2-40B4-BE49-F238E27FC236}">
+                  <a16:creationId xmlns:a16="http://schemas.microsoft.com/office/drawing/2014/main" id="{F506E6CB-8B89-FA4D-B441-64F74DD661E1}"/>
+                </a:ext>
+              </a:extLst>
+            </p:cNvPr>
+            <p:cNvSpPr txBox="1"/>
+            <p:nvPr/>
+          </p:nvSpPr>
+          <p:spPr>
+            <a:xfrm>
+              <a:off x="546652" y="2981739"/>
+              <a:ext cx="1679713" cy="369332"/>
+            </a:xfrm>
+            <a:prstGeom prst="rect">
+              <a:avLst/>
+            </a:prstGeom>
+            <a:noFill/>
+          </p:spPr>
+          <p:txBody>
+            <a:bodyPr wrap="square" rtlCol="0">
+              <a:spAutoFit/>
+            </a:bodyPr>
+            <a:lstStyle/>
+            <a:p>
+              <a:r>
+                <a:rPr lang="en-DK" dirty="0">
+                  <a:solidFill>
+                    <a:sysClr val="windowText" lastClr="000000"/>
+                  </a:solidFill>
+                </a:rPr>
+                <a:t>Introduction</a:t>
+              </a:r>
+            </a:p>
+          </p:txBody>
+        </p:sp>
+        <p:sp>
+          <p:nvSpPr>
+            <p:cNvPr id="23" name="TextBox 22">
+              <a:extLst>
+                <a:ext uri="{FF2B5EF4-FFF2-40B4-BE49-F238E27FC236}">
+                  <a16:creationId xmlns:a16="http://schemas.microsoft.com/office/drawing/2014/main" id="{A79A69D6-7E7D-2147-AAD0-0538483B3E92}"/>
+                </a:ext>
+              </a:extLst>
+            </p:cNvPr>
+            <p:cNvSpPr txBox="1"/>
+            <p:nvPr/>
+          </p:nvSpPr>
+          <p:spPr>
+            <a:xfrm>
+              <a:off x="546652" y="3588026"/>
+              <a:ext cx="2643809" cy="2862322"/>
+            </a:xfrm>
+            <a:prstGeom prst="rect">
+              <a:avLst/>
+            </a:prstGeom>
+            <a:noFill/>
+          </p:spPr>
+          <p:txBody>
+            <a:bodyPr wrap="square" rtlCol="0">
+              <a:spAutoFit/>
+            </a:bodyPr>
+            <a:lstStyle/>
+            <a:p>
+              <a:r>
+                <a:rPr lang="en-DK" dirty="0">
+                  <a:solidFill>
+                    <a:sysClr val="windowText" lastClr="000000"/>
+                  </a:solidFill>
+                </a:rPr>
+                <a:t>This is some place holder text about introduction!</a:t>
+              </a:r>
+            </a:p>
+            <a:p>
+              <a:r>
+                <a:rPr lang="en-DK" dirty="0">
+                  <a:solidFill>
+                    <a:sysClr val="windowText" lastClr="000000"/>
+                  </a:solidFill>
+                </a:rPr>
+                <a:t>This is some place hThis is some place holder text about introduction!</a:t>
+              </a:r>
+            </a:p>
+            <a:p>
+              <a:r>
+                <a:rPr lang="en-DK" dirty="0">
+                  <a:solidFill>
+                    <a:sysClr val="windowText" lastClr="000000"/>
+                  </a:solidFill>
+                </a:rPr>
+                <a:t>older text about introduction!</a:t>
+              </a:r>
+            </a:p>
+            <a:p>
+              <a:endParaRPr lang="en-DK" dirty="0">
+                <a:solidFill>
+                  <a:sysClr val="windowText" lastClr="000000"/>
+                </a:solidFill>
+              </a:endParaRPr>
+            </a:p>
+          </p:txBody>
+        </p:sp>
+      </p:grpSp>
+      <p:grpSp>
+        <p:nvGrpSpPr>
+          <p:cNvPr id="24" name="Group 23">
+            <a:extLst>
+              <a:ext uri="{FF2B5EF4-FFF2-40B4-BE49-F238E27FC236}">
+                <a16:creationId xmlns:a16="http://schemas.microsoft.com/office/drawing/2014/main" id="{C1A68525-2E69-D643-8A41-850B57FC8A83}"/>
+              </a:ext>
+            </a:extLst>
+          </p:cNvPr>
+          <p:cNvGrpSpPr/>
+          <p:nvPr/>
+        </p:nvGrpSpPr>
+        <p:grpSpPr>
+          <a:xfrm>
+            <a:off x="5845866" y="3134139"/>
+            <a:ext cx="2643809" cy="3468609"/>
+            <a:chOff x="546652" y="2981739"/>
+            <a:chExt cx="2643809" cy="3468609"/>
+          </a:xfrm>
+        </p:grpSpPr>
+        <p:sp>
+          <p:nvSpPr>
+            <p:cNvPr id="25" name="TextBox 24">
+              <a:extLst>
+                <a:ext uri="{FF2B5EF4-FFF2-40B4-BE49-F238E27FC236}">
+                  <a16:creationId xmlns:a16="http://schemas.microsoft.com/office/drawing/2014/main" id="{C6BD0B94-AC92-FA47-93E4-D39AF2E6F4BA}"/>
+                </a:ext>
+              </a:extLst>
+            </p:cNvPr>
+            <p:cNvSpPr txBox="1"/>
+            <p:nvPr/>
+          </p:nvSpPr>
+          <p:spPr>
+            <a:xfrm>
+              <a:off x="546652" y="2981739"/>
+              <a:ext cx="1679713" cy="369332"/>
+            </a:xfrm>
+            <a:prstGeom prst="rect">
+              <a:avLst/>
+            </a:prstGeom>
+            <a:noFill/>
+          </p:spPr>
+          <p:txBody>
+            <a:bodyPr wrap="square" rtlCol="0">
+              <a:spAutoFit/>
+            </a:bodyPr>
+            <a:lstStyle/>
+            <a:p>
+              <a:r>
+                <a:rPr lang="en-DK" dirty="0">
+                  <a:solidFill>
+                    <a:sysClr val="windowText" lastClr="000000"/>
+                  </a:solidFill>
+                </a:rPr>
+                <a:t>Introduction</a:t>
+              </a:r>
+            </a:p>
+          </p:txBody>
+        </p:sp>
+        <p:sp>
+          <p:nvSpPr>
+            <p:cNvPr id="26" name="TextBox 25">
+              <a:extLst>
+                <a:ext uri="{FF2B5EF4-FFF2-40B4-BE49-F238E27FC236}">
+                  <a16:creationId xmlns:a16="http://schemas.microsoft.com/office/drawing/2014/main" id="{58145944-00C6-E149-B0EF-A8B0AC24F784}"/>
+                </a:ext>
+              </a:extLst>
+            </p:cNvPr>
+            <p:cNvSpPr txBox="1"/>
+            <p:nvPr/>
+          </p:nvSpPr>
+          <p:spPr>
+            <a:xfrm>
+              <a:off x="546652" y="3588026"/>
+              <a:ext cx="2643809" cy="2862322"/>
+            </a:xfrm>
+            <a:prstGeom prst="rect">
+              <a:avLst/>
+            </a:prstGeom>
+            <a:noFill/>
+          </p:spPr>
+          <p:txBody>
+            <a:bodyPr wrap="square" rtlCol="0">
+              <a:spAutoFit/>
+            </a:bodyPr>
+            <a:lstStyle/>
+            <a:p>
+              <a:r>
+                <a:rPr lang="en-DK" dirty="0">
+                  <a:solidFill>
+                    <a:sysClr val="windowText" lastClr="000000"/>
+                  </a:solidFill>
+                </a:rPr>
+                <a:t>This is some place holder text about introduction!</a:t>
+              </a:r>
+            </a:p>
+            <a:p>
+              <a:r>
+                <a:rPr lang="en-DK" dirty="0">
+                  <a:solidFill>
+                    <a:sysClr val="windowText" lastClr="000000"/>
+                  </a:solidFill>
+                </a:rPr>
+                <a:t>This is some place hThis is some place holder text about introduction!</a:t>
+              </a:r>
+            </a:p>
+            <a:p>
+              <a:r>
+                <a:rPr lang="en-DK" dirty="0">
+                  <a:solidFill>
+                    <a:sysClr val="windowText" lastClr="000000"/>
+                  </a:solidFill>
+                </a:rPr>
+                <a:t>older text about introduction!</a:t>
+              </a:r>
+            </a:p>
+            <a:p>
+              <a:endParaRPr lang="en-DK" dirty="0">
+                <a:solidFill>
+                  <a:sysClr val="windowText" lastClr="000000"/>
+                </a:solidFill>
+              </a:endParaRPr>
+            </a:p>
+          </p:txBody>
+        </p:sp>
+      </p:grpSp>
+      <p:grpSp>
+        <p:nvGrpSpPr>
+          <p:cNvPr id="27" name="Group 26">
+            <a:extLst>
+              <a:ext uri="{FF2B5EF4-FFF2-40B4-BE49-F238E27FC236}">
+                <a16:creationId xmlns:a16="http://schemas.microsoft.com/office/drawing/2014/main" id="{E0F42FBD-2C49-6740-9405-142C80107A2E}"/>
+              </a:ext>
+            </a:extLst>
+          </p:cNvPr>
+          <p:cNvGrpSpPr/>
+          <p:nvPr/>
+        </p:nvGrpSpPr>
+        <p:grpSpPr>
+          <a:xfrm>
+            <a:off x="8348871" y="3134139"/>
+            <a:ext cx="2643809" cy="3468609"/>
+            <a:chOff x="546652" y="2981739"/>
+            <a:chExt cx="2643809" cy="3468609"/>
+          </a:xfrm>
+        </p:grpSpPr>
+        <p:sp>
+          <p:nvSpPr>
+            <p:cNvPr id="28" name="TextBox 27">
+              <a:extLst>
+                <a:ext uri="{FF2B5EF4-FFF2-40B4-BE49-F238E27FC236}">
+                  <a16:creationId xmlns:a16="http://schemas.microsoft.com/office/drawing/2014/main" id="{A3121A03-0B32-8840-84F2-5FA73682D988}"/>
+                </a:ext>
+              </a:extLst>
+            </p:cNvPr>
+            <p:cNvSpPr txBox="1"/>
+            <p:nvPr/>
+          </p:nvSpPr>
+          <p:spPr>
+            <a:xfrm>
+              <a:off x="546652" y="2981739"/>
+              <a:ext cx="1679713" cy="369332"/>
+            </a:xfrm>
+            <a:prstGeom prst="rect">
+              <a:avLst/>
+            </a:prstGeom>
+            <a:noFill/>
+          </p:spPr>
+          <p:txBody>
+            <a:bodyPr wrap="square" rtlCol="0">
+              <a:spAutoFit/>
+            </a:bodyPr>
+            <a:lstStyle/>
+            <a:p>
+              <a:r>
+                <a:rPr lang="en-DK" dirty="0">
+                  <a:solidFill>
+                    <a:sysClr val="windowText" lastClr="000000"/>
+                  </a:solidFill>
+                </a:rPr>
+                <a:t>Introduction</a:t>
+              </a:r>
+            </a:p>
+          </p:txBody>
+        </p:sp>
+        <p:sp>
+          <p:nvSpPr>
+            <p:cNvPr id="29" name="TextBox 28">
+              <a:extLst>
+                <a:ext uri="{FF2B5EF4-FFF2-40B4-BE49-F238E27FC236}">
+                  <a16:creationId xmlns:a16="http://schemas.microsoft.com/office/drawing/2014/main" id="{CBB4B536-26CE-154C-AAFD-A3461744F369}"/>
+                </a:ext>
+              </a:extLst>
+            </p:cNvPr>
+            <p:cNvSpPr txBox="1"/>
+            <p:nvPr/>
+          </p:nvSpPr>
+          <p:spPr>
+            <a:xfrm>
+              <a:off x="546652" y="3588026"/>
+              <a:ext cx="2643809" cy="2862322"/>
+            </a:xfrm>
+            <a:prstGeom prst="rect">
+              <a:avLst/>
+            </a:prstGeom>
+            <a:noFill/>
+          </p:spPr>
+          <p:txBody>
+            <a:bodyPr wrap="square" rtlCol="0">
+              <a:spAutoFit/>
+            </a:bodyPr>
+            <a:lstStyle/>
+            <a:p>
+              <a:r>
+                <a:rPr lang="en-DK" dirty="0">
+                  <a:solidFill>
+                    <a:sysClr val="windowText" lastClr="000000"/>
+                  </a:solidFill>
+                </a:rPr>
+                <a:t>This is some place holder text about introduction!</a:t>
+              </a:r>
+            </a:p>
+            <a:p>
+              <a:r>
+                <a:rPr lang="en-DK" dirty="0">
+                  <a:solidFill>
+                    <a:sysClr val="windowText" lastClr="000000"/>
+                  </a:solidFill>
+                </a:rPr>
+                <a:t>This is some place hThis is some place holder text about introduction!</a:t>
+              </a:r>
+            </a:p>
+            <a:p>
+              <a:r>
+                <a:rPr lang="en-DK" dirty="0">
+                  <a:solidFill>
+                    <a:sysClr val="windowText" lastClr="000000"/>
+                  </a:solidFill>
+                </a:rPr>
+                <a:t>older text about introduction!</a:t>
+              </a:r>
+            </a:p>
+            <a:p>
+              <a:endParaRPr lang="en-DK" dirty="0">
+                <a:solidFill>
+                  <a:sysClr val="windowText" lastClr="000000"/>
+                </a:solidFill>
+              </a:endParaRPr>
+            </a:p>
+          </p:txBody>
+        </p:sp>
+      </p:grpSp>
+    </p:spTree>
+    <p:extLst>
+      <p:ext uri="{BB962C8B-B14F-4D97-AF65-F5344CB8AC3E}">
+        <p14:creationId xmlns:p14="http://schemas.microsoft.com/office/powerpoint/2010/main" val="285985092"/>
+      </p:ext>
+    </p:extLst>
+  </p:cSld>
+  <p:clrMapOvr>
+    <a:masterClrMapping/>
+  </p:clrMapOvr>
+  <mc:AlternateContent xmlns:mc="http://schemas.openxmlformats.org/markup-compatibility/2006">
+    <mc:Choice xmlns:p159="http://schemas.microsoft.com/office/powerpoint/2015/09/main" Requires="p159">
+      <p:transition xmlns:p14="http://schemas.microsoft.com/office/powerpoint/2010/main" spd="slow" p14:dur="2000">
+        <p159:morph option="byObject"/>
+      </p:transition>
+    </mc:Choice>
+    <mc:Fallback>
+      <p:transition spd="slow">
+        <p:fade/>
+      </p:transition>
+    </mc:Fallback>
+  </mc:AlternateContent>
+</p:sld>
+</file>
+
+<file path=ppt/slides/slide3.xml><?xml version="1.0" encoding="utf-8"?>
+<p:sld xmlns:a="http://schemas.openxmlformats.org/drawingml/2006/main" xmlns:r="http://schemas.openxmlformats.org/officeDocument/2006/relationships" xmlns:p="http://schemas.openxmlformats.org/presentationml/2006/main" showMasterSp="0">
+  <p:cSld>
+    <p:bg>
+      <p:bgPr>
+        <a:solidFill>
+          <a:schemeClr val="tx1"/>
+        </a:solidFill>
+        <a:effectLst/>
+      </p:bgPr>
+    </p:bg>
+    <p:spTree>
+      <p:nvGrpSpPr>
+        <p:cNvPr id="1" name=""/>
+        <p:cNvGrpSpPr/>
+        <p:nvPr/>
+      </p:nvGrpSpPr>
+      <p:grpSpPr>
+        <a:xfrm>
+          <a:off x="0" y="0"/>
+          <a:ext cx="0" cy="0"/>
+          <a:chOff x="0" y="0"/>
+          <a:chExt cx="0" cy="0"/>
+        </a:xfrm>
+      </p:grpSpPr>
+      <p:sp>
+        <p:nvSpPr>
+          <p:cNvPr id="30" name="Rounded Rectangle 29">
+            <a:extLst>
+              <a:ext uri="{FF2B5EF4-FFF2-40B4-BE49-F238E27FC236}">
+                <a16:creationId xmlns:a16="http://schemas.microsoft.com/office/drawing/2014/main" id="{96F59102-8771-B240-9C67-5CCC6DA1B1C4}"/>
+              </a:ext>
+            </a:extLst>
+          </p:cNvPr>
+          <p:cNvSpPr/>
+          <p:nvPr/>
+        </p:nvSpPr>
+        <p:spPr>
+          <a:xfrm>
+            <a:off x="3021496" y="3039497"/>
+            <a:ext cx="2683566" cy="3558209"/>
+          </a:xfrm>
+          <a:prstGeom prst="roundRect">
+            <a:avLst/>
+          </a:prstGeom>
+          <a:solidFill>
+            <a:schemeClr val="accent4"/>
+          </a:solidFill>
+        </p:spPr>
+        <p:style>
+          <a:lnRef idx="2">
+            <a:schemeClr val="dk1"/>
+          </a:lnRef>
+          <a:fillRef idx="1">
+            <a:schemeClr val="lt1"/>
+          </a:fillRef>
+          <a:effectRef idx="0">
+            <a:schemeClr val="dk1"/>
+          </a:effectRef>
+          <a:fontRef idx="minor">
+            <a:schemeClr val="dk1"/>
+          </a:fontRef>
+        </p:style>
+        <p:txBody>
+          <a:bodyPr rtlCol="0" anchor="ctr"/>
+          <a:lstStyle/>
+          <a:p>
+            <a:pPr algn="ctr"/>
+            <a:endParaRPr lang="en-DK">
+              <a:solidFill>
+                <a:sysClr val="windowText" lastClr="000000"/>
+              </a:solidFill>
+            </a:endParaRPr>
+          </a:p>
+        </p:txBody>
+      </p:sp>
+      <p:sp>
+        <p:nvSpPr>
+          <p:cNvPr id="2" name="TextBox 1">
+            <a:extLst>
+              <a:ext uri="{FF2B5EF4-FFF2-40B4-BE49-F238E27FC236}">
+                <a16:creationId xmlns:a16="http://schemas.microsoft.com/office/drawing/2014/main" id="{34C5D3B4-3671-4048-AAEA-B2FEA0A213D3}"/>
+              </a:ext>
+            </a:extLst>
+          </p:cNvPr>
+          <p:cNvSpPr txBox="1"/>
+          <p:nvPr/>
+        </p:nvSpPr>
+        <p:spPr>
+          <a:xfrm>
+            <a:off x="447261" y="636103"/>
+            <a:ext cx="3747052" cy="923330"/>
+          </a:xfrm>
+          <a:prstGeom prst="rect">
+            <a:avLst/>
+          </a:prstGeom>
+          <a:noFill/>
+        </p:spPr>
+        <p:txBody>
+          <a:bodyPr wrap="square" rtlCol="0">
+            <a:spAutoFit/>
+          </a:bodyPr>
+          <a:lstStyle/>
+          <a:p>
+            <a:r>
+              <a:rPr lang="en-DK" sz="5400" dirty="0">
+                <a:solidFill>
+                  <a:schemeClr val="bg1"/>
+                </a:solidFill>
+                <a:latin typeface="Times New Roman" panose="02020603050405020304" pitchFamily="18" charset="0"/>
+                <a:cs typeface="Times New Roman" panose="02020603050405020304" pitchFamily="18" charset="0"/>
+              </a:rPr>
+              <a:t>Agenda</a:t>
+            </a:r>
+            <a:endParaRPr lang="en-DK" dirty="0">
+              <a:solidFill>
+                <a:schemeClr val="bg1"/>
+              </a:solidFill>
+              <a:latin typeface="Times New Roman" panose="02020603050405020304" pitchFamily="18" charset="0"/>
+              <a:cs typeface="Times New Roman" panose="02020603050405020304" pitchFamily="18" charset="0"/>
+            </a:endParaRPr>
+          </a:p>
+        </p:txBody>
+      </p:sp>
+      <p:grpSp>
+        <p:nvGrpSpPr>
+          <p:cNvPr id="5" name="Group 4">
+            <a:extLst>
+              <a:ext uri="{FF2B5EF4-FFF2-40B4-BE49-F238E27FC236}">
+                <a16:creationId xmlns:a16="http://schemas.microsoft.com/office/drawing/2014/main" id="{30426B00-8B76-E546-A8A5-25BA0D36F6E5}"/>
+              </a:ext>
+            </a:extLst>
+          </p:cNvPr>
+          <p:cNvGrpSpPr/>
+          <p:nvPr/>
+        </p:nvGrpSpPr>
+        <p:grpSpPr>
+          <a:xfrm>
+            <a:off x="3342861" y="3134139"/>
+            <a:ext cx="2643809" cy="3468609"/>
+            <a:chOff x="546652" y="2981739"/>
+            <a:chExt cx="2643809" cy="3468609"/>
+          </a:xfrm>
+        </p:grpSpPr>
+        <p:sp>
+          <p:nvSpPr>
+            <p:cNvPr id="3" name="TextBox 2">
+              <a:extLst>
+                <a:ext uri="{FF2B5EF4-FFF2-40B4-BE49-F238E27FC236}">
+                  <a16:creationId xmlns:a16="http://schemas.microsoft.com/office/drawing/2014/main" id="{C579D1C3-419E-0E4D-B60B-A5E03A6BF26E}"/>
+                </a:ext>
+              </a:extLst>
+            </p:cNvPr>
+            <p:cNvSpPr txBox="1"/>
+            <p:nvPr/>
+          </p:nvSpPr>
+          <p:spPr>
+            <a:xfrm>
+              <a:off x="546652" y="2981739"/>
+              <a:ext cx="1679713" cy="369332"/>
+            </a:xfrm>
+            <a:prstGeom prst="rect">
+              <a:avLst/>
+            </a:prstGeom>
+            <a:noFill/>
+          </p:spPr>
+          <p:txBody>
+            <a:bodyPr wrap="square" rtlCol="0">
+              <a:spAutoFit/>
+            </a:bodyPr>
+            <a:lstStyle/>
+            <a:p>
+              <a:r>
+                <a:rPr lang="en-DK" dirty="0">
+                  <a:solidFill>
+                    <a:sysClr val="windowText" lastClr="000000"/>
+                  </a:solidFill>
+                </a:rPr>
+                <a:t>Introduction</a:t>
+              </a:r>
+            </a:p>
+          </p:txBody>
+        </p:sp>
+        <p:sp>
+          <p:nvSpPr>
+            <p:cNvPr id="4" name="TextBox 3">
+              <a:extLst>
+                <a:ext uri="{FF2B5EF4-FFF2-40B4-BE49-F238E27FC236}">
+                  <a16:creationId xmlns:a16="http://schemas.microsoft.com/office/drawing/2014/main" id="{96021173-4AE3-F746-8190-9C7AA16A549F}"/>
+                </a:ext>
+              </a:extLst>
+            </p:cNvPr>
+            <p:cNvSpPr txBox="1"/>
+            <p:nvPr/>
+          </p:nvSpPr>
+          <p:spPr>
+            <a:xfrm>
+              <a:off x="546652" y="3588026"/>
+              <a:ext cx="2643809" cy="2862322"/>
+            </a:xfrm>
+            <a:prstGeom prst="rect">
+              <a:avLst/>
+            </a:prstGeom>
+            <a:noFill/>
+          </p:spPr>
+          <p:txBody>
+            <a:bodyPr wrap="square" rtlCol="0">
+              <a:spAutoFit/>
+            </a:bodyPr>
+            <a:lstStyle/>
+            <a:p>
+              <a:r>
+                <a:rPr lang="en-DK" dirty="0">
+                  <a:solidFill>
+                    <a:sysClr val="windowText" lastClr="000000"/>
+                  </a:solidFill>
+                </a:rPr>
+                <a:t>This is some place holder text about introduction!</a:t>
+              </a:r>
+            </a:p>
+            <a:p>
+              <a:r>
+                <a:rPr lang="en-DK" dirty="0">
+                  <a:solidFill>
+                    <a:sysClr val="windowText" lastClr="000000"/>
+                  </a:solidFill>
+                </a:rPr>
+                <a:t>This is some place hThis is some place holder text about introduction!</a:t>
+              </a:r>
+            </a:p>
+            <a:p>
+              <a:r>
+                <a:rPr lang="en-DK" dirty="0">
+                  <a:solidFill>
+                    <a:sysClr val="windowText" lastClr="000000"/>
+                  </a:solidFill>
+                </a:rPr>
+                <a:t>older text about introduction!</a:t>
+              </a:r>
+            </a:p>
+            <a:p>
+              <a:endParaRPr lang="en-DK" dirty="0">
+                <a:solidFill>
+                  <a:sysClr val="windowText" lastClr="000000"/>
+                </a:solidFill>
+              </a:endParaRPr>
+            </a:p>
+          </p:txBody>
+        </p:sp>
+      </p:grpSp>
+      <p:grpSp>
+        <p:nvGrpSpPr>
+          <p:cNvPr id="21" name="Group 20">
+            <a:extLst>
+              <a:ext uri="{FF2B5EF4-FFF2-40B4-BE49-F238E27FC236}">
+                <a16:creationId xmlns:a16="http://schemas.microsoft.com/office/drawing/2014/main" id="{E8B886AD-246B-0744-BE9C-304681805472}"/>
+              </a:ext>
+            </a:extLst>
+          </p:cNvPr>
+          <p:cNvGrpSpPr/>
+          <p:nvPr/>
+        </p:nvGrpSpPr>
+        <p:grpSpPr>
+          <a:xfrm>
+            <a:off x="699052" y="3134139"/>
+            <a:ext cx="2643809" cy="3468609"/>
+            <a:chOff x="546652" y="2981739"/>
+            <a:chExt cx="2643809" cy="3468609"/>
+          </a:xfrm>
+        </p:grpSpPr>
+        <p:sp>
+          <p:nvSpPr>
+            <p:cNvPr id="22" name="TextBox 21">
+              <a:extLst>
+                <a:ext uri="{FF2B5EF4-FFF2-40B4-BE49-F238E27FC236}">
+                  <a16:creationId xmlns:a16="http://schemas.microsoft.com/office/drawing/2014/main" id="{F506E6CB-8B89-FA4D-B441-64F74DD661E1}"/>
+                </a:ext>
+              </a:extLst>
+            </p:cNvPr>
+            <p:cNvSpPr txBox="1"/>
+            <p:nvPr/>
+          </p:nvSpPr>
+          <p:spPr>
+            <a:xfrm>
+              <a:off x="546652" y="2981739"/>
+              <a:ext cx="1679713" cy="369332"/>
+            </a:xfrm>
+            <a:prstGeom prst="rect">
+              <a:avLst/>
+            </a:prstGeom>
+            <a:noFill/>
+          </p:spPr>
+          <p:txBody>
+            <a:bodyPr wrap="square" rtlCol="0">
+              <a:spAutoFit/>
+            </a:bodyPr>
+            <a:lstStyle/>
+            <a:p>
+              <a:r>
+                <a:rPr lang="en-DK" dirty="0">
+                  <a:solidFill>
+                    <a:schemeClr val="bg1"/>
+                  </a:solidFill>
+                </a:rPr>
+                <a:t>Introduction</a:t>
+              </a:r>
+            </a:p>
+          </p:txBody>
+        </p:sp>
+        <p:sp>
+          <p:nvSpPr>
+            <p:cNvPr id="23" name="TextBox 22">
+              <a:extLst>
+                <a:ext uri="{FF2B5EF4-FFF2-40B4-BE49-F238E27FC236}">
+                  <a16:creationId xmlns:a16="http://schemas.microsoft.com/office/drawing/2014/main" id="{A79A69D6-7E7D-2147-AAD0-0538483B3E92}"/>
+                </a:ext>
+              </a:extLst>
+            </p:cNvPr>
+            <p:cNvSpPr txBox="1"/>
+            <p:nvPr/>
+          </p:nvSpPr>
+          <p:spPr>
+            <a:xfrm>
+              <a:off x="546652" y="3588026"/>
+              <a:ext cx="2643809" cy="2862322"/>
+            </a:xfrm>
+            <a:prstGeom prst="rect">
+              <a:avLst/>
+            </a:prstGeom>
+            <a:noFill/>
+          </p:spPr>
+          <p:txBody>
+            <a:bodyPr wrap="square" rtlCol="0">
+              <a:spAutoFit/>
+            </a:bodyPr>
+            <a:lstStyle/>
+            <a:p>
+              <a:r>
+                <a:rPr lang="en-DK" dirty="0">
+                  <a:solidFill>
+                    <a:schemeClr val="bg1"/>
+                  </a:solidFill>
+                </a:rPr>
+                <a:t>This is some place holder text about introduction!</a:t>
+              </a:r>
+            </a:p>
+            <a:p>
+              <a:r>
+                <a:rPr lang="en-DK" dirty="0">
+                  <a:solidFill>
+                    <a:schemeClr val="bg1"/>
+                  </a:solidFill>
+                </a:rPr>
+                <a:t>This is some place hThis is some place holder text about introduction!</a:t>
+              </a:r>
+            </a:p>
+            <a:p>
+              <a:r>
+                <a:rPr lang="en-DK" dirty="0">
+                  <a:solidFill>
+                    <a:schemeClr val="bg1"/>
+                  </a:solidFill>
+                </a:rPr>
+                <a:t>older text about introduction!</a:t>
+              </a:r>
+            </a:p>
+            <a:p>
+              <a:endParaRPr lang="en-DK" dirty="0">
+                <a:solidFill>
+                  <a:schemeClr val="bg1"/>
+                </a:solidFill>
+              </a:endParaRPr>
+            </a:p>
+          </p:txBody>
+        </p:sp>
+      </p:grpSp>
+      <p:grpSp>
+        <p:nvGrpSpPr>
+          <p:cNvPr id="24" name="Group 23">
+            <a:extLst>
+              <a:ext uri="{FF2B5EF4-FFF2-40B4-BE49-F238E27FC236}">
+                <a16:creationId xmlns:a16="http://schemas.microsoft.com/office/drawing/2014/main" id="{C1A68525-2E69-D643-8A41-850B57FC8A83}"/>
+              </a:ext>
+            </a:extLst>
+          </p:cNvPr>
+          <p:cNvGrpSpPr/>
+          <p:nvPr/>
+        </p:nvGrpSpPr>
+        <p:grpSpPr>
+          <a:xfrm>
+            <a:off x="5845866" y="3134139"/>
+            <a:ext cx="2643809" cy="3468609"/>
+            <a:chOff x="546652" y="2981739"/>
+            <a:chExt cx="2643809" cy="3468609"/>
+          </a:xfrm>
+        </p:grpSpPr>
+        <p:sp>
+          <p:nvSpPr>
+            <p:cNvPr id="25" name="TextBox 24">
+              <a:extLst>
+                <a:ext uri="{FF2B5EF4-FFF2-40B4-BE49-F238E27FC236}">
+                  <a16:creationId xmlns:a16="http://schemas.microsoft.com/office/drawing/2014/main" id="{C6BD0B94-AC92-FA47-93E4-D39AF2E6F4BA}"/>
+                </a:ext>
+              </a:extLst>
+            </p:cNvPr>
+            <p:cNvSpPr txBox="1"/>
+            <p:nvPr/>
+          </p:nvSpPr>
+          <p:spPr>
+            <a:xfrm>
+              <a:off x="546652" y="2981739"/>
+              <a:ext cx="1679713" cy="369332"/>
+            </a:xfrm>
+            <a:prstGeom prst="rect">
+              <a:avLst/>
+            </a:prstGeom>
+            <a:noFill/>
+          </p:spPr>
+          <p:txBody>
+            <a:bodyPr wrap="square" rtlCol="0">
+              <a:spAutoFit/>
+            </a:bodyPr>
+            <a:lstStyle/>
+            <a:p>
+              <a:r>
+                <a:rPr lang="en-DK" dirty="0">
+                  <a:solidFill>
+                    <a:sysClr val="windowText" lastClr="000000"/>
+                  </a:solidFill>
+                </a:rPr>
+                <a:t>Introduction</a:t>
+              </a:r>
+            </a:p>
+          </p:txBody>
+        </p:sp>
+        <p:sp>
+          <p:nvSpPr>
+            <p:cNvPr id="26" name="TextBox 25">
+              <a:extLst>
+                <a:ext uri="{FF2B5EF4-FFF2-40B4-BE49-F238E27FC236}">
+                  <a16:creationId xmlns:a16="http://schemas.microsoft.com/office/drawing/2014/main" id="{58145944-00C6-E149-B0EF-A8B0AC24F784}"/>
+                </a:ext>
+              </a:extLst>
+            </p:cNvPr>
+            <p:cNvSpPr txBox="1"/>
+            <p:nvPr/>
+          </p:nvSpPr>
+          <p:spPr>
+            <a:xfrm>
+              <a:off x="546652" y="3588026"/>
+              <a:ext cx="2643809" cy="2862322"/>
+            </a:xfrm>
+            <a:prstGeom prst="rect">
+              <a:avLst/>
+            </a:prstGeom>
+            <a:noFill/>
+          </p:spPr>
+          <p:txBody>
+            <a:bodyPr wrap="square" rtlCol="0">
+              <a:spAutoFit/>
+            </a:bodyPr>
+            <a:lstStyle/>
+            <a:p>
+              <a:r>
+                <a:rPr lang="en-DK" dirty="0">
+                  <a:solidFill>
+                    <a:sysClr val="windowText" lastClr="000000"/>
+                  </a:solidFill>
+                </a:rPr>
+                <a:t>This is some place holder text about introduction!</a:t>
+              </a:r>
+            </a:p>
+            <a:p>
+              <a:r>
+                <a:rPr lang="en-DK" dirty="0">
+                  <a:solidFill>
+                    <a:sysClr val="windowText" lastClr="000000"/>
+                  </a:solidFill>
+                </a:rPr>
+                <a:t>This is some place hThis is some place holder text about introduction!</a:t>
+              </a:r>
+            </a:p>
+            <a:p>
+              <a:r>
+                <a:rPr lang="en-DK" dirty="0">
+                  <a:solidFill>
+                    <a:sysClr val="windowText" lastClr="000000"/>
+                  </a:solidFill>
+                </a:rPr>
+                <a:t>older text about introduction!</a:t>
+              </a:r>
+            </a:p>
+            <a:p>
+              <a:endParaRPr lang="en-DK" dirty="0">
+                <a:solidFill>
+                  <a:sysClr val="windowText" lastClr="000000"/>
+                </a:solidFill>
+              </a:endParaRPr>
+            </a:p>
+          </p:txBody>
+        </p:sp>
+      </p:grpSp>
+      <p:grpSp>
+        <p:nvGrpSpPr>
+          <p:cNvPr id="27" name="Group 26">
+            <a:extLst>
+              <a:ext uri="{FF2B5EF4-FFF2-40B4-BE49-F238E27FC236}">
+                <a16:creationId xmlns:a16="http://schemas.microsoft.com/office/drawing/2014/main" id="{E0F42FBD-2C49-6740-9405-142C80107A2E}"/>
+              </a:ext>
+            </a:extLst>
+          </p:cNvPr>
+          <p:cNvGrpSpPr/>
+          <p:nvPr/>
+        </p:nvGrpSpPr>
+        <p:grpSpPr>
+          <a:xfrm>
+            <a:off x="8348871" y="3134139"/>
+            <a:ext cx="2643809" cy="3468609"/>
+            <a:chOff x="546652" y="2981739"/>
+            <a:chExt cx="2643809" cy="3468609"/>
+          </a:xfrm>
+        </p:grpSpPr>
+        <p:sp>
+          <p:nvSpPr>
+            <p:cNvPr id="28" name="TextBox 27">
+              <a:extLst>
+                <a:ext uri="{FF2B5EF4-FFF2-40B4-BE49-F238E27FC236}">
+                  <a16:creationId xmlns:a16="http://schemas.microsoft.com/office/drawing/2014/main" id="{A3121A03-0B32-8840-84F2-5FA73682D988}"/>
+                </a:ext>
+              </a:extLst>
+            </p:cNvPr>
+            <p:cNvSpPr txBox="1"/>
+            <p:nvPr/>
+          </p:nvSpPr>
+          <p:spPr>
+            <a:xfrm>
+              <a:off x="546652" y="2981739"/>
+              <a:ext cx="1679713" cy="369332"/>
+            </a:xfrm>
+            <a:prstGeom prst="rect">
+              <a:avLst/>
+            </a:prstGeom>
+            <a:noFill/>
+          </p:spPr>
+          <p:txBody>
+            <a:bodyPr wrap="square" rtlCol="0">
+              <a:spAutoFit/>
+            </a:bodyPr>
+            <a:lstStyle/>
+            <a:p>
+              <a:r>
+                <a:rPr lang="en-DK" dirty="0">
+                  <a:solidFill>
+                    <a:sysClr val="windowText" lastClr="000000"/>
+                  </a:solidFill>
+                </a:rPr>
+                <a:t>Introduction</a:t>
+              </a:r>
+            </a:p>
+          </p:txBody>
+        </p:sp>
+        <p:sp>
+          <p:nvSpPr>
+            <p:cNvPr id="29" name="TextBox 28">
+              <a:extLst>
+                <a:ext uri="{FF2B5EF4-FFF2-40B4-BE49-F238E27FC236}">
+                  <a16:creationId xmlns:a16="http://schemas.microsoft.com/office/drawing/2014/main" id="{CBB4B536-26CE-154C-AAFD-A3461744F369}"/>
+                </a:ext>
+              </a:extLst>
+            </p:cNvPr>
+            <p:cNvSpPr txBox="1"/>
+            <p:nvPr/>
+          </p:nvSpPr>
+          <p:spPr>
+            <a:xfrm>
+              <a:off x="546652" y="3588026"/>
+              <a:ext cx="2643809" cy="2862322"/>
+            </a:xfrm>
+            <a:prstGeom prst="rect">
+              <a:avLst/>
+            </a:prstGeom>
+            <a:noFill/>
+          </p:spPr>
+          <p:txBody>
+            <a:bodyPr wrap="square" rtlCol="0">
+              <a:spAutoFit/>
+            </a:bodyPr>
+            <a:lstStyle/>
+            <a:p>
+              <a:r>
+                <a:rPr lang="en-DK" dirty="0">
+                  <a:solidFill>
+                    <a:sysClr val="windowText" lastClr="000000"/>
+                  </a:solidFill>
+                </a:rPr>
+                <a:t>This is some place holder text about introduction!</a:t>
+              </a:r>
+            </a:p>
+            <a:p>
+              <a:r>
+                <a:rPr lang="en-DK" dirty="0">
+                  <a:solidFill>
+                    <a:sysClr val="windowText" lastClr="000000"/>
+                  </a:solidFill>
+                </a:rPr>
+                <a:t>This is some place hThis is some place holder text about introduction!</a:t>
+              </a:r>
+            </a:p>
+            <a:p>
+              <a:r>
+                <a:rPr lang="en-DK" dirty="0">
+                  <a:solidFill>
+                    <a:sysClr val="windowText" lastClr="000000"/>
+                  </a:solidFill>
+                </a:rPr>
+                <a:t>older text about introduction!</a:t>
+              </a:r>
+            </a:p>
+            <a:p>
+              <a:endParaRPr lang="en-DK" dirty="0">
+                <a:solidFill>
+                  <a:sysClr val="windowText" lastClr="000000"/>
+                </a:solidFill>
+              </a:endParaRPr>
+            </a:p>
+          </p:txBody>
+        </p:sp>
+      </p:grpSp>
+    </p:spTree>
+    <p:extLst>
+      <p:ext uri="{BB962C8B-B14F-4D97-AF65-F5344CB8AC3E}">
+        <p14:creationId xmlns:p14="http://schemas.microsoft.com/office/powerpoint/2010/main" val="2290720451"/>
+      </p:ext>
+    </p:extLst>
+  </p:cSld>
+  <p:clrMapOvr>
+    <a:masterClrMapping/>
+  </p:clrMapOvr>
+  <mc:AlternateContent xmlns:mc="http://schemas.openxmlformats.org/markup-compatibility/2006">
+    <mc:Choice xmlns:p159="http://schemas.microsoft.com/office/powerpoint/2015/09/main" Requires="p159">
+      <p:transition xmlns:p14="http://schemas.microsoft.com/office/powerpoint/2010/main" spd="slow" p14:dur="2000">
+        <p159:morph option="byObject"/>
+      </p:transition>
+    </mc:Choice>
+    <mc:Fallback>
+      <p:transition spd="slow">
+        <p:fade/>
+      </p:transition>
+    </mc:Fallback>
+  </mc:AlternateContent>
+</p:sld>
+</file>
+
+<file path=ppt/slides/slide4.xml><?xml version="1.0" encoding="utf-8"?>
+<p:sld xmlns:a="http://schemas.openxmlformats.org/drawingml/2006/main" xmlns:r="http://schemas.openxmlformats.org/officeDocument/2006/relationships" xmlns:p="http://schemas.openxmlformats.org/presentationml/2006/main" showMasterSp="0">
+  <p:cSld>
+    <p:bg>
+      <p:bgPr>
+        <a:solidFill>
+          <a:schemeClr val="tx1"/>
+        </a:solidFill>
+        <a:effectLst/>
+      </p:bgPr>
+    </p:bg>
+    <p:spTree>
+      <p:nvGrpSpPr>
+        <p:cNvPr id="1" name=""/>
+        <p:cNvGrpSpPr/>
+        <p:nvPr/>
+      </p:nvGrpSpPr>
+      <p:grpSpPr>
+        <a:xfrm>
+          <a:off x="0" y="0"/>
+          <a:ext cx="0" cy="0"/>
+          <a:chOff x="0" y="0"/>
+          <a:chExt cx="0" cy="0"/>
+        </a:xfrm>
+      </p:grpSpPr>
+      <p:sp>
+        <p:nvSpPr>
+          <p:cNvPr id="30" name="Rounded Rectangle 29">
+            <a:extLst>
+              <a:ext uri="{FF2B5EF4-FFF2-40B4-BE49-F238E27FC236}">
+                <a16:creationId xmlns:a16="http://schemas.microsoft.com/office/drawing/2014/main" id="{96F59102-8771-B240-9C67-5CCC6DA1B1C4}"/>
+              </a:ext>
+            </a:extLst>
+          </p:cNvPr>
+          <p:cNvSpPr/>
+          <p:nvPr/>
+        </p:nvSpPr>
+        <p:spPr>
+          <a:xfrm>
+            <a:off x="5468179" y="2961861"/>
+            <a:ext cx="2683566" cy="3558209"/>
+          </a:xfrm>
+          <a:prstGeom prst="roundRect">
+            <a:avLst/>
+          </a:prstGeom>
+          <a:solidFill>
+            <a:schemeClr val="accent3"/>
+          </a:solidFill>
+        </p:spPr>
+        <p:style>
+          <a:lnRef idx="2">
+            <a:schemeClr val="dk1"/>
+          </a:lnRef>
+          <a:fillRef idx="1">
+            <a:schemeClr val="lt1"/>
+          </a:fillRef>
+          <a:effectRef idx="0">
+            <a:schemeClr val="dk1"/>
+          </a:effectRef>
+          <a:fontRef idx="minor">
+            <a:schemeClr val="dk1"/>
+          </a:fontRef>
+        </p:style>
+        <p:txBody>
+          <a:bodyPr rtlCol="0" anchor="ctr"/>
+          <a:lstStyle/>
+          <a:p>
+            <a:pPr algn="ctr"/>
+            <a:endParaRPr lang="en-DK">
+              <a:solidFill>
+                <a:sysClr val="windowText" lastClr="000000"/>
+              </a:solidFill>
+            </a:endParaRPr>
+          </a:p>
+        </p:txBody>
+      </p:sp>
+      <p:sp>
+        <p:nvSpPr>
+          <p:cNvPr id="2" name="TextBox 1">
+            <a:extLst>
+              <a:ext uri="{FF2B5EF4-FFF2-40B4-BE49-F238E27FC236}">
+                <a16:creationId xmlns:a16="http://schemas.microsoft.com/office/drawing/2014/main" id="{34C5D3B4-3671-4048-AAEA-B2FEA0A213D3}"/>
+              </a:ext>
+            </a:extLst>
+          </p:cNvPr>
+          <p:cNvSpPr txBox="1"/>
+          <p:nvPr/>
+        </p:nvSpPr>
+        <p:spPr>
+          <a:xfrm>
+            <a:off x="447261" y="636103"/>
+            <a:ext cx="3747052" cy="923330"/>
+          </a:xfrm>
+          <a:prstGeom prst="rect">
+            <a:avLst/>
+          </a:prstGeom>
+          <a:noFill/>
+        </p:spPr>
+        <p:txBody>
+          <a:bodyPr wrap="square" rtlCol="0">
+            <a:spAutoFit/>
+          </a:bodyPr>
+          <a:lstStyle/>
+          <a:p>
+            <a:r>
+              <a:rPr lang="en-DK" sz="5400" dirty="0">
+                <a:solidFill>
+                  <a:schemeClr val="bg1"/>
+                </a:solidFill>
+                <a:latin typeface="Times New Roman" panose="02020603050405020304" pitchFamily="18" charset="0"/>
+                <a:cs typeface="Times New Roman" panose="02020603050405020304" pitchFamily="18" charset="0"/>
+              </a:rPr>
+              <a:t>Agenda</a:t>
+            </a:r>
+            <a:endParaRPr lang="en-DK" dirty="0">
+              <a:solidFill>
+                <a:schemeClr val="bg1"/>
+              </a:solidFill>
+              <a:latin typeface="Times New Roman" panose="02020603050405020304" pitchFamily="18" charset="0"/>
+              <a:cs typeface="Times New Roman" panose="02020603050405020304" pitchFamily="18" charset="0"/>
+            </a:endParaRPr>
+          </a:p>
+        </p:txBody>
+      </p:sp>
+      <p:grpSp>
+        <p:nvGrpSpPr>
+          <p:cNvPr id="5" name="Group 4">
+            <a:extLst>
+              <a:ext uri="{FF2B5EF4-FFF2-40B4-BE49-F238E27FC236}">
+                <a16:creationId xmlns:a16="http://schemas.microsoft.com/office/drawing/2014/main" id="{30426B00-8B76-E546-A8A5-25BA0D36F6E5}"/>
+              </a:ext>
+            </a:extLst>
+          </p:cNvPr>
+          <p:cNvGrpSpPr/>
+          <p:nvPr/>
+        </p:nvGrpSpPr>
+        <p:grpSpPr>
+          <a:xfrm>
+            <a:off x="3342861" y="3134139"/>
+            <a:ext cx="2643809" cy="3468609"/>
+            <a:chOff x="546652" y="2981739"/>
+            <a:chExt cx="2643809" cy="3468609"/>
+          </a:xfrm>
+        </p:grpSpPr>
+        <p:sp>
+          <p:nvSpPr>
+            <p:cNvPr id="3" name="TextBox 2">
+              <a:extLst>
+                <a:ext uri="{FF2B5EF4-FFF2-40B4-BE49-F238E27FC236}">
+                  <a16:creationId xmlns:a16="http://schemas.microsoft.com/office/drawing/2014/main" id="{C579D1C3-419E-0E4D-B60B-A5E03A6BF26E}"/>
+                </a:ext>
+              </a:extLst>
+            </p:cNvPr>
+            <p:cNvSpPr txBox="1"/>
+            <p:nvPr/>
+          </p:nvSpPr>
+          <p:spPr>
+            <a:xfrm>
+              <a:off x="546652" y="2981739"/>
+              <a:ext cx="1679713" cy="369332"/>
+            </a:xfrm>
+            <a:prstGeom prst="rect">
+              <a:avLst/>
+            </a:prstGeom>
+            <a:noFill/>
+          </p:spPr>
+          <p:txBody>
+            <a:bodyPr wrap="square" rtlCol="0">
+              <a:spAutoFit/>
+            </a:bodyPr>
+            <a:lstStyle/>
+            <a:p>
+              <a:r>
+                <a:rPr lang="en-DK" dirty="0">
+                  <a:solidFill>
+                    <a:schemeClr val="bg1"/>
+                  </a:solidFill>
+                </a:rPr>
+                <a:t>Introduction</a:t>
+              </a:r>
+            </a:p>
+          </p:txBody>
+        </p:sp>
+        <p:sp>
+          <p:nvSpPr>
+            <p:cNvPr id="4" name="TextBox 3">
+              <a:extLst>
+                <a:ext uri="{FF2B5EF4-FFF2-40B4-BE49-F238E27FC236}">
+                  <a16:creationId xmlns:a16="http://schemas.microsoft.com/office/drawing/2014/main" id="{96021173-4AE3-F746-8190-9C7AA16A549F}"/>
+                </a:ext>
+              </a:extLst>
+            </p:cNvPr>
+            <p:cNvSpPr txBox="1"/>
+            <p:nvPr/>
+          </p:nvSpPr>
+          <p:spPr>
+            <a:xfrm>
+              <a:off x="546652" y="3588026"/>
+              <a:ext cx="2643809" cy="2862322"/>
+            </a:xfrm>
+            <a:prstGeom prst="rect">
+              <a:avLst/>
+            </a:prstGeom>
+            <a:noFill/>
+          </p:spPr>
+          <p:txBody>
+            <a:bodyPr wrap="square" rtlCol="0">
+              <a:spAutoFit/>
+            </a:bodyPr>
+            <a:lstStyle/>
+            <a:p>
+              <a:r>
+                <a:rPr lang="en-DK" dirty="0">
+                  <a:solidFill>
+                    <a:schemeClr val="bg1"/>
+                  </a:solidFill>
+                </a:rPr>
+                <a:t>This is some place holder text about introduction!</a:t>
+              </a:r>
+            </a:p>
+            <a:p>
+              <a:r>
+                <a:rPr lang="en-DK" dirty="0">
+                  <a:solidFill>
+                    <a:schemeClr val="bg1"/>
+                  </a:solidFill>
+                </a:rPr>
+                <a:t>This is some place hThis is some place holder text about introduction!</a:t>
+              </a:r>
+            </a:p>
+            <a:p>
+              <a:r>
+                <a:rPr lang="en-DK" dirty="0">
+                  <a:solidFill>
+                    <a:schemeClr val="bg1"/>
+                  </a:solidFill>
+                </a:rPr>
+                <a:t>older text about introduction!</a:t>
+              </a:r>
+            </a:p>
+            <a:p>
+              <a:endParaRPr lang="en-DK" dirty="0">
+                <a:solidFill>
+                  <a:schemeClr val="bg1"/>
+                </a:solidFill>
+              </a:endParaRPr>
+            </a:p>
+          </p:txBody>
+        </p:sp>
+      </p:grpSp>
+      <p:grpSp>
+        <p:nvGrpSpPr>
+          <p:cNvPr id="21" name="Group 20">
+            <a:extLst>
+              <a:ext uri="{FF2B5EF4-FFF2-40B4-BE49-F238E27FC236}">
+                <a16:creationId xmlns:a16="http://schemas.microsoft.com/office/drawing/2014/main" id="{E8B886AD-246B-0744-BE9C-304681805472}"/>
+              </a:ext>
+            </a:extLst>
+          </p:cNvPr>
+          <p:cNvGrpSpPr/>
+          <p:nvPr/>
+        </p:nvGrpSpPr>
+        <p:grpSpPr>
+          <a:xfrm>
+            <a:off x="699052" y="3134139"/>
+            <a:ext cx="2643809" cy="3468609"/>
+            <a:chOff x="546652" y="2981739"/>
+            <a:chExt cx="2643809" cy="3468609"/>
+          </a:xfrm>
+        </p:grpSpPr>
+        <p:sp>
+          <p:nvSpPr>
+            <p:cNvPr id="22" name="TextBox 21">
+              <a:extLst>
+                <a:ext uri="{FF2B5EF4-FFF2-40B4-BE49-F238E27FC236}">
+                  <a16:creationId xmlns:a16="http://schemas.microsoft.com/office/drawing/2014/main" id="{F506E6CB-8B89-FA4D-B441-64F74DD661E1}"/>
+                </a:ext>
+              </a:extLst>
+            </p:cNvPr>
+            <p:cNvSpPr txBox="1"/>
+            <p:nvPr/>
+          </p:nvSpPr>
+          <p:spPr>
+            <a:xfrm>
+              <a:off x="546652" y="2981739"/>
+              <a:ext cx="1679713" cy="369332"/>
+            </a:xfrm>
+            <a:prstGeom prst="rect">
+              <a:avLst/>
+            </a:prstGeom>
+            <a:noFill/>
+          </p:spPr>
+          <p:txBody>
+            <a:bodyPr wrap="square" rtlCol="0">
+              <a:spAutoFit/>
+            </a:bodyPr>
+            <a:lstStyle/>
+            <a:p>
+              <a:r>
+                <a:rPr lang="en-DK" dirty="0">
+                  <a:solidFill>
+                    <a:schemeClr val="bg1"/>
+                  </a:solidFill>
+                </a:rPr>
+                <a:t>Introduction</a:t>
+              </a:r>
+            </a:p>
+          </p:txBody>
+        </p:sp>
+        <p:sp>
+          <p:nvSpPr>
+            <p:cNvPr id="23" name="TextBox 22">
+              <a:extLst>
+                <a:ext uri="{FF2B5EF4-FFF2-40B4-BE49-F238E27FC236}">
+                  <a16:creationId xmlns:a16="http://schemas.microsoft.com/office/drawing/2014/main" id="{A79A69D6-7E7D-2147-AAD0-0538483B3E92}"/>
+                </a:ext>
+              </a:extLst>
+            </p:cNvPr>
+            <p:cNvSpPr txBox="1"/>
+            <p:nvPr/>
+          </p:nvSpPr>
+          <p:spPr>
+            <a:xfrm>
+              <a:off x="546652" y="3588026"/>
+              <a:ext cx="2643809" cy="2862322"/>
+            </a:xfrm>
+            <a:prstGeom prst="rect">
+              <a:avLst/>
+            </a:prstGeom>
+            <a:noFill/>
+          </p:spPr>
+          <p:txBody>
+            <a:bodyPr wrap="square" rtlCol="0">
+              <a:spAutoFit/>
+            </a:bodyPr>
+            <a:lstStyle/>
+            <a:p>
+              <a:r>
+                <a:rPr lang="en-DK" dirty="0">
+                  <a:solidFill>
+                    <a:schemeClr val="bg1"/>
+                  </a:solidFill>
+                </a:rPr>
+                <a:t>This is some place holder text about introduction!</a:t>
+              </a:r>
+            </a:p>
+            <a:p>
+              <a:r>
+                <a:rPr lang="en-DK" dirty="0">
+                  <a:solidFill>
+                    <a:schemeClr val="bg1"/>
+                  </a:solidFill>
+                </a:rPr>
+                <a:t>This is some place hThis is some place holder text about introduction!</a:t>
+              </a:r>
+            </a:p>
+            <a:p>
+              <a:r>
+                <a:rPr lang="en-DK" dirty="0">
+                  <a:solidFill>
+                    <a:schemeClr val="bg1"/>
+                  </a:solidFill>
+                </a:rPr>
+                <a:t>older text about introduction!</a:t>
+              </a:r>
+            </a:p>
+            <a:p>
+              <a:endParaRPr lang="en-DK" dirty="0">
+                <a:solidFill>
+                  <a:schemeClr val="bg1"/>
+                </a:solidFill>
+              </a:endParaRPr>
+            </a:p>
+          </p:txBody>
+        </p:sp>
+      </p:grpSp>
+      <p:grpSp>
+        <p:nvGrpSpPr>
+          <p:cNvPr id="24" name="Group 23">
+            <a:extLst>
+              <a:ext uri="{FF2B5EF4-FFF2-40B4-BE49-F238E27FC236}">
+                <a16:creationId xmlns:a16="http://schemas.microsoft.com/office/drawing/2014/main" id="{C1A68525-2E69-D643-8A41-850B57FC8A83}"/>
+              </a:ext>
+            </a:extLst>
+          </p:cNvPr>
+          <p:cNvGrpSpPr/>
+          <p:nvPr/>
+        </p:nvGrpSpPr>
+        <p:grpSpPr>
+          <a:xfrm>
+            <a:off x="5845866" y="3134139"/>
+            <a:ext cx="2643809" cy="3468609"/>
+            <a:chOff x="546652" y="2981739"/>
+            <a:chExt cx="2643809" cy="3468609"/>
+          </a:xfrm>
+        </p:grpSpPr>
+        <p:sp>
+          <p:nvSpPr>
+            <p:cNvPr id="25" name="TextBox 24">
+              <a:extLst>
+                <a:ext uri="{FF2B5EF4-FFF2-40B4-BE49-F238E27FC236}">
+                  <a16:creationId xmlns:a16="http://schemas.microsoft.com/office/drawing/2014/main" id="{C6BD0B94-AC92-FA47-93E4-D39AF2E6F4BA}"/>
+                </a:ext>
+              </a:extLst>
+            </p:cNvPr>
+            <p:cNvSpPr txBox="1"/>
+            <p:nvPr/>
+          </p:nvSpPr>
+          <p:spPr>
+            <a:xfrm>
+              <a:off x="546652" y="2981739"/>
+              <a:ext cx="1679713" cy="369332"/>
+            </a:xfrm>
+            <a:prstGeom prst="rect">
+              <a:avLst/>
+            </a:prstGeom>
+            <a:noFill/>
+          </p:spPr>
+          <p:txBody>
+            <a:bodyPr wrap="square" rtlCol="0">
+              <a:spAutoFit/>
+            </a:bodyPr>
+            <a:lstStyle/>
+            <a:p>
+              <a:r>
+                <a:rPr lang="en-DK" dirty="0">
+                  <a:solidFill>
+                    <a:sysClr val="windowText" lastClr="000000"/>
+                  </a:solidFill>
+                </a:rPr>
+                <a:t>Introduction</a:t>
+              </a:r>
+            </a:p>
+          </p:txBody>
+        </p:sp>
+        <p:sp>
+          <p:nvSpPr>
+            <p:cNvPr id="26" name="TextBox 25">
+              <a:extLst>
+                <a:ext uri="{FF2B5EF4-FFF2-40B4-BE49-F238E27FC236}">
+                  <a16:creationId xmlns:a16="http://schemas.microsoft.com/office/drawing/2014/main" id="{58145944-00C6-E149-B0EF-A8B0AC24F784}"/>
+                </a:ext>
+              </a:extLst>
+            </p:cNvPr>
+            <p:cNvSpPr txBox="1"/>
+            <p:nvPr/>
+          </p:nvSpPr>
+          <p:spPr>
+            <a:xfrm>
+              <a:off x="546652" y="3588026"/>
+              <a:ext cx="2643809" cy="2862322"/>
+            </a:xfrm>
+            <a:prstGeom prst="rect">
+              <a:avLst/>
+            </a:prstGeom>
+            <a:noFill/>
+          </p:spPr>
+          <p:txBody>
+            <a:bodyPr wrap="square" rtlCol="0">
+              <a:spAutoFit/>
+            </a:bodyPr>
+            <a:lstStyle/>
+            <a:p>
+              <a:r>
+                <a:rPr lang="en-DK" dirty="0">
+                  <a:solidFill>
+                    <a:sysClr val="windowText" lastClr="000000"/>
+                  </a:solidFill>
+                </a:rPr>
+                <a:t>This is some place holder text about introduction!</a:t>
+              </a:r>
+            </a:p>
+            <a:p>
+              <a:r>
+                <a:rPr lang="en-DK" dirty="0">
+                  <a:solidFill>
+                    <a:sysClr val="windowText" lastClr="000000"/>
+                  </a:solidFill>
+                </a:rPr>
+                <a:t>This is some place hThis is some place holder text about introduction!</a:t>
+              </a:r>
+            </a:p>
+            <a:p>
+              <a:r>
+                <a:rPr lang="en-DK" dirty="0">
+                  <a:solidFill>
+                    <a:sysClr val="windowText" lastClr="000000"/>
+                  </a:solidFill>
+                </a:rPr>
+                <a:t>older text about introduction!</a:t>
+              </a:r>
+            </a:p>
+            <a:p>
+              <a:endParaRPr lang="en-DK" dirty="0">
+                <a:solidFill>
+                  <a:sysClr val="windowText" lastClr="000000"/>
+                </a:solidFill>
+              </a:endParaRPr>
+            </a:p>
+          </p:txBody>
+        </p:sp>
+      </p:grpSp>
+      <p:grpSp>
+        <p:nvGrpSpPr>
+          <p:cNvPr id="27" name="Group 26">
+            <a:extLst>
+              <a:ext uri="{FF2B5EF4-FFF2-40B4-BE49-F238E27FC236}">
+                <a16:creationId xmlns:a16="http://schemas.microsoft.com/office/drawing/2014/main" id="{E0F42FBD-2C49-6740-9405-142C80107A2E}"/>
+              </a:ext>
+            </a:extLst>
+          </p:cNvPr>
+          <p:cNvGrpSpPr/>
+          <p:nvPr/>
+        </p:nvGrpSpPr>
+        <p:grpSpPr>
+          <a:xfrm>
+            <a:off x="8348871" y="3134139"/>
+            <a:ext cx="2643809" cy="3468609"/>
+            <a:chOff x="546652" y="2981739"/>
+            <a:chExt cx="2643809" cy="3468609"/>
+          </a:xfrm>
+        </p:grpSpPr>
+        <p:sp>
+          <p:nvSpPr>
+            <p:cNvPr id="28" name="TextBox 27">
+              <a:extLst>
+                <a:ext uri="{FF2B5EF4-FFF2-40B4-BE49-F238E27FC236}">
+                  <a16:creationId xmlns:a16="http://schemas.microsoft.com/office/drawing/2014/main" id="{A3121A03-0B32-8840-84F2-5FA73682D988}"/>
+                </a:ext>
+              </a:extLst>
+            </p:cNvPr>
+            <p:cNvSpPr txBox="1"/>
+            <p:nvPr/>
+          </p:nvSpPr>
+          <p:spPr>
+            <a:xfrm>
+              <a:off x="546652" y="2981739"/>
+              <a:ext cx="1679713" cy="369332"/>
+            </a:xfrm>
+            <a:prstGeom prst="rect">
+              <a:avLst/>
+            </a:prstGeom>
+            <a:noFill/>
+          </p:spPr>
+          <p:txBody>
+            <a:bodyPr wrap="square" rtlCol="0">
+              <a:spAutoFit/>
+            </a:bodyPr>
+            <a:lstStyle/>
+            <a:p>
+              <a:r>
+                <a:rPr lang="en-DK" dirty="0">
+                  <a:solidFill>
+                    <a:sysClr val="windowText" lastClr="000000"/>
+                  </a:solidFill>
+                </a:rPr>
+                <a:t>Introduction</a:t>
+              </a:r>
+            </a:p>
+          </p:txBody>
+        </p:sp>
+        <p:sp>
+          <p:nvSpPr>
+            <p:cNvPr id="29" name="TextBox 28">
+              <a:extLst>
+                <a:ext uri="{FF2B5EF4-FFF2-40B4-BE49-F238E27FC236}">
+                  <a16:creationId xmlns:a16="http://schemas.microsoft.com/office/drawing/2014/main" id="{CBB4B536-26CE-154C-AAFD-A3461744F369}"/>
+                </a:ext>
+              </a:extLst>
+            </p:cNvPr>
+            <p:cNvSpPr txBox="1"/>
+            <p:nvPr/>
+          </p:nvSpPr>
+          <p:spPr>
+            <a:xfrm>
+              <a:off x="546652" y="3588026"/>
+              <a:ext cx="2643809" cy="2862322"/>
+            </a:xfrm>
+            <a:prstGeom prst="rect">
+              <a:avLst/>
+            </a:prstGeom>
+            <a:noFill/>
+          </p:spPr>
+          <p:txBody>
+            <a:bodyPr wrap="square" rtlCol="0">
+              <a:spAutoFit/>
+            </a:bodyPr>
+            <a:lstStyle/>
+            <a:p>
+              <a:r>
+                <a:rPr lang="en-DK" dirty="0">
+                  <a:solidFill>
+                    <a:sysClr val="windowText" lastClr="000000"/>
+                  </a:solidFill>
+                </a:rPr>
+                <a:t>This is some place holder text about introduction!</a:t>
+              </a:r>
+            </a:p>
+            <a:p>
+              <a:r>
+                <a:rPr lang="en-DK" dirty="0">
+                  <a:solidFill>
+                    <a:sysClr val="windowText" lastClr="000000"/>
+                  </a:solidFill>
+                </a:rPr>
+                <a:t>This is some place hThis is some place holder text about introduction!</a:t>
+              </a:r>
+            </a:p>
+            <a:p>
+              <a:r>
+                <a:rPr lang="en-DK" dirty="0">
+                  <a:solidFill>
+                    <a:sysClr val="windowText" lastClr="000000"/>
+                  </a:solidFill>
+                </a:rPr>
+                <a:t>older text about introduction!</a:t>
+              </a:r>
+            </a:p>
+            <a:p>
+              <a:endParaRPr lang="en-DK" dirty="0">
+                <a:solidFill>
+                  <a:sysClr val="windowText" lastClr="000000"/>
+                </a:solidFill>
+              </a:endParaRPr>
+            </a:p>
+          </p:txBody>
+        </p:sp>
+      </p:grpSp>
+    </p:spTree>
+    <p:extLst>
+      <p:ext uri="{BB962C8B-B14F-4D97-AF65-F5344CB8AC3E}">
+        <p14:creationId xmlns:p14="http://schemas.microsoft.com/office/powerpoint/2010/main" val="1634082142"/>
+      </p:ext>
+    </p:extLst>
+  </p:cSld>
+  <p:clrMapOvr>
+    <a:masterClrMapping/>
+  </p:clrMapOvr>
+  <mc:AlternateContent xmlns:mc="http://schemas.openxmlformats.org/markup-compatibility/2006">
+    <mc:Choice xmlns:p159="http://schemas.microsoft.com/office/powerpoint/2015/09/main" Requires="p159">
+      <p:transition xmlns:p14="http://schemas.microsoft.com/office/powerpoint/2010/main" spd="slow" p14:dur="2000">
+        <p159:morph option="byObject"/>
+      </p:transition>
+    </mc:Choice>
+    <mc:Fallback>
+      <p:transition spd="slow">
+        <p:fade/>
+      </p:transition>
+    </mc:Fallback>
+  </mc:AlternateContent>
+</p:sld>
+</file>
+
+<file path=ppt/slides/slide5.xml><?xml version="1.0" encoding="utf-8"?>
+<p:sld xmlns:a="http://schemas.openxmlformats.org/drawingml/2006/main" xmlns:r="http://schemas.openxmlformats.org/officeDocument/2006/relationships" xmlns:p="http://schemas.openxmlformats.org/presentationml/2006/main" showMasterSp="0">
+  <p:cSld>
+    <p:bg>
+      <p:bgPr>
+        <a:solidFill>
+          <a:schemeClr val="tx1"/>
+        </a:solidFill>
+        <a:effectLst/>
+      </p:bgPr>
+    </p:bg>
+    <p:spTree>
+      <p:nvGrpSpPr>
+        <p:cNvPr id="1" name=""/>
+        <p:cNvGrpSpPr/>
+        <p:nvPr/>
+      </p:nvGrpSpPr>
+      <p:grpSpPr>
+        <a:xfrm>
+          <a:off x="0" y="0"/>
+          <a:ext cx="0" cy="0"/>
+          <a:chOff x="0" y="0"/>
+          <a:chExt cx="0" cy="0"/>
+        </a:xfrm>
+      </p:grpSpPr>
+      <p:sp>
+        <p:nvSpPr>
+          <p:cNvPr id="30" name="Rounded Rectangle 29">
+            <a:extLst>
+              <a:ext uri="{FF2B5EF4-FFF2-40B4-BE49-F238E27FC236}">
+                <a16:creationId xmlns:a16="http://schemas.microsoft.com/office/drawing/2014/main" id="{96F59102-8771-B240-9C67-5CCC6DA1B1C4}"/>
+              </a:ext>
+            </a:extLst>
+          </p:cNvPr>
+          <p:cNvSpPr/>
+          <p:nvPr/>
+        </p:nvSpPr>
+        <p:spPr>
+          <a:xfrm>
+            <a:off x="8189843" y="2912165"/>
+            <a:ext cx="2683566" cy="3558209"/>
+          </a:xfrm>
+          <a:prstGeom prst="roundRect">
+            <a:avLst/>
+          </a:prstGeom>
+          <a:solidFill>
+            <a:schemeClr val="accent2"/>
+          </a:solidFill>
+        </p:spPr>
+        <p:style>
+          <a:lnRef idx="2">
+            <a:schemeClr val="dk1"/>
+          </a:lnRef>
+          <a:fillRef idx="1">
+            <a:schemeClr val="lt1"/>
+          </a:fillRef>
+          <a:effectRef idx="0">
+            <a:schemeClr val="dk1"/>
+          </a:effectRef>
+          <a:fontRef idx="minor">
+            <a:schemeClr val="dk1"/>
+          </a:fontRef>
+        </p:style>
+        <p:txBody>
+          <a:bodyPr rtlCol="0" anchor="ctr"/>
+          <a:lstStyle/>
+          <a:p>
+            <a:pPr algn="ctr"/>
+            <a:endParaRPr lang="en-DK">
+              <a:solidFill>
+                <a:sysClr val="windowText" lastClr="000000"/>
+              </a:solidFill>
+            </a:endParaRPr>
+          </a:p>
+        </p:txBody>
+      </p:sp>
+      <p:sp>
+        <p:nvSpPr>
+          <p:cNvPr id="2" name="TextBox 1">
+            <a:extLst>
+              <a:ext uri="{FF2B5EF4-FFF2-40B4-BE49-F238E27FC236}">
+                <a16:creationId xmlns:a16="http://schemas.microsoft.com/office/drawing/2014/main" id="{34C5D3B4-3671-4048-AAEA-B2FEA0A213D3}"/>
+              </a:ext>
+            </a:extLst>
+          </p:cNvPr>
+          <p:cNvSpPr txBox="1"/>
+          <p:nvPr/>
+        </p:nvSpPr>
+        <p:spPr>
+          <a:xfrm>
+            <a:off x="447261" y="636103"/>
+            <a:ext cx="3747052" cy="923330"/>
+          </a:xfrm>
+          <a:prstGeom prst="rect">
+            <a:avLst/>
+          </a:prstGeom>
+          <a:noFill/>
+        </p:spPr>
+        <p:txBody>
+          <a:bodyPr wrap="square" rtlCol="0">
+            <a:spAutoFit/>
+          </a:bodyPr>
+          <a:lstStyle/>
+          <a:p>
+            <a:r>
+              <a:rPr lang="en-DK" sz="5400" dirty="0">
+                <a:solidFill>
+                  <a:schemeClr val="bg1"/>
+                </a:solidFill>
+                <a:latin typeface="Times New Roman" panose="02020603050405020304" pitchFamily="18" charset="0"/>
+                <a:cs typeface="Times New Roman" panose="02020603050405020304" pitchFamily="18" charset="0"/>
+              </a:rPr>
+              <a:t>Agenda</a:t>
+            </a:r>
+            <a:endParaRPr lang="en-DK" dirty="0">
+              <a:solidFill>
+                <a:schemeClr val="bg1"/>
+              </a:solidFill>
+              <a:latin typeface="Times New Roman" panose="02020603050405020304" pitchFamily="18" charset="0"/>
+              <a:cs typeface="Times New Roman" panose="02020603050405020304" pitchFamily="18" charset="0"/>
+            </a:endParaRPr>
+          </a:p>
+        </p:txBody>
+      </p:sp>
+      <p:grpSp>
+        <p:nvGrpSpPr>
+          <p:cNvPr id="5" name="Group 4">
+            <a:extLst>
+              <a:ext uri="{FF2B5EF4-FFF2-40B4-BE49-F238E27FC236}">
+                <a16:creationId xmlns:a16="http://schemas.microsoft.com/office/drawing/2014/main" id="{30426B00-8B76-E546-A8A5-25BA0D36F6E5}"/>
+              </a:ext>
+            </a:extLst>
+          </p:cNvPr>
+          <p:cNvGrpSpPr/>
+          <p:nvPr/>
+        </p:nvGrpSpPr>
+        <p:grpSpPr>
+          <a:xfrm>
+            <a:off x="3342861" y="3134139"/>
+            <a:ext cx="2643809" cy="3468609"/>
+            <a:chOff x="546652" y="2981739"/>
+            <a:chExt cx="2643809" cy="3468609"/>
+          </a:xfrm>
+        </p:grpSpPr>
+        <p:sp>
+          <p:nvSpPr>
+            <p:cNvPr id="3" name="TextBox 2">
+              <a:extLst>
+                <a:ext uri="{FF2B5EF4-FFF2-40B4-BE49-F238E27FC236}">
+                  <a16:creationId xmlns:a16="http://schemas.microsoft.com/office/drawing/2014/main" id="{C579D1C3-419E-0E4D-B60B-A5E03A6BF26E}"/>
+                </a:ext>
+              </a:extLst>
+            </p:cNvPr>
+            <p:cNvSpPr txBox="1"/>
+            <p:nvPr/>
+          </p:nvSpPr>
+          <p:spPr>
+            <a:xfrm>
+              <a:off x="546652" y="2981739"/>
+              <a:ext cx="1679713" cy="369332"/>
+            </a:xfrm>
+            <a:prstGeom prst="rect">
+              <a:avLst/>
+            </a:prstGeom>
+            <a:noFill/>
+          </p:spPr>
+          <p:txBody>
+            <a:bodyPr wrap="square" rtlCol="0">
+              <a:spAutoFit/>
+            </a:bodyPr>
+            <a:lstStyle/>
+            <a:p>
+              <a:r>
+                <a:rPr lang="en-DK" dirty="0">
+                  <a:solidFill>
+                    <a:schemeClr val="bg1"/>
+                  </a:solidFill>
+                </a:rPr>
+                <a:t>Introduction</a:t>
+              </a:r>
+            </a:p>
+          </p:txBody>
+        </p:sp>
+        <p:sp>
+          <p:nvSpPr>
+            <p:cNvPr id="4" name="TextBox 3">
+              <a:extLst>
+                <a:ext uri="{FF2B5EF4-FFF2-40B4-BE49-F238E27FC236}">
+                  <a16:creationId xmlns:a16="http://schemas.microsoft.com/office/drawing/2014/main" id="{96021173-4AE3-F746-8190-9C7AA16A549F}"/>
+                </a:ext>
+              </a:extLst>
+            </p:cNvPr>
+            <p:cNvSpPr txBox="1"/>
+            <p:nvPr/>
+          </p:nvSpPr>
+          <p:spPr>
+            <a:xfrm>
+              <a:off x="546652" y="3588026"/>
+              <a:ext cx="2643809" cy="2862322"/>
+            </a:xfrm>
+            <a:prstGeom prst="rect">
+              <a:avLst/>
+            </a:prstGeom>
+            <a:noFill/>
+          </p:spPr>
+          <p:txBody>
+            <a:bodyPr wrap="square" rtlCol="0">
+              <a:spAutoFit/>
+            </a:bodyPr>
+            <a:lstStyle/>
+            <a:p>
+              <a:r>
+                <a:rPr lang="en-DK" dirty="0">
+                  <a:solidFill>
+                    <a:schemeClr val="bg1"/>
+                  </a:solidFill>
+                </a:rPr>
+                <a:t>This is some place holder text about introduction!</a:t>
+              </a:r>
+            </a:p>
+            <a:p>
+              <a:r>
+                <a:rPr lang="en-DK" dirty="0">
+                  <a:solidFill>
+                    <a:schemeClr val="bg1"/>
+                  </a:solidFill>
+                </a:rPr>
+                <a:t>This is some place hThis is some place holder text about introduction!</a:t>
+              </a:r>
+            </a:p>
+            <a:p>
+              <a:r>
+                <a:rPr lang="en-DK" dirty="0">
+                  <a:solidFill>
+                    <a:schemeClr val="bg1"/>
+                  </a:solidFill>
+                </a:rPr>
+                <a:t>older text about introduction!</a:t>
+              </a:r>
+            </a:p>
+            <a:p>
+              <a:endParaRPr lang="en-DK" dirty="0">
+                <a:solidFill>
+                  <a:schemeClr val="bg1"/>
+                </a:solidFill>
+              </a:endParaRPr>
+            </a:p>
+          </p:txBody>
+        </p:sp>
+      </p:grpSp>
+      <p:grpSp>
+        <p:nvGrpSpPr>
+          <p:cNvPr id="21" name="Group 20">
+            <a:extLst>
+              <a:ext uri="{FF2B5EF4-FFF2-40B4-BE49-F238E27FC236}">
+                <a16:creationId xmlns:a16="http://schemas.microsoft.com/office/drawing/2014/main" id="{E8B886AD-246B-0744-BE9C-304681805472}"/>
+              </a:ext>
+            </a:extLst>
+          </p:cNvPr>
+          <p:cNvGrpSpPr/>
+          <p:nvPr/>
+        </p:nvGrpSpPr>
+        <p:grpSpPr>
+          <a:xfrm>
+            <a:off x="699052" y="3134139"/>
+            <a:ext cx="2643809" cy="3468609"/>
+            <a:chOff x="546652" y="2981739"/>
+            <a:chExt cx="2643809" cy="3468609"/>
+          </a:xfrm>
+        </p:grpSpPr>
+        <p:sp>
+          <p:nvSpPr>
+            <p:cNvPr id="22" name="TextBox 21">
+              <a:extLst>
+                <a:ext uri="{FF2B5EF4-FFF2-40B4-BE49-F238E27FC236}">
+                  <a16:creationId xmlns:a16="http://schemas.microsoft.com/office/drawing/2014/main" id="{F506E6CB-8B89-FA4D-B441-64F74DD661E1}"/>
+                </a:ext>
+              </a:extLst>
+            </p:cNvPr>
+            <p:cNvSpPr txBox="1"/>
+            <p:nvPr/>
+          </p:nvSpPr>
+          <p:spPr>
+            <a:xfrm>
+              <a:off x="546652" y="2981739"/>
+              <a:ext cx="1679713" cy="369332"/>
+            </a:xfrm>
+            <a:prstGeom prst="rect">
+              <a:avLst/>
+            </a:prstGeom>
+            <a:noFill/>
+          </p:spPr>
+          <p:txBody>
+            <a:bodyPr wrap="square" rtlCol="0">
+              <a:spAutoFit/>
+            </a:bodyPr>
+            <a:lstStyle/>
+            <a:p>
+              <a:r>
+                <a:rPr lang="en-DK" dirty="0">
+                  <a:solidFill>
+                    <a:schemeClr val="bg1"/>
+                  </a:solidFill>
+                </a:rPr>
+                <a:t>Introduction</a:t>
+              </a:r>
+            </a:p>
+          </p:txBody>
+        </p:sp>
+        <p:sp>
+          <p:nvSpPr>
+            <p:cNvPr id="23" name="TextBox 22">
+              <a:extLst>
+                <a:ext uri="{FF2B5EF4-FFF2-40B4-BE49-F238E27FC236}">
+                  <a16:creationId xmlns:a16="http://schemas.microsoft.com/office/drawing/2014/main" id="{A79A69D6-7E7D-2147-AAD0-0538483B3E92}"/>
+                </a:ext>
+              </a:extLst>
+            </p:cNvPr>
+            <p:cNvSpPr txBox="1"/>
+            <p:nvPr/>
+          </p:nvSpPr>
+          <p:spPr>
+            <a:xfrm>
+              <a:off x="546652" y="3588026"/>
+              <a:ext cx="2643809" cy="2862322"/>
+            </a:xfrm>
+            <a:prstGeom prst="rect">
+              <a:avLst/>
+            </a:prstGeom>
+            <a:noFill/>
+          </p:spPr>
+          <p:txBody>
+            <a:bodyPr wrap="square" rtlCol="0">
+              <a:spAutoFit/>
+            </a:bodyPr>
+            <a:lstStyle/>
+            <a:p>
+              <a:r>
+                <a:rPr lang="en-DK" dirty="0">
+                  <a:solidFill>
+                    <a:schemeClr val="bg1"/>
+                  </a:solidFill>
+                </a:rPr>
+                <a:t>This is some place holder text about introduction!</a:t>
+              </a:r>
+            </a:p>
+            <a:p>
+              <a:r>
+                <a:rPr lang="en-DK" dirty="0">
+                  <a:solidFill>
+                    <a:schemeClr val="bg1"/>
+                  </a:solidFill>
+                </a:rPr>
+                <a:t>This is some place hThis is some place holder text about introduction!</a:t>
+              </a:r>
+            </a:p>
+            <a:p>
+              <a:r>
+                <a:rPr lang="en-DK" dirty="0">
+                  <a:solidFill>
+                    <a:schemeClr val="bg1"/>
+                  </a:solidFill>
+                </a:rPr>
+                <a:t>older text about introduction!</a:t>
+              </a:r>
+            </a:p>
+            <a:p>
+              <a:endParaRPr lang="en-DK" dirty="0">
+                <a:solidFill>
+                  <a:schemeClr val="bg1"/>
+                </a:solidFill>
+              </a:endParaRPr>
+            </a:p>
+          </p:txBody>
+        </p:sp>
+      </p:grpSp>
+      <p:grpSp>
+        <p:nvGrpSpPr>
+          <p:cNvPr id="24" name="Group 23">
+            <a:extLst>
+              <a:ext uri="{FF2B5EF4-FFF2-40B4-BE49-F238E27FC236}">
+                <a16:creationId xmlns:a16="http://schemas.microsoft.com/office/drawing/2014/main" id="{C1A68525-2E69-D643-8A41-850B57FC8A83}"/>
+              </a:ext>
+            </a:extLst>
+          </p:cNvPr>
+          <p:cNvGrpSpPr/>
+          <p:nvPr/>
+        </p:nvGrpSpPr>
+        <p:grpSpPr>
+          <a:xfrm>
+            <a:off x="5845866" y="3134139"/>
+            <a:ext cx="2643809" cy="3468609"/>
+            <a:chOff x="546652" y="2981739"/>
+            <a:chExt cx="2643809" cy="3468609"/>
+          </a:xfrm>
+        </p:grpSpPr>
+        <p:sp>
+          <p:nvSpPr>
+            <p:cNvPr id="25" name="TextBox 24">
+              <a:extLst>
+                <a:ext uri="{FF2B5EF4-FFF2-40B4-BE49-F238E27FC236}">
+                  <a16:creationId xmlns:a16="http://schemas.microsoft.com/office/drawing/2014/main" id="{C6BD0B94-AC92-FA47-93E4-D39AF2E6F4BA}"/>
+                </a:ext>
+              </a:extLst>
+            </p:cNvPr>
+            <p:cNvSpPr txBox="1"/>
+            <p:nvPr/>
+          </p:nvSpPr>
+          <p:spPr>
+            <a:xfrm>
+              <a:off x="546652" y="2981739"/>
+              <a:ext cx="1679713" cy="369332"/>
+            </a:xfrm>
+            <a:prstGeom prst="rect">
+              <a:avLst/>
+            </a:prstGeom>
+            <a:noFill/>
+          </p:spPr>
+          <p:txBody>
+            <a:bodyPr wrap="square" rtlCol="0">
+              <a:spAutoFit/>
+            </a:bodyPr>
+            <a:lstStyle/>
+            <a:p>
+              <a:r>
+                <a:rPr lang="en-DK" dirty="0">
+                  <a:solidFill>
+                    <a:schemeClr val="bg1"/>
+                  </a:solidFill>
+                </a:rPr>
+                <a:t>Introduction</a:t>
+              </a:r>
+            </a:p>
+          </p:txBody>
+        </p:sp>
+        <p:sp>
+          <p:nvSpPr>
+            <p:cNvPr id="26" name="TextBox 25">
+              <a:extLst>
+                <a:ext uri="{FF2B5EF4-FFF2-40B4-BE49-F238E27FC236}">
+                  <a16:creationId xmlns:a16="http://schemas.microsoft.com/office/drawing/2014/main" id="{58145944-00C6-E149-B0EF-A8B0AC24F784}"/>
+                </a:ext>
+              </a:extLst>
+            </p:cNvPr>
+            <p:cNvSpPr txBox="1"/>
+            <p:nvPr/>
+          </p:nvSpPr>
+          <p:spPr>
+            <a:xfrm>
+              <a:off x="546652" y="3588026"/>
+              <a:ext cx="2643809" cy="2862322"/>
+            </a:xfrm>
+            <a:prstGeom prst="rect">
+              <a:avLst/>
+            </a:prstGeom>
+            <a:noFill/>
+          </p:spPr>
+          <p:txBody>
+            <a:bodyPr wrap="square" rtlCol="0">
+              <a:spAutoFit/>
+            </a:bodyPr>
+            <a:lstStyle/>
+            <a:p>
+              <a:r>
+                <a:rPr lang="en-DK" dirty="0">
+                  <a:solidFill>
+                    <a:schemeClr val="bg1"/>
+                  </a:solidFill>
+                </a:rPr>
+                <a:t>This is some place holder text about introduction!</a:t>
+              </a:r>
+            </a:p>
+            <a:p>
+              <a:r>
+                <a:rPr lang="en-DK" dirty="0">
+                  <a:solidFill>
+                    <a:schemeClr val="bg1"/>
+                  </a:solidFill>
+                </a:rPr>
+                <a:t>This is some place hThis is some place holder text about introduction!</a:t>
+              </a:r>
+            </a:p>
+            <a:p>
+              <a:r>
+                <a:rPr lang="en-DK" dirty="0">
+                  <a:solidFill>
+                    <a:schemeClr val="bg1"/>
+                  </a:solidFill>
+                </a:rPr>
+                <a:t>older text about introduction!</a:t>
+              </a:r>
+            </a:p>
+            <a:p>
+              <a:endParaRPr lang="en-DK" dirty="0">
+                <a:solidFill>
+                  <a:schemeClr val="bg1"/>
+                </a:solidFill>
+              </a:endParaRPr>
+            </a:p>
+          </p:txBody>
+        </p:sp>
+      </p:grpSp>
+      <p:grpSp>
+        <p:nvGrpSpPr>
+          <p:cNvPr id="27" name="Group 26">
+            <a:extLst>
+              <a:ext uri="{FF2B5EF4-FFF2-40B4-BE49-F238E27FC236}">
+                <a16:creationId xmlns:a16="http://schemas.microsoft.com/office/drawing/2014/main" id="{E0F42FBD-2C49-6740-9405-142C80107A2E}"/>
+              </a:ext>
+            </a:extLst>
+          </p:cNvPr>
+          <p:cNvGrpSpPr/>
+          <p:nvPr/>
+        </p:nvGrpSpPr>
+        <p:grpSpPr>
+          <a:xfrm>
+            <a:off x="8348871" y="3134139"/>
+            <a:ext cx="2643809" cy="3468609"/>
+            <a:chOff x="546652" y="2981739"/>
+            <a:chExt cx="2643809" cy="3468609"/>
+          </a:xfrm>
+        </p:grpSpPr>
+        <p:sp>
+          <p:nvSpPr>
+            <p:cNvPr id="28" name="TextBox 27">
+              <a:extLst>
+                <a:ext uri="{FF2B5EF4-FFF2-40B4-BE49-F238E27FC236}">
+                  <a16:creationId xmlns:a16="http://schemas.microsoft.com/office/drawing/2014/main" id="{A3121A03-0B32-8840-84F2-5FA73682D988}"/>
+                </a:ext>
+              </a:extLst>
+            </p:cNvPr>
+            <p:cNvSpPr txBox="1"/>
+            <p:nvPr/>
+          </p:nvSpPr>
+          <p:spPr>
+            <a:xfrm>
+              <a:off x="546652" y="2981739"/>
+              <a:ext cx="1679713" cy="369332"/>
+            </a:xfrm>
+            <a:prstGeom prst="rect">
+              <a:avLst/>
+            </a:prstGeom>
+            <a:noFill/>
+          </p:spPr>
+          <p:txBody>
+            <a:bodyPr wrap="square" rtlCol="0">
+              <a:spAutoFit/>
+            </a:bodyPr>
+            <a:lstStyle/>
+            <a:p>
+              <a:r>
+                <a:rPr lang="en-DK" dirty="0">
+                  <a:solidFill>
+                    <a:sysClr val="windowText" lastClr="000000"/>
+                  </a:solidFill>
+                </a:rPr>
+                <a:t>Introduction</a:t>
+              </a:r>
+            </a:p>
+          </p:txBody>
+        </p:sp>
+        <p:sp>
+          <p:nvSpPr>
+            <p:cNvPr id="29" name="TextBox 28">
+              <a:extLst>
+                <a:ext uri="{FF2B5EF4-FFF2-40B4-BE49-F238E27FC236}">
+                  <a16:creationId xmlns:a16="http://schemas.microsoft.com/office/drawing/2014/main" id="{CBB4B536-26CE-154C-AAFD-A3461744F369}"/>
+                </a:ext>
+              </a:extLst>
+            </p:cNvPr>
+            <p:cNvSpPr txBox="1"/>
+            <p:nvPr/>
+          </p:nvSpPr>
+          <p:spPr>
+            <a:xfrm>
+              <a:off x="546652" y="3588026"/>
+              <a:ext cx="2643809" cy="2862322"/>
+            </a:xfrm>
+            <a:prstGeom prst="rect">
+              <a:avLst/>
+            </a:prstGeom>
+            <a:noFill/>
+          </p:spPr>
+          <p:txBody>
+            <a:bodyPr wrap="square" rtlCol="0">
+              <a:spAutoFit/>
+            </a:bodyPr>
+            <a:lstStyle/>
+            <a:p>
+              <a:r>
+                <a:rPr lang="en-DK" dirty="0">
+                  <a:solidFill>
+                    <a:sysClr val="windowText" lastClr="000000"/>
+                  </a:solidFill>
+                </a:rPr>
+                <a:t>This is some place holder text about introduction!</a:t>
+              </a:r>
+            </a:p>
+            <a:p>
+              <a:r>
+                <a:rPr lang="en-DK" dirty="0">
+                  <a:solidFill>
+                    <a:sysClr val="windowText" lastClr="000000"/>
+                  </a:solidFill>
+                </a:rPr>
+                <a:t>This is some place hThis is some place holder text about introduction!</a:t>
+              </a:r>
+            </a:p>
+            <a:p>
+              <a:r>
+                <a:rPr lang="en-DK" dirty="0">
+                  <a:solidFill>
+                    <a:sysClr val="windowText" lastClr="000000"/>
+                  </a:solidFill>
+                </a:rPr>
+                <a:t>older text about introduction!</a:t>
+              </a:r>
+            </a:p>
+            <a:p>
+              <a:endParaRPr lang="en-DK" dirty="0">
+                <a:solidFill>
+                  <a:sysClr val="windowText" lastClr="000000"/>
+                </a:solidFill>
+              </a:endParaRPr>
+            </a:p>
+          </p:txBody>
+        </p:sp>
+      </p:grpSp>
+    </p:spTree>
+    <p:extLst>
+      <p:ext uri="{BB962C8B-B14F-4D97-AF65-F5344CB8AC3E}">
+        <p14:creationId xmlns:p14="http://schemas.microsoft.com/office/powerpoint/2010/main" val="3780921108"/>
+      </p:ext>
+    </p:extLst>
+  </p:cSld>
+  <p:clrMapOvr>
+    <a:masterClrMapping/>
+  </p:clrMapOvr>
+  <mc:AlternateContent xmlns:mc="http://schemas.openxmlformats.org/markup-compatibility/2006">
+    <mc:Choice xmlns:p159="http://schemas.microsoft.com/office/powerpoint/2015/09/main" Requires="p159">
+      <p:transition xmlns:p14="http://schemas.microsoft.com/office/powerpoint/2010/main" spd="slow" p14:dur="2000">
+        <p159:morph option="byObject"/>
+      </p:transition>
+    </mc:Choice>
+    <mc:Fallback>
+      <p:transition spd="slow">
+        <p:fade/>
+      </p:transition>
+    </mc:Fallback>
+  </mc:AlternateContent>
+</p:sld>
+</file>
+
 <file path=ppt/theme/theme1.xml><?xml version="1.0" encoding="utf-8"?>
-<a:theme xmlns:a="http://schemas.openxmlformats.org/drawingml/2006/main" name="Office Theme">
+<a:theme xmlns:a="http://schemas.openxmlformats.org/drawingml/2006/main" name="ShapesVTI">
   <a:themeElements>
     <a:clrScheme name="Office">
       <a:dk1>
-        <a:sysClr val="windowText" lastClr="000000"/>
+        <a:srgbClr val="000000"/>
       </a:dk1>
       <a:lt1>
-        <a:sysClr val="window" lastClr="FFFFFF"/>
+        <a:srgbClr val="FFFFFF"/>
       </a:lt1>
       <a:dk2>
-        <a:srgbClr val="44546A"/>
+        <a:srgbClr val="262626"/>
       </a:dk2>
       <a:lt2>
-        <a:srgbClr val="E7E6E6"/>
+        <a:srgbClr val="FFFFFF"/>
       </a:lt2>
       <a:accent1>
-        <a:srgbClr val="4472C4"/>
+        <a:srgbClr val="F5A700"/>
       </a:accent1>
       <a:accent2>
-        <a:srgbClr val="ED7D31"/>
+        <a:srgbClr val="00A5AB"/>
       </a:accent2>
       <a:accent3>
-        <a:srgbClr val="A5A5A5"/>
+        <a:srgbClr val="09963B"/>
       </a:accent3>
       <a:accent4>
-        <a:srgbClr val="FFC000"/>
+        <a:srgbClr val="E64823"/>
       </a:accent4>
       <a:accent5>
-        <a:srgbClr val="5B9BD5"/>
+        <a:srgbClr val="9C6A6A"/>
       </a:accent5>
       <a:accent6>
-        <a:srgbClr val="70AD47"/>
+        <a:srgbClr val="824F8C"/>
       </a:accent6>
       <a:hlink>
-        <a:srgbClr val="0563C1"/>
+        <a:srgbClr val="2998E3"/>
       </a:hlink>
       <a:folHlink>
-        <a:srgbClr val="954F72"/>
+        <a:srgbClr val="7F723D"/>
       </a:folHlink>
     </a:clrScheme>
-    <a:fontScheme name="Office">
+    <a:fontScheme name="Festival">
       <a:majorFont>
-        <a:latin typeface="Calibri Light" panose="020F0302020204030204"/>
+        <a:latin typeface="Tw Cen MT"/>
         <a:ea typeface=""/>
         <a:cs typeface=""/>
-        <a:font script="Jpan" typeface="游ゴシック Light"/>
-        <a:font script="Hang" typeface="맑은 고딕"/>
-        <a:font script="Hans" typeface="等线 Light"/>
-        <a:font script="Hant" typeface="新細明體"/>
-        <a:font script="Arab" typeface="Times New Roman"/>
-        <a:font script="Hebr" typeface="Times New Roman"/>
-        <a:font script="Thai" typeface="Angsana New"/>
-        <a:font script="Ethi" typeface="Nyala"/>
-        <a:font script="Beng" typeface="Vrinda"/>
-        <a:font script="Gujr" typeface="Shruti"/>
-        <a:font script="Khmr" typeface="MoolBoran"/>
-        <a:font script="Knda" typeface="Tunga"/>
-        <a:font script="Guru" typeface="Raavi"/>
-        <a:font script="Cans" typeface="Euphemia"/>
-        <a:font script="Cher" typeface="Plantagenet Cherokee"/>
-        <a:font script="Yiii" typeface="Microsoft Yi Baiti"/>
-        <a:font script="Tibt" typeface="Microsoft Himalaya"/>
-        <a:font script="Thaa" typeface="MV Boli"/>
-        <a:font script="Deva" typeface="Mangal"/>
-        <a:font script="Telu" typeface="Gautami"/>
-        <a:font script="Taml" typeface="Latha"/>
-        <a:font script="Syrc" typeface="Estrangelo Edessa"/>
-        <a:font script="Orya" typeface="Kalinga"/>
-        <a:font script="Mlym" typeface="Kartika"/>
-        <a:font script="Laoo" typeface="DokChampa"/>
-        <a:font script="Sinh" typeface="Iskoola Pota"/>
-        <a:font script="Mong" typeface="Mongolian Baiti"/>
-        <a:font script="Viet" typeface="Times New Roman"/>
-        <a:font script="Uigh" typeface="Microsoft Uighur"/>
-        <a:font script="Geor" typeface="Sylfaen"/>
-        <a:font script="Armn" typeface="Arial"/>
-        <a:font script="Bugi" typeface="Leelawadee UI"/>
-        <a:font script="Bopo" typeface="Microsoft JhengHei"/>
-        <a:font script="Java" typeface="Javanese Text"/>
-        <a:font script="Lisu" typeface="Segoe UI"/>
-        <a:font script="Mymr" typeface="Myanmar Text"/>
-        <a:font script="Nkoo" typeface="Ebrima"/>
-        <a:font script="Olck" typeface="Nirmala UI"/>
-        <a:font script="Osma" typeface="Ebrima"/>
-        <a:font script="Phag" typeface="Phagspa"/>
-        <a:font script="Syrn" typeface="Estrangelo Edessa"/>
-        <a:font script="Syrj" typeface="Estrangelo Edessa"/>
-        <a:font script="Syre" typeface="Estrangelo Edessa"/>
-        <a:font script="Sora" typeface="Nirmala UI"/>
-        <a:font script="Tale" typeface="Microsoft Tai Le"/>
-        <a:font script="Talu" typeface="Microsoft New Tai Lue"/>
-        <a:font script="Tfng" typeface="Ebrima"/>
       </a:majorFont>
       <a:minorFont>
-        <a:latin typeface="Calibri" panose="020F0502020204030204"/>
+        <a:latin typeface="Avenir Next LT Pro"/>
         <a:ea typeface=""/>
         <a:cs typeface=""/>
-        <a:font script="Jpan" typeface="游ゴシック"/>
-        <a:font script="Hang" typeface="맑은 고딕"/>
-        <a:font script="Hans" typeface="等线"/>
-        <a:font script="Hant" typeface="新細明體"/>
-        <a:font script="Arab" typeface="Arial"/>
-        <a:font script="Hebr" typeface="Arial"/>
-        <a:font script="Thai" typeface="Cordia New"/>
-        <a:font script="Ethi" typeface="Nyala"/>
-        <a:font script="Beng" typeface="Vrinda"/>
-        <a:font script="Gujr" typeface="Shruti"/>
-        <a:font script="Khmr" typeface="DaunPenh"/>
-        <a:font script="Knda" typeface="Tunga"/>
-        <a:font script="Guru" typeface="Raavi"/>
-        <a:font script="Cans" typeface="Euphemia"/>
-        <a:font script="Cher" typeface="Plantagenet Cherokee"/>
-        <a:font script="Yiii" typeface="Microsoft Yi Baiti"/>
-        <a:font script="Tibt" typeface="Microsoft Himalaya"/>
-        <a:font script="Thaa" typeface="MV Boli"/>
-        <a:font script="Deva" typeface="Mangal"/>
-        <a:font script="Telu" typeface="Gautami"/>
-        <a:font script="Taml" typeface="Latha"/>
-        <a:font script="Syrc" typeface="Estrangelo Edessa"/>
-        <a:font script="Orya" typeface="Kalinga"/>
-        <a:font script="Mlym" typeface="Kartika"/>
-        <a:font script="Laoo" typeface="DokChampa"/>
-        <a:font script="Sinh" typeface="Iskoola Pota"/>
-        <a:font script="Mong" typeface="Mongolian Baiti"/>
-        <a:font script="Viet" typeface="Arial"/>
-        <a:font script="Uigh" typeface="Microsoft Uighur"/>
-        <a:font script="Geor" typeface="Sylfaen"/>
-        <a:font script="Armn" typeface="Arial"/>
-        <a:font script="Bugi" typeface="Leelawadee UI"/>
-        <a:font script="Bopo" typeface="Microsoft JhengHei"/>
-        <a:font script="Java" typeface="Javanese Text"/>
-        <a:font script="Lisu" typeface="Segoe UI"/>
-        <a:font script="Mymr" typeface="Myanmar Text"/>
-        <a:font script="Nkoo" typeface="Ebrima"/>
-        <a:font script="Olck" typeface="Nirmala UI"/>
-        <a:font script="Osma" typeface="Ebrima"/>
-        <a:font script="Phag" typeface="Phagspa"/>
-        <a:font script="Syrn" typeface="Estrangelo Edessa"/>
-        <a:font script="Syrj" typeface="Estrangelo Edessa"/>
-        <a:font script="Syre" typeface="Estrangelo Edessa"/>
-        <a:font script="Sora" typeface="Nirmala UI"/>
-        <a:font script="Tale" typeface="Microsoft Tai Le"/>
-        <a:font script="Talu" typeface="Microsoft New Tai Lue"/>
-        <a:font script="Tfng" typeface="Ebrima"/>
       </a:minorFont>
     </a:fontScheme>
     <a:fmtScheme name="Office">
@@ -3694,7 +9767,7 @@
   <a:extraClrSchemeLst/>
   <a:extLst>
     <a:ext uri="{05A4C25C-085E-4340-85A3-A5531E510DB2}">
-      <thm15:themeFamily xmlns:thm15="http://schemas.microsoft.com/office/thememl/2012/main" name="Office Theme" id="{62F939B6-93AF-4DB8-9C6B-D6C7DFDC589F}" vid="{4A3C46E8-61CC-4603-A589-7422A47A8E4A}"/>
+      <thm15:themeFamily xmlns:thm15="http://schemas.microsoft.com/office/thememl/2012/main" name="ShapesVTI" id="{C78D20FD-A872-4243-8597-B534C62538FF}" vid="{7CAFCCF9-7834-41D6-B6AB-7D225A18A4E9}"/>
     </a:ext>
   </a:extLst>
 </a:theme>
